--- a/Presentation/Qamuy.pptx
+++ b/Presentation/Qamuy.pptx
@@ -4,6 +4,9 @@
   <p:sldMasterIdLst>
     <p:sldMasterId id="2147483648" r:id="rId1"/>
   </p:sldMasterIdLst>
+  <p:notesMasterIdLst>
+    <p:notesMasterId r:id="rId19"/>
+  </p:notesMasterIdLst>
   <p:sldIdLst>
     <p:sldId id="256" r:id="rId2"/>
     <p:sldId id="260" r:id="rId3"/>
@@ -20,6 +23,8 @@
     <p:sldId id="276" r:id="rId14"/>
     <p:sldId id="264" r:id="rId15"/>
     <p:sldId id="265" r:id="rId16"/>
+    <p:sldId id="278" r:id="rId17"/>
+    <p:sldId id="279" r:id="rId18"/>
   </p:sldIdLst>
   <p:sldSz cx="12192000" cy="6858000"/>
   <p:notesSz cx="6858000" cy="9144000"/>
@@ -1213,11 +1218,49 @@
   </pc:docChgLst>
   <pc:docChgLst>
     <pc:chgData name="Kanai, Yosuke" userId="d779c3de-4413-466b-b6b1-9088a704e278" providerId="ADAL" clId="{0A4E93B9-5E3C-6841-9698-217E166B8957}"/>
-    <pc:docChg chg="custSel modSld">
-      <pc:chgData name="Kanai, Yosuke" userId="d779c3de-4413-466b-b6b1-9088a704e278" providerId="ADAL" clId="{0A4E93B9-5E3C-6841-9698-217E166B8957}" dt="2022-05-18T13:55:30.524" v="250" actId="20577"/>
+    <pc:docChg chg="undo custSel modSld">
+      <pc:chgData name="Kanai, Yosuke" userId="d779c3de-4413-466b-b6b1-9088a704e278" providerId="ADAL" clId="{0A4E93B9-5E3C-6841-9698-217E166B8957}" dt="2022-05-31T15:37:42.663" v="741" actId="1076"/>
       <pc:docMkLst>
         <pc:docMk/>
       </pc:docMkLst>
+      <pc:sldChg chg="addSp modSp">
+        <pc:chgData name="Kanai, Yosuke" userId="d779c3de-4413-466b-b6b1-9088a704e278" providerId="ADAL" clId="{0A4E93B9-5E3C-6841-9698-217E166B8957}" dt="2022-05-31T15:37:42.663" v="741" actId="1076"/>
+        <pc:sldMkLst>
+          <pc:docMk/>
+          <pc:sldMk cId="3546754586" sldId="256"/>
+        </pc:sldMkLst>
+        <pc:picChg chg="add mod">
+          <ac:chgData name="Kanai, Yosuke" userId="d779c3de-4413-466b-b6b1-9088a704e278" providerId="ADAL" clId="{0A4E93B9-5E3C-6841-9698-217E166B8957}" dt="2022-05-31T15:37:42.663" v="741" actId="1076"/>
+          <ac:picMkLst>
+            <pc:docMk/>
+            <pc:sldMk cId="3546754586" sldId="256"/>
+            <ac:picMk id="1026" creationId="{654D6791-499F-4948-821C-E3636F7B480F}"/>
+          </ac:picMkLst>
+        </pc:picChg>
+      </pc:sldChg>
+      <pc:sldChg chg="modSp mod">
+        <pc:chgData name="Kanai, Yosuke" userId="d779c3de-4413-466b-b6b1-9088a704e278" providerId="ADAL" clId="{0A4E93B9-5E3C-6841-9698-217E166B8957}" dt="2022-05-31T15:32:28.190" v="710" actId="20577"/>
+        <pc:sldMkLst>
+          <pc:docMk/>
+          <pc:sldMk cId="934668122" sldId="258"/>
+        </pc:sldMkLst>
+        <pc:spChg chg="mod">
+          <ac:chgData name="Kanai, Yosuke" userId="d779c3de-4413-466b-b6b1-9088a704e278" providerId="ADAL" clId="{0A4E93B9-5E3C-6841-9698-217E166B8957}" dt="2022-05-31T15:32:28.190" v="710" actId="20577"/>
+          <ac:spMkLst>
+            <pc:docMk/>
+            <pc:sldMk cId="934668122" sldId="258"/>
+            <ac:spMk id="2" creationId="{7E1D279F-D193-A94F-82BA-9E8667598611}"/>
+          </ac:spMkLst>
+        </pc:spChg>
+        <pc:spChg chg="mod">
+          <ac:chgData name="Kanai, Yosuke" userId="d779c3de-4413-466b-b6b1-9088a704e278" providerId="ADAL" clId="{0A4E93B9-5E3C-6841-9698-217E166B8957}" dt="2022-05-30T19:00:42.389" v="320" actId="20577"/>
+          <ac:spMkLst>
+            <pc:docMk/>
+            <pc:sldMk cId="934668122" sldId="258"/>
+            <ac:spMk id="3" creationId="{B1680439-772B-BC40-BD04-612BE580707F}"/>
+          </ac:spMkLst>
+        </pc:spChg>
+      </pc:sldChg>
       <pc:sldChg chg="modSp mod">
         <pc:chgData name="Kanai, Yosuke" userId="d779c3de-4413-466b-b6b1-9088a704e278" providerId="ADAL" clId="{0A4E93B9-5E3C-6841-9698-217E166B8957}" dt="2022-05-17T23:01:50.808" v="149" actId="20577"/>
         <pc:sldMkLst>
@@ -1249,12 +1292,112 @@
           </ac:spMkLst>
         </pc:spChg>
       </pc:sldChg>
+      <pc:sldChg chg="modSp mod">
+        <pc:chgData name="Kanai, Yosuke" userId="d779c3de-4413-466b-b6b1-9088a704e278" providerId="ADAL" clId="{0A4E93B9-5E3C-6841-9698-217E166B8957}" dt="2022-05-31T15:27:59.090" v="521" actId="20577"/>
+        <pc:sldMkLst>
+          <pc:docMk/>
+          <pc:sldMk cId="4172918105" sldId="261"/>
+        </pc:sldMkLst>
+        <pc:spChg chg="mod">
+          <ac:chgData name="Kanai, Yosuke" userId="d779c3de-4413-466b-b6b1-9088a704e278" providerId="ADAL" clId="{0A4E93B9-5E3C-6841-9698-217E166B8957}" dt="2022-05-31T15:27:59.090" v="521" actId="20577"/>
+          <ac:spMkLst>
+            <pc:docMk/>
+            <pc:sldMk cId="4172918105" sldId="261"/>
+            <ac:spMk id="2" creationId="{39F0D3B0-D458-D147-9C9B-391698AB21D3}"/>
+          </ac:spMkLst>
+        </pc:spChg>
+        <pc:spChg chg="mod">
+          <ac:chgData name="Kanai, Yosuke" userId="d779c3de-4413-466b-b6b1-9088a704e278" providerId="ADAL" clId="{0A4E93B9-5E3C-6841-9698-217E166B8957}" dt="2022-05-30T19:13:17.893" v="480" actId="20577"/>
+          <ac:spMkLst>
+            <pc:docMk/>
+            <pc:sldMk cId="4172918105" sldId="261"/>
+            <ac:spMk id="3" creationId="{8C4247E9-F5E2-D04E-912F-629C0E432790}"/>
+          </ac:spMkLst>
+        </pc:spChg>
+      </pc:sldChg>
+      <pc:sldChg chg="modSp mod">
+        <pc:chgData name="Kanai, Yosuke" userId="d779c3de-4413-466b-b6b1-9088a704e278" providerId="ADAL" clId="{0A4E93B9-5E3C-6841-9698-217E166B8957}" dt="2022-05-31T15:36:17.299" v="735" actId="20577"/>
+        <pc:sldMkLst>
+          <pc:docMk/>
+          <pc:sldMk cId="506488544" sldId="264"/>
+        </pc:sldMkLst>
+        <pc:spChg chg="mod">
+          <ac:chgData name="Kanai, Yosuke" userId="d779c3de-4413-466b-b6b1-9088a704e278" providerId="ADAL" clId="{0A4E93B9-5E3C-6841-9698-217E166B8957}" dt="2022-05-30T19:12:41.046" v="470" actId="20577"/>
+          <ac:spMkLst>
+            <pc:docMk/>
+            <pc:sldMk cId="506488544" sldId="264"/>
+            <ac:spMk id="2" creationId="{2A89BB38-9D99-DC45-AFB9-92D179F3038D}"/>
+          </ac:spMkLst>
+        </pc:spChg>
+        <pc:spChg chg="mod">
+          <ac:chgData name="Kanai, Yosuke" userId="d779c3de-4413-466b-b6b1-9088a704e278" providerId="ADAL" clId="{0A4E93B9-5E3C-6841-9698-217E166B8957}" dt="2022-05-31T15:36:17.299" v="735" actId="20577"/>
+          <ac:spMkLst>
+            <pc:docMk/>
+            <pc:sldMk cId="506488544" sldId="264"/>
+            <ac:spMk id="3" creationId="{96CED5D5-FE9A-6B4D-BB08-F975792EC40C}"/>
+          </ac:spMkLst>
+        </pc:spChg>
+      </pc:sldChg>
+      <pc:sldChg chg="modSp mod">
+        <pc:chgData name="Kanai, Yosuke" userId="d779c3de-4413-466b-b6b1-9088a704e278" providerId="ADAL" clId="{0A4E93B9-5E3C-6841-9698-217E166B8957}" dt="2022-05-30T19:04:40.773" v="386" actId="20577"/>
+        <pc:sldMkLst>
+          <pc:docMk/>
+          <pc:sldMk cId="145953903" sldId="265"/>
+        </pc:sldMkLst>
+        <pc:spChg chg="mod">
+          <ac:chgData name="Kanai, Yosuke" userId="d779c3de-4413-466b-b6b1-9088a704e278" providerId="ADAL" clId="{0A4E93B9-5E3C-6841-9698-217E166B8957}" dt="2022-05-30T19:04:40.773" v="386" actId="20577"/>
+          <ac:spMkLst>
+            <pc:docMk/>
+            <pc:sldMk cId="145953903" sldId="265"/>
+            <ac:spMk id="3" creationId="{58D85FBB-5E90-3B4E-A691-C18522E4A7C5}"/>
+          </ac:spMkLst>
+        </pc:spChg>
+      </pc:sldChg>
+      <pc:sldChg chg="modSp mod">
+        <pc:chgData name="Kanai, Yosuke" userId="d779c3de-4413-466b-b6b1-9088a704e278" providerId="ADAL" clId="{0A4E93B9-5E3C-6841-9698-217E166B8957}" dt="2022-05-31T15:28:09.915" v="527" actId="20577"/>
+        <pc:sldMkLst>
+          <pc:docMk/>
+          <pc:sldMk cId="1565591533" sldId="268"/>
+        </pc:sldMkLst>
+        <pc:spChg chg="mod">
+          <ac:chgData name="Kanai, Yosuke" userId="d779c3de-4413-466b-b6b1-9088a704e278" providerId="ADAL" clId="{0A4E93B9-5E3C-6841-9698-217E166B8957}" dt="2022-05-31T15:28:09.915" v="527" actId="20577"/>
+          <ac:spMkLst>
+            <pc:docMk/>
+            <pc:sldMk cId="1565591533" sldId="268"/>
+            <ac:spMk id="2" creationId="{B2072C9E-4392-764B-860F-2844E6BAE3C0}"/>
+          </ac:spMkLst>
+        </pc:spChg>
+        <pc:spChg chg="mod">
+          <ac:chgData name="Kanai, Yosuke" userId="d779c3de-4413-466b-b6b1-9088a704e278" providerId="ADAL" clId="{0A4E93B9-5E3C-6841-9698-217E166B8957}" dt="2022-05-31T15:21:09.414" v="483" actId="20577"/>
+          <ac:spMkLst>
+            <pc:docMk/>
+            <pc:sldMk cId="1565591533" sldId="268"/>
+            <ac:spMk id="6" creationId="{7EEF81F5-D122-B142-9BE4-F667357E894F}"/>
+          </ac:spMkLst>
+        </pc:spChg>
+        <pc:graphicFrameChg chg="modGraphic">
+          <ac:chgData name="Kanai, Yosuke" userId="d779c3de-4413-466b-b6b1-9088a704e278" providerId="ADAL" clId="{0A4E93B9-5E3C-6841-9698-217E166B8957}" dt="2022-05-31T15:21:26.840" v="484" actId="20577"/>
+          <ac:graphicFrameMkLst>
+            <pc:docMk/>
+            <pc:sldMk cId="1565591533" sldId="268"/>
+            <ac:graphicFrameMk id="5" creationId="{193FBAE6-265F-664F-B8C7-C8940C8BAA92}"/>
+          </ac:graphicFrameMkLst>
+        </pc:graphicFrameChg>
+      </pc:sldChg>
       <pc:sldChg chg="addSp delSp modSp mod">
-        <pc:chgData name="Kanai, Yosuke" userId="d779c3de-4413-466b-b6b1-9088a704e278" providerId="ADAL" clId="{0A4E93B9-5E3C-6841-9698-217E166B8957}" dt="2022-05-18T13:55:30.524" v="250" actId="20577"/>
+        <pc:chgData name="Kanai, Yosuke" userId="d779c3de-4413-466b-b6b1-9088a704e278" providerId="ADAL" clId="{0A4E93B9-5E3C-6841-9698-217E166B8957}" dt="2022-05-31T15:28:03.167" v="523" actId="20577"/>
         <pc:sldMkLst>
           <pc:docMk/>
           <pc:sldMk cId="1907037668" sldId="269"/>
         </pc:sldMkLst>
+        <pc:spChg chg="mod">
+          <ac:chgData name="Kanai, Yosuke" userId="d779c3de-4413-466b-b6b1-9088a704e278" providerId="ADAL" clId="{0A4E93B9-5E3C-6841-9698-217E166B8957}" dt="2022-05-31T15:28:03.167" v="523" actId="20577"/>
+          <ac:spMkLst>
+            <pc:docMk/>
+            <pc:sldMk cId="1907037668" sldId="269"/>
+            <ac:spMk id="2" creationId="{39F0D3B0-D458-D147-9C9B-391698AB21D3}"/>
+          </ac:spMkLst>
+        </pc:spChg>
         <pc:spChg chg="add del mod">
           <ac:chgData name="Kanai, Yosuke" userId="d779c3de-4413-466b-b6b1-9088a704e278" providerId="ADAL" clId="{0A4E93B9-5E3C-6841-9698-217E166B8957}" dt="2022-05-17T23:05:04.038" v="165"/>
           <ac:spMkLst>
@@ -1271,10 +1414,1729 @@
             <ac:spMk id="5" creationId="{88AF0AE8-CBDA-204B-974E-2E4C4F4A83E6}"/>
           </ac:spMkLst>
         </pc:spChg>
+        <pc:spChg chg="mod">
+          <ac:chgData name="Kanai, Yosuke" userId="d779c3de-4413-466b-b6b1-9088a704e278" providerId="ADAL" clId="{0A4E93B9-5E3C-6841-9698-217E166B8957}" dt="2022-05-30T18:58:44.482" v="292" actId="20577"/>
+          <ac:spMkLst>
+            <pc:docMk/>
+            <pc:sldMk cId="1907037668" sldId="269"/>
+            <ac:spMk id="8" creationId="{7D8151EB-F02E-7643-B87C-39CB75C7316E}"/>
+          </ac:spMkLst>
+        </pc:spChg>
+      </pc:sldChg>
+      <pc:sldChg chg="modSp mod">
+        <pc:chgData name="Kanai, Yosuke" userId="d779c3de-4413-466b-b6b1-9088a704e278" providerId="ADAL" clId="{0A4E93B9-5E3C-6841-9698-217E166B8957}" dt="2022-05-31T15:27:53.143" v="520" actId="20577"/>
+        <pc:sldMkLst>
+          <pc:docMk/>
+          <pc:sldMk cId="265903707" sldId="271"/>
+        </pc:sldMkLst>
+        <pc:spChg chg="mod">
+          <ac:chgData name="Kanai, Yosuke" userId="d779c3de-4413-466b-b6b1-9088a704e278" providerId="ADAL" clId="{0A4E93B9-5E3C-6841-9698-217E166B8957}" dt="2022-05-31T15:27:53.143" v="520" actId="20577"/>
+          <ac:spMkLst>
+            <pc:docMk/>
+            <pc:sldMk cId="265903707" sldId="271"/>
+            <ac:spMk id="2" creationId="{6171F62B-E797-E844-A8BD-047B19621629}"/>
+          </ac:spMkLst>
+        </pc:spChg>
+      </pc:sldChg>
+      <pc:sldChg chg="modSp mod">
+        <pc:chgData name="Kanai, Yosuke" userId="d779c3de-4413-466b-b6b1-9088a704e278" providerId="ADAL" clId="{0A4E93B9-5E3C-6841-9698-217E166B8957}" dt="2022-05-30T18:57:34.026" v="286" actId="20577"/>
+        <pc:sldMkLst>
+          <pc:docMk/>
+          <pc:sldMk cId="501322175" sldId="273"/>
+        </pc:sldMkLst>
+        <pc:spChg chg="mod">
+          <ac:chgData name="Kanai, Yosuke" userId="d779c3de-4413-466b-b6b1-9088a704e278" providerId="ADAL" clId="{0A4E93B9-5E3C-6841-9698-217E166B8957}" dt="2022-05-30T18:57:34.026" v="286" actId="20577"/>
+          <ac:spMkLst>
+            <pc:docMk/>
+            <pc:sldMk cId="501322175" sldId="273"/>
+            <ac:spMk id="9" creationId="{8DCC047C-0063-B346-9D2C-6DE15145F1BD}"/>
+          </ac:spMkLst>
+        </pc:spChg>
+      </pc:sldChg>
+      <pc:sldChg chg="modSp mod">
+        <pc:chgData name="Kanai, Yosuke" userId="d779c3de-4413-466b-b6b1-9088a704e278" providerId="ADAL" clId="{0A4E93B9-5E3C-6841-9698-217E166B8957}" dt="2022-05-31T15:31:35.679" v="653" actId="20577"/>
+        <pc:sldMkLst>
+          <pc:docMk/>
+          <pc:sldMk cId="297649138" sldId="274"/>
+        </pc:sldMkLst>
+        <pc:spChg chg="mod">
+          <ac:chgData name="Kanai, Yosuke" userId="d779c3de-4413-466b-b6b1-9088a704e278" providerId="ADAL" clId="{0A4E93B9-5E3C-6841-9698-217E166B8957}" dt="2022-05-30T19:00:02.475" v="297" actId="20577"/>
+          <ac:spMkLst>
+            <pc:docMk/>
+            <pc:sldMk cId="297649138" sldId="274"/>
+            <ac:spMk id="2" creationId="{A25C87C0-106A-1343-8CDA-B7053D9B3F5F}"/>
+          </ac:spMkLst>
+        </pc:spChg>
+        <pc:spChg chg="mod">
+          <ac:chgData name="Kanai, Yosuke" userId="d779c3de-4413-466b-b6b1-9088a704e278" providerId="ADAL" clId="{0A4E93B9-5E3C-6841-9698-217E166B8957}" dt="2022-05-31T15:25:51.371" v="512" actId="20577"/>
+          <ac:spMkLst>
+            <pc:docMk/>
+            <pc:sldMk cId="297649138" sldId="274"/>
+            <ac:spMk id="3" creationId="{F9A45909-9A47-D945-914C-C52A38B1305A}"/>
+          </ac:spMkLst>
+        </pc:spChg>
+        <pc:spChg chg="mod">
+          <ac:chgData name="Kanai, Yosuke" userId="d779c3de-4413-466b-b6b1-9088a704e278" providerId="ADAL" clId="{0A4E93B9-5E3C-6841-9698-217E166B8957}" dt="2022-05-31T15:31:35.679" v="653" actId="20577"/>
+          <ac:spMkLst>
+            <pc:docMk/>
+            <pc:sldMk cId="297649138" sldId="274"/>
+            <ac:spMk id="10" creationId="{80C1DD8C-A42F-A04B-8E82-E5549853AC06}"/>
+          </ac:spMkLst>
+        </pc:spChg>
+      </pc:sldChg>
+      <pc:sldChg chg="modSp mod">
+        <pc:chgData name="Kanai, Yosuke" userId="d779c3de-4413-466b-b6b1-9088a704e278" providerId="ADAL" clId="{0A4E93B9-5E3C-6841-9698-217E166B8957}" dt="2022-05-31T15:29:07.095" v="581" actId="20577"/>
+        <pc:sldMkLst>
+          <pc:docMk/>
+          <pc:sldMk cId="2980149255" sldId="275"/>
+        </pc:sldMkLst>
+        <pc:spChg chg="mod">
+          <ac:chgData name="Kanai, Yosuke" userId="d779c3de-4413-466b-b6b1-9088a704e278" providerId="ADAL" clId="{0A4E93B9-5E3C-6841-9698-217E166B8957}" dt="2022-05-31T15:29:07.095" v="581" actId="20577"/>
+          <ac:spMkLst>
+            <pc:docMk/>
+            <pc:sldMk cId="2980149255" sldId="275"/>
+            <ac:spMk id="2" creationId="{B2072C9E-4392-764B-860F-2844E6BAE3C0}"/>
+          </ac:spMkLst>
+        </pc:spChg>
+        <pc:spChg chg="mod">
+          <ac:chgData name="Kanai, Yosuke" userId="d779c3de-4413-466b-b6b1-9088a704e278" providerId="ADAL" clId="{0A4E93B9-5E3C-6841-9698-217E166B8957}" dt="2022-05-31T15:24:14.404" v="507" actId="207"/>
+          <ac:spMkLst>
+            <pc:docMk/>
+            <pc:sldMk cId="2980149255" sldId="275"/>
+            <ac:spMk id="3" creationId="{BD87C351-0337-AA4F-9DB4-3BE47FBED4F9}"/>
+          </ac:spMkLst>
+        </pc:spChg>
+        <pc:graphicFrameChg chg="mod modGraphic">
+          <ac:chgData name="Kanai, Yosuke" userId="d779c3de-4413-466b-b6b1-9088a704e278" providerId="ADAL" clId="{0A4E93B9-5E3C-6841-9698-217E166B8957}" dt="2022-05-31T15:24:10.323" v="506" actId="1076"/>
+          <ac:graphicFrameMkLst>
+            <pc:docMk/>
+            <pc:sldMk cId="2980149255" sldId="275"/>
+            <ac:graphicFrameMk id="9" creationId="{C6CF0D80-01F2-FF4C-80B5-6D0B3AF48A66}"/>
+          </ac:graphicFrameMkLst>
+        </pc:graphicFrameChg>
+      </pc:sldChg>
+      <pc:sldChg chg="modSp mod">
+        <pc:chgData name="Kanai, Yosuke" userId="d779c3de-4413-466b-b6b1-9088a704e278" providerId="ADAL" clId="{0A4E93B9-5E3C-6841-9698-217E166B8957}" dt="2022-05-31T15:33:20.316" v="714" actId="20577"/>
+        <pc:sldMkLst>
+          <pc:docMk/>
+          <pc:sldMk cId="801132716" sldId="276"/>
+        </pc:sldMkLst>
+        <pc:spChg chg="mod">
+          <ac:chgData name="Kanai, Yosuke" userId="d779c3de-4413-466b-b6b1-9088a704e278" providerId="ADAL" clId="{0A4E93B9-5E3C-6841-9698-217E166B8957}" dt="2022-05-31T15:27:05.983" v="514" actId="20577"/>
+          <ac:spMkLst>
+            <pc:docMk/>
+            <pc:sldMk cId="801132716" sldId="276"/>
+            <ac:spMk id="2" creationId="{DE7AE919-1A43-8F4A-BA85-DF4B9C5C58F0}"/>
+          </ac:spMkLst>
+        </pc:spChg>
+        <pc:spChg chg="mod">
+          <ac:chgData name="Kanai, Yosuke" userId="d779c3de-4413-466b-b6b1-9088a704e278" providerId="ADAL" clId="{0A4E93B9-5E3C-6841-9698-217E166B8957}" dt="2022-05-31T15:33:20.316" v="714" actId="20577"/>
+          <ac:spMkLst>
+            <pc:docMk/>
+            <pc:sldMk cId="801132716" sldId="276"/>
+            <ac:spMk id="6" creationId="{1F28C9CD-42B6-7343-9148-462C71F9C1A9}"/>
+          </ac:spMkLst>
+        </pc:spChg>
+      </pc:sldChg>
+      <pc:sldChg chg="modSp mod">
+        <pc:chgData name="Kanai, Yosuke" userId="d779c3de-4413-466b-b6b1-9088a704e278" providerId="ADAL" clId="{0A4E93B9-5E3C-6841-9698-217E166B8957}" dt="2022-05-31T15:30:25.047" v="621" actId="20577"/>
+        <pc:sldMkLst>
+          <pc:docMk/>
+          <pc:sldMk cId="3800796651" sldId="277"/>
+        </pc:sldMkLst>
+        <pc:spChg chg="mod">
+          <ac:chgData name="Kanai, Yosuke" userId="d779c3de-4413-466b-b6b1-9088a704e278" providerId="ADAL" clId="{0A4E93B9-5E3C-6841-9698-217E166B8957}" dt="2022-05-31T15:30:25.047" v="621" actId="20577"/>
+          <ac:spMkLst>
+            <pc:docMk/>
+            <pc:sldMk cId="3800796651" sldId="277"/>
+            <ac:spMk id="2" creationId="{5EE28E3D-3415-4248-BC88-E36F4B3438D7}"/>
+          </ac:spMkLst>
+        </pc:spChg>
+        <pc:spChg chg="mod">
+          <ac:chgData name="Kanai, Yosuke" userId="d779c3de-4413-466b-b6b1-9088a704e278" providerId="ADAL" clId="{0A4E93B9-5E3C-6841-9698-217E166B8957}" dt="2022-05-31T15:30:07.625" v="607" actId="1076"/>
+          <ac:spMkLst>
+            <pc:docMk/>
+            <pc:sldMk cId="3800796651" sldId="277"/>
+            <ac:spMk id="3" creationId="{CC27AD11-4310-0840-A83D-76CCABE016FB}"/>
+          </ac:spMkLst>
+        </pc:spChg>
+      </pc:sldChg>
+    </pc:docChg>
+  </pc:docChgLst>
+  <pc:docChgLst>
+    <pc:chgData name="Zhou, Ruiyi" userId="0f4a72d5-03d6-4567-81bc-73fcdff0bc23" providerId="ADAL" clId="{427B96C4-5AF9-5F44-B4D8-538E4455320E}"/>
+    <pc:docChg chg="undo custSel addSld delSld modSld">
+      <pc:chgData name="Zhou, Ruiyi" userId="0f4a72d5-03d6-4567-81bc-73fcdff0bc23" providerId="ADAL" clId="{427B96C4-5AF9-5F44-B4D8-538E4455320E}" dt="2022-06-02T15:52:09.965" v="1647" actId="2696"/>
+      <pc:docMkLst>
+        <pc:docMk/>
+      </pc:docMkLst>
+      <pc:sldChg chg="addSp delSp modSp modTransition delAnim modAnim">
+        <pc:chgData name="Zhou, Ruiyi" userId="0f4a72d5-03d6-4567-81bc-73fcdff0bc23" providerId="ADAL" clId="{427B96C4-5AF9-5F44-B4D8-538E4455320E}" dt="2022-06-01T22:37:38.434" v="1377" actId="478"/>
+        <pc:sldMkLst>
+          <pc:docMk/>
+          <pc:sldMk cId="3546754586" sldId="256"/>
+        </pc:sldMkLst>
+        <pc:picChg chg="add del mod">
+          <ac:chgData name="Zhou, Ruiyi" userId="0f4a72d5-03d6-4567-81bc-73fcdff0bc23" providerId="ADAL" clId="{427B96C4-5AF9-5F44-B4D8-538E4455320E}" dt="2022-06-01T22:37:38.434" v="1377" actId="478"/>
+          <ac:picMkLst>
+            <pc:docMk/>
+            <pc:sldMk cId="3546754586" sldId="256"/>
+            <ac:picMk id="5" creationId="{09E6A7C4-0B44-0C4E-8AFE-BD0DF394C288}"/>
+          </ac:picMkLst>
+        </pc:picChg>
+      </pc:sldChg>
+      <pc:sldChg chg="addSp delSp modSp modTransition delAnim modAnim">
+        <pc:chgData name="Zhou, Ruiyi" userId="0f4a72d5-03d6-4567-81bc-73fcdff0bc23" providerId="ADAL" clId="{427B96C4-5AF9-5F44-B4D8-538E4455320E}" dt="2022-06-01T22:38:55.917" v="1393" actId="27636"/>
+        <pc:sldMkLst>
+          <pc:docMk/>
+          <pc:sldMk cId="934668122" sldId="258"/>
+        </pc:sldMkLst>
+        <pc:spChg chg="mod">
+          <ac:chgData name="Zhou, Ruiyi" userId="0f4a72d5-03d6-4567-81bc-73fcdff0bc23" providerId="ADAL" clId="{427B96C4-5AF9-5F44-B4D8-538E4455320E}" dt="2022-06-01T22:38:55.917" v="1393" actId="27636"/>
+          <ac:spMkLst>
+            <pc:docMk/>
+            <pc:sldMk cId="934668122" sldId="258"/>
+            <ac:spMk id="2" creationId="{7E1D279F-D193-A94F-82BA-9E8667598611}"/>
+          </ac:spMkLst>
+        </pc:spChg>
+        <pc:picChg chg="add del mod">
+          <ac:chgData name="Zhou, Ruiyi" userId="0f4a72d5-03d6-4567-81bc-73fcdff0bc23" providerId="ADAL" clId="{427B96C4-5AF9-5F44-B4D8-538E4455320E}" dt="2022-06-01T22:38:11.811" v="1388" actId="478"/>
+          <ac:picMkLst>
+            <pc:docMk/>
+            <pc:sldMk cId="934668122" sldId="258"/>
+            <ac:picMk id="4" creationId="{320FA4E7-CE7E-344D-99F2-0FC11E14753E}"/>
+          </ac:picMkLst>
+        </pc:picChg>
+      </pc:sldChg>
+      <pc:sldChg chg="addSp delSp modSp modTransition delAnim modAnim modNotesTx">
+        <pc:chgData name="Zhou, Ruiyi" userId="0f4a72d5-03d6-4567-81bc-73fcdff0bc23" providerId="ADAL" clId="{427B96C4-5AF9-5F44-B4D8-538E4455320E}" dt="2022-06-01T22:37:42.066" v="1378" actId="478"/>
+        <pc:sldMkLst>
+          <pc:docMk/>
+          <pc:sldMk cId="3510531140" sldId="260"/>
+        </pc:sldMkLst>
+        <pc:picChg chg="add del mod">
+          <ac:chgData name="Zhou, Ruiyi" userId="0f4a72d5-03d6-4567-81bc-73fcdff0bc23" providerId="ADAL" clId="{427B96C4-5AF9-5F44-B4D8-538E4455320E}" dt="2022-06-01T22:37:42.066" v="1378" actId="478"/>
+          <ac:picMkLst>
+            <pc:docMk/>
+            <pc:sldMk cId="3510531140" sldId="260"/>
+            <ac:picMk id="2" creationId="{B1A7349D-8E2A-334E-AEAB-4103D4589D42}"/>
+          </ac:picMkLst>
+        </pc:picChg>
+      </pc:sldChg>
+      <pc:sldChg chg="addSp delSp modSp modTransition delAnim modAnim">
+        <pc:chgData name="Zhou, Ruiyi" userId="0f4a72d5-03d6-4567-81bc-73fcdff0bc23" providerId="ADAL" clId="{427B96C4-5AF9-5F44-B4D8-538E4455320E}" dt="2022-06-02T15:41:56.722" v="1396" actId="20577"/>
+        <pc:sldMkLst>
+          <pc:docMk/>
+          <pc:sldMk cId="4172918105" sldId="261"/>
+        </pc:sldMkLst>
+        <pc:spChg chg="mod">
+          <ac:chgData name="Zhou, Ruiyi" userId="0f4a72d5-03d6-4567-81bc-73fcdff0bc23" providerId="ADAL" clId="{427B96C4-5AF9-5F44-B4D8-538E4455320E}" dt="2022-06-02T15:41:56.722" v="1396" actId="20577"/>
+          <ac:spMkLst>
+            <pc:docMk/>
+            <pc:sldMk cId="4172918105" sldId="261"/>
+            <ac:spMk id="3" creationId="{8C4247E9-F5E2-D04E-912F-629C0E432790}"/>
+          </ac:spMkLst>
+        </pc:spChg>
+        <pc:picChg chg="add del mod">
+          <ac:chgData name="Zhou, Ruiyi" userId="0f4a72d5-03d6-4567-81bc-73fcdff0bc23" providerId="ADAL" clId="{427B96C4-5AF9-5F44-B4D8-538E4455320E}" dt="2022-06-01T22:37:55.231" v="1382" actId="478"/>
+          <ac:picMkLst>
+            <pc:docMk/>
+            <pc:sldMk cId="4172918105" sldId="261"/>
+            <ac:picMk id="4" creationId="{FD97D8B1-052D-B249-86F9-7D3C882DF987}"/>
+          </ac:picMkLst>
+        </pc:picChg>
+      </pc:sldChg>
+      <pc:sldChg chg="addSp delSp modSp modTransition delAnim modAnim">
+        <pc:chgData name="Zhou, Ruiyi" userId="0f4a72d5-03d6-4567-81bc-73fcdff0bc23" providerId="ADAL" clId="{427B96C4-5AF9-5F44-B4D8-538E4455320E}" dt="2022-06-01T22:37:47.630" v="1380" actId="478"/>
+        <pc:sldMkLst>
+          <pc:docMk/>
+          <pc:sldMk cId="1569627202" sldId="262"/>
+        </pc:sldMkLst>
+        <pc:picChg chg="add del mod">
+          <ac:chgData name="Zhou, Ruiyi" userId="0f4a72d5-03d6-4567-81bc-73fcdff0bc23" providerId="ADAL" clId="{427B96C4-5AF9-5F44-B4D8-538E4455320E}" dt="2022-06-01T22:37:47.630" v="1380" actId="478"/>
+          <ac:picMkLst>
+            <pc:docMk/>
+            <pc:sldMk cId="1569627202" sldId="262"/>
+            <ac:picMk id="3" creationId="{5062BA3A-D4D7-1F44-9555-413823561401}"/>
+          </ac:picMkLst>
+        </pc:picChg>
+      </pc:sldChg>
+      <pc:sldChg chg="addSp delSp modSp modTransition delAnim modAnim">
+        <pc:chgData name="Zhou, Ruiyi" userId="0f4a72d5-03d6-4567-81bc-73fcdff0bc23" providerId="ADAL" clId="{427B96C4-5AF9-5F44-B4D8-538E4455320E}" dt="2022-06-01T22:38:25.405" v="1391" actId="478"/>
+        <pc:sldMkLst>
+          <pc:docMk/>
+          <pc:sldMk cId="506488544" sldId="264"/>
+        </pc:sldMkLst>
+        <pc:spChg chg="mod">
+          <ac:chgData name="Zhou, Ruiyi" userId="0f4a72d5-03d6-4567-81bc-73fcdff0bc23" providerId="ADAL" clId="{427B96C4-5AF9-5F44-B4D8-538E4455320E}" dt="2022-05-30T16:00:14.658" v="91" actId="20577"/>
+          <ac:spMkLst>
+            <pc:docMk/>
+            <pc:sldMk cId="506488544" sldId="264"/>
+            <ac:spMk id="3" creationId="{96CED5D5-FE9A-6B4D-BB08-F975792EC40C}"/>
+          </ac:spMkLst>
+        </pc:spChg>
+        <pc:picChg chg="add del mod">
+          <ac:chgData name="Zhou, Ruiyi" userId="0f4a72d5-03d6-4567-81bc-73fcdff0bc23" providerId="ADAL" clId="{427B96C4-5AF9-5F44-B4D8-538E4455320E}" dt="2022-06-01T22:38:25.405" v="1391" actId="478"/>
+          <ac:picMkLst>
+            <pc:docMk/>
+            <pc:sldMk cId="506488544" sldId="264"/>
+            <ac:picMk id="4" creationId="{7A56EFEC-B22A-114C-A11E-D874399C145F}"/>
+          </ac:picMkLst>
+        </pc:picChg>
+      </pc:sldChg>
+      <pc:sldChg chg="addSp delSp modSp modTransition delAnim modAnim">
+        <pc:chgData name="Zhou, Ruiyi" userId="0f4a72d5-03d6-4567-81bc-73fcdff0bc23" providerId="ADAL" clId="{427B96C4-5AF9-5F44-B4D8-538E4455320E}" dt="2022-06-01T22:38:30.310" v="1392" actId="478"/>
+        <pc:sldMkLst>
+          <pc:docMk/>
+          <pc:sldMk cId="145953903" sldId="265"/>
+        </pc:sldMkLst>
+        <pc:picChg chg="add del mod">
+          <ac:chgData name="Zhou, Ruiyi" userId="0f4a72d5-03d6-4567-81bc-73fcdff0bc23" providerId="ADAL" clId="{427B96C4-5AF9-5F44-B4D8-538E4455320E}" dt="2022-06-01T22:38:30.310" v="1392" actId="478"/>
+          <ac:picMkLst>
+            <pc:docMk/>
+            <pc:sldMk cId="145953903" sldId="265"/>
+            <ac:picMk id="4" creationId="{B9B513B5-BAB1-7048-B429-C032B0C32B47}"/>
+          </ac:picMkLst>
+        </pc:picChg>
+      </pc:sldChg>
+      <pc:sldChg chg="addSp delSp modSp modTransition delAnim modAnim modNotesTx">
+        <pc:chgData name="Zhou, Ruiyi" userId="0f4a72d5-03d6-4567-81bc-73fcdff0bc23" providerId="ADAL" clId="{427B96C4-5AF9-5F44-B4D8-538E4455320E}" dt="2022-06-02T15:42:39.780" v="1443" actId="20577"/>
+        <pc:sldMkLst>
+          <pc:docMk/>
+          <pc:sldMk cId="1565591533" sldId="268"/>
+        </pc:sldMkLst>
+        <pc:spChg chg="add mod">
+          <ac:chgData name="Zhou, Ruiyi" userId="0f4a72d5-03d6-4567-81bc-73fcdff0bc23" providerId="ADAL" clId="{427B96C4-5AF9-5F44-B4D8-538E4455320E}" dt="2022-05-30T16:04:37.033" v="170" actId="1076"/>
+          <ac:spMkLst>
+            <pc:docMk/>
+            <pc:sldMk cId="1565591533" sldId="268"/>
+            <ac:spMk id="3" creationId="{7E01E26F-0663-6D44-97BA-1D01AAADB8FE}"/>
+          </ac:spMkLst>
+        </pc:spChg>
+        <pc:spChg chg="add mod">
+          <ac:chgData name="Zhou, Ruiyi" userId="0f4a72d5-03d6-4567-81bc-73fcdff0bc23" providerId="ADAL" clId="{427B96C4-5AF9-5F44-B4D8-538E4455320E}" dt="2022-05-30T18:02:31.748" v="441" actId="20577"/>
+          <ac:spMkLst>
+            <pc:docMk/>
+            <pc:sldMk cId="1565591533" sldId="268"/>
+            <ac:spMk id="6" creationId="{7EEF81F5-D122-B142-9BE4-F667357E894F}"/>
+          </ac:spMkLst>
+        </pc:spChg>
+        <pc:spChg chg="del">
+          <ac:chgData name="Zhou, Ruiyi" userId="0f4a72d5-03d6-4567-81bc-73fcdff0bc23" providerId="ADAL" clId="{427B96C4-5AF9-5F44-B4D8-538E4455320E}" dt="2022-05-30T15:47:35.081" v="6"/>
+          <ac:spMkLst>
+            <pc:docMk/>
+            <pc:sldMk cId="1565591533" sldId="268"/>
+            <ac:spMk id="6" creationId="{D96AD6B0-EF32-1D41-B5C8-4080D45ACB7C}"/>
+          </ac:spMkLst>
+        </pc:spChg>
+        <pc:spChg chg="add mod">
+          <ac:chgData name="Zhou, Ruiyi" userId="0f4a72d5-03d6-4567-81bc-73fcdff0bc23" providerId="ADAL" clId="{427B96C4-5AF9-5F44-B4D8-538E4455320E}" dt="2022-05-30T16:06:43.824" v="238" actId="1076"/>
+          <ac:spMkLst>
+            <pc:docMk/>
+            <pc:sldMk cId="1565591533" sldId="268"/>
+            <ac:spMk id="7" creationId="{6EFF4AFF-BA93-A64F-A39A-10EA0EBE68B5}"/>
+          </ac:spMkLst>
+        </pc:spChg>
+        <pc:spChg chg="del">
+          <ac:chgData name="Zhou, Ruiyi" userId="0f4a72d5-03d6-4567-81bc-73fcdff0bc23" providerId="ADAL" clId="{427B96C4-5AF9-5F44-B4D8-538E4455320E}" dt="2022-05-30T15:48:59.750" v="26" actId="478"/>
+          <ac:spMkLst>
+            <pc:docMk/>
+            <pc:sldMk cId="1565591533" sldId="268"/>
+            <ac:spMk id="8" creationId="{CA4A9E24-8CFC-7145-8853-FABAB94D08DE}"/>
+          </ac:spMkLst>
+        </pc:spChg>
+        <pc:spChg chg="add mod">
+          <ac:chgData name="Zhou, Ruiyi" userId="0f4a72d5-03d6-4567-81bc-73fcdff0bc23" providerId="ADAL" clId="{427B96C4-5AF9-5F44-B4D8-538E4455320E}" dt="2022-05-30T16:06:00.501" v="228" actId="1076"/>
+          <ac:spMkLst>
+            <pc:docMk/>
+            <pc:sldMk cId="1565591533" sldId="268"/>
+            <ac:spMk id="10" creationId="{80EB2E96-9A16-EA45-8A92-C268A46697E9}"/>
+          </ac:spMkLst>
+        </pc:spChg>
+        <pc:graphicFrameChg chg="mod modGraphic">
+          <ac:chgData name="Zhou, Ruiyi" userId="0f4a72d5-03d6-4567-81bc-73fcdff0bc23" providerId="ADAL" clId="{427B96C4-5AF9-5F44-B4D8-538E4455320E}" dt="2022-06-02T15:42:39.780" v="1443" actId="20577"/>
+          <ac:graphicFrameMkLst>
+            <pc:docMk/>
+            <pc:sldMk cId="1565591533" sldId="268"/>
+            <ac:graphicFrameMk id="5" creationId="{193FBAE6-265F-664F-B8C7-C8940C8BAA92}"/>
+          </ac:graphicFrameMkLst>
+        </pc:graphicFrameChg>
+        <pc:picChg chg="add del mod">
+          <ac:chgData name="Zhou, Ruiyi" userId="0f4a72d5-03d6-4567-81bc-73fcdff0bc23" providerId="ADAL" clId="{427B96C4-5AF9-5F44-B4D8-538E4455320E}" dt="2022-06-01T22:38:00.917" v="1384" actId="478"/>
+          <ac:picMkLst>
+            <pc:docMk/>
+            <pc:sldMk cId="1565591533" sldId="268"/>
+            <ac:picMk id="8" creationId="{4CC16EE0-E600-BB47-B5E0-7AE6945D1806}"/>
+          </ac:picMkLst>
+        </pc:picChg>
+        <pc:picChg chg="add mod">
+          <ac:chgData name="Zhou, Ruiyi" userId="0f4a72d5-03d6-4567-81bc-73fcdff0bc23" providerId="ADAL" clId="{427B96C4-5AF9-5F44-B4D8-538E4455320E}" dt="2022-05-30T17:29:09.830" v="327" actId="1076"/>
+          <ac:picMkLst>
+            <pc:docMk/>
+            <pc:sldMk cId="1565591533" sldId="268"/>
+            <ac:picMk id="11" creationId="{926284C8-9E6A-664E-ACED-23C5406CA02D}"/>
+          </ac:picMkLst>
+        </pc:picChg>
+      </pc:sldChg>
+      <pc:sldChg chg="addSp delSp modSp modTransition delAnim modAnim modNotesTx">
+        <pc:chgData name="Zhou, Ruiyi" userId="0f4a72d5-03d6-4567-81bc-73fcdff0bc23" providerId="ADAL" clId="{427B96C4-5AF9-5F44-B4D8-538E4455320E}" dt="2022-06-01T22:37:58.226" v="1383" actId="478"/>
+        <pc:sldMkLst>
+          <pc:docMk/>
+          <pc:sldMk cId="1907037668" sldId="269"/>
+        </pc:sldMkLst>
+        <pc:spChg chg="mod">
+          <ac:chgData name="Zhou, Ruiyi" userId="0f4a72d5-03d6-4567-81bc-73fcdff0bc23" providerId="ADAL" clId="{427B96C4-5AF9-5F44-B4D8-538E4455320E}" dt="2022-05-31T20:22:36.640" v="466" actId="20577"/>
+          <ac:spMkLst>
+            <pc:docMk/>
+            <pc:sldMk cId="1907037668" sldId="269"/>
+            <ac:spMk id="3" creationId="{0E7A2150-1589-3641-9409-96832BB161C6}"/>
+          </ac:spMkLst>
+        </pc:spChg>
+        <pc:spChg chg="add mod">
+          <ac:chgData name="Zhou, Ruiyi" userId="0f4a72d5-03d6-4567-81bc-73fcdff0bc23" providerId="ADAL" clId="{427B96C4-5AF9-5F44-B4D8-538E4455320E}" dt="2022-05-30T15:48:44.908" v="25" actId="207"/>
+          <ac:spMkLst>
+            <pc:docMk/>
+            <pc:sldMk cId="1907037668" sldId="269"/>
+            <ac:spMk id="7" creationId="{F6C760EA-2A55-6741-ACFB-932946D9B825}"/>
+          </ac:spMkLst>
+        </pc:spChg>
+        <pc:spChg chg="add mod">
+          <ac:chgData name="Zhou, Ruiyi" userId="0f4a72d5-03d6-4567-81bc-73fcdff0bc23" providerId="ADAL" clId="{427B96C4-5AF9-5F44-B4D8-538E4455320E}" dt="2022-05-30T15:47:41.275" v="8" actId="1076"/>
+          <ac:spMkLst>
+            <pc:docMk/>
+            <pc:sldMk cId="1907037668" sldId="269"/>
+            <ac:spMk id="8" creationId="{7D8151EB-F02E-7643-B87C-39CB75C7316E}"/>
+          </ac:spMkLst>
+        </pc:spChg>
+        <pc:picChg chg="add del mod">
+          <ac:chgData name="Zhou, Ruiyi" userId="0f4a72d5-03d6-4567-81bc-73fcdff0bc23" providerId="ADAL" clId="{427B96C4-5AF9-5F44-B4D8-538E4455320E}" dt="2022-06-01T22:37:58.226" v="1383" actId="478"/>
+          <ac:picMkLst>
+            <pc:docMk/>
+            <pc:sldMk cId="1907037668" sldId="269"/>
+            <ac:picMk id="9" creationId="{CE3BCD4C-80A5-0849-A5C3-7D6F3D232E5F}"/>
+          </ac:picMkLst>
+        </pc:picChg>
+      </pc:sldChg>
+      <pc:sldChg chg="addSp delSp modSp modTransition delAnim modAnim">
+        <pc:chgData name="Zhou, Ruiyi" userId="0f4a72d5-03d6-4567-81bc-73fcdff0bc23" providerId="ADAL" clId="{427B96C4-5AF9-5F44-B4D8-538E4455320E}" dt="2022-06-01T22:37:53.296" v="1381" actId="478"/>
+        <pc:sldMkLst>
+          <pc:docMk/>
+          <pc:sldMk cId="265903707" sldId="271"/>
+        </pc:sldMkLst>
+        <pc:picChg chg="add del mod">
+          <ac:chgData name="Zhou, Ruiyi" userId="0f4a72d5-03d6-4567-81bc-73fcdff0bc23" providerId="ADAL" clId="{427B96C4-5AF9-5F44-B4D8-538E4455320E}" dt="2022-06-01T22:37:53.296" v="1381" actId="478"/>
+          <ac:picMkLst>
+            <pc:docMk/>
+            <pc:sldMk cId="265903707" sldId="271"/>
+            <ac:picMk id="6" creationId="{5B7504E2-928C-AA41-A4E6-DBA102DE305A}"/>
+          </ac:picMkLst>
+        </pc:picChg>
+      </pc:sldChg>
+      <pc:sldChg chg="addSp delSp modSp modTransition delAnim modAnim">
+        <pc:chgData name="Zhou, Ruiyi" userId="0f4a72d5-03d6-4567-81bc-73fcdff0bc23" providerId="ADAL" clId="{427B96C4-5AF9-5F44-B4D8-538E4455320E}" dt="2022-06-01T22:37:45.259" v="1379" actId="478"/>
+        <pc:sldMkLst>
+          <pc:docMk/>
+          <pc:sldMk cId="501322175" sldId="273"/>
+        </pc:sldMkLst>
+        <pc:spChg chg="del">
+          <ac:chgData name="Zhou, Ruiyi" userId="0f4a72d5-03d6-4567-81bc-73fcdff0bc23" providerId="ADAL" clId="{427B96C4-5AF9-5F44-B4D8-538E4455320E}" dt="2022-05-30T17:28:31.296" v="316" actId="478"/>
+          <ac:spMkLst>
+            <pc:docMk/>
+            <pc:sldMk cId="501322175" sldId="273"/>
+            <ac:spMk id="6" creationId="{54611C44-7F37-6840-BA4F-E66FF734F975}"/>
+          </ac:spMkLst>
+        </pc:spChg>
+        <pc:picChg chg="add del mod">
+          <ac:chgData name="Zhou, Ruiyi" userId="0f4a72d5-03d6-4567-81bc-73fcdff0bc23" providerId="ADAL" clId="{427B96C4-5AF9-5F44-B4D8-538E4455320E}" dt="2022-06-01T22:37:45.259" v="1379" actId="478"/>
+          <ac:picMkLst>
+            <pc:docMk/>
+            <pc:sldMk cId="501322175" sldId="273"/>
+            <ac:picMk id="3" creationId="{53FD5A99-820D-9B4D-9A28-FC983D4A4A29}"/>
+          </ac:picMkLst>
+        </pc:picChg>
+        <pc:picChg chg="del">
+          <ac:chgData name="Zhou, Ruiyi" userId="0f4a72d5-03d6-4567-81bc-73fcdff0bc23" providerId="ADAL" clId="{427B96C4-5AF9-5F44-B4D8-538E4455320E}" dt="2022-05-30T17:28:26.940" v="315"/>
+          <ac:picMkLst>
+            <pc:docMk/>
+            <pc:sldMk cId="501322175" sldId="273"/>
+            <ac:picMk id="4" creationId="{46BFA20A-9601-8B40-8EF7-7F7CE7F8DABF}"/>
+          </ac:picMkLst>
+        </pc:picChg>
+        <pc:picChg chg="mod">
+          <ac:chgData name="Zhou, Ruiyi" userId="0f4a72d5-03d6-4567-81bc-73fcdff0bc23" providerId="ADAL" clId="{427B96C4-5AF9-5F44-B4D8-538E4455320E}" dt="2022-05-30T18:08:18.065" v="443" actId="1076"/>
+          <ac:picMkLst>
+            <pc:docMk/>
+            <pc:sldMk cId="501322175" sldId="273"/>
+            <ac:picMk id="13" creationId="{3CAA3801-6914-4145-B3F4-2AB1A50D93EC}"/>
+          </ac:picMkLst>
+        </pc:picChg>
+      </pc:sldChg>
+      <pc:sldChg chg="addSp delSp modSp modTransition delAnim modAnim">
+        <pc:chgData name="Zhou, Ruiyi" userId="0f4a72d5-03d6-4567-81bc-73fcdff0bc23" providerId="ADAL" clId="{427B96C4-5AF9-5F44-B4D8-538E4455320E}" dt="2022-06-01T22:38:16.130" v="1389" actId="478"/>
+        <pc:sldMkLst>
+          <pc:docMk/>
+          <pc:sldMk cId="297649138" sldId="274"/>
+        </pc:sldMkLst>
+        <pc:spChg chg="mod">
+          <ac:chgData name="Zhou, Ruiyi" userId="0f4a72d5-03d6-4567-81bc-73fcdff0bc23" providerId="ADAL" clId="{427B96C4-5AF9-5F44-B4D8-538E4455320E}" dt="2022-06-01T15:59:06.296" v="1376" actId="20577"/>
+          <ac:spMkLst>
+            <pc:docMk/>
+            <pc:sldMk cId="297649138" sldId="274"/>
+            <ac:spMk id="3" creationId="{F9A45909-9A47-D945-914C-C52A38B1305A}"/>
+          </ac:spMkLst>
+        </pc:spChg>
+        <pc:picChg chg="add del mod">
+          <ac:chgData name="Zhou, Ruiyi" userId="0f4a72d5-03d6-4567-81bc-73fcdff0bc23" providerId="ADAL" clId="{427B96C4-5AF9-5F44-B4D8-538E4455320E}" dt="2022-06-01T22:38:16.130" v="1389" actId="478"/>
+          <ac:picMkLst>
+            <pc:docMk/>
+            <pc:sldMk cId="297649138" sldId="274"/>
+            <ac:picMk id="4" creationId="{5C72E421-CE0C-EE4B-B02D-6182BBA513E2}"/>
+          </ac:picMkLst>
+        </pc:picChg>
+      </pc:sldChg>
+      <pc:sldChg chg="addSp delSp modSp modTransition delAnim modAnim modNotesTx">
+        <pc:chgData name="Zhou, Ruiyi" userId="0f4a72d5-03d6-4567-81bc-73fcdff0bc23" providerId="ADAL" clId="{427B96C4-5AF9-5F44-B4D8-538E4455320E}" dt="2022-06-01T22:38:03.035" v="1385" actId="478"/>
+        <pc:sldMkLst>
+          <pc:docMk/>
+          <pc:sldMk cId="2980149255" sldId="275"/>
+        </pc:sldMkLst>
+        <pc:spChg chg="mod">
+          <ac:chgData name="Zhou, Ruiyi" userId="0f4a72d5-03d6-4567-81bc-73fcdff0bc23" providerId="ADAL" clId="{427B96C4-5AF9-5F44-B4D8-538E4455320E}" dt="2022-05-30T17:26:51.665" v="296" actId="20577"/>
+          <ac:spMkLst>
+            <pc:docMk/>
+            <pc:sldMk cId="2980149255" sldId="275"/>
+            <ac:spMk id="2" creationId="{B2072C9E-4392-764B-860F-2844E6BAE3C0}"/>
+          </ac:spMkLst>
+        </pc:spChg>
+        <pc:spChg chg="add mod">
+          <ac:chgData name="Zhou, Ruiyi" userId="0f4a72d5-03d6-4567-81bc-73fcdff0bc23" providerId="ADAL" clId="{427B96C4-5AF9-5F44-B4D8-538E4455320E}" dt="2022-05-30T17:55:48.808" v="346" actId="1076"/>
+          <ac:spMkLst>
+            <pc:docMk/>
+            <pc:sldMk cId="2980149255" sldId="275"/>
+            <ac:spMk id="3" creationId="{BD87C351-0337-AA4F-9DB4-3BE47FBED4F9}"/>
+          </ac:spMkLst>
+        </pc:spChg>
+        <pc:spChg chg="add mod">
+          <ac:chgData name="Zhou, Ruiyi" userId="0f4a72d5-03d6-4567-81bc-73fcdff0bc23" providerId="ADAL" clId="{427B96C4-5AF9-5F44-B4D8-538E4455320E}" dt="2022-05-31T20:22:15.803" v="464" actId="1076"/>
+          <ac:spMkLst>
+            <pc:docMk/>
+            <pc:sldMk cId="2980149255" sldId="275"/>
+            <ac:spMk id="8" creationId="{316759BD-D553-AD40-83EF-FB95C88C527E}"/>
+          </ac:spMkLst>
+        </pc:spChg>
+        <pc:spChg chg="mod">
+          <ac:chgData name="Zhou, Ruiyi" userId="0f4a72d5-03d6-4567-81bc-73fcdff0bc23" providerId="ADAL" clId="{427B96C4-5AF9-5F44-B4D8-538E4455320E}" dt="2022-05-30T17:41:01.120" v="332" actId="1076"/>
+          <ac:spMkLst>
+            <pc:docMk/>
+            <pc:sldMk cId="2980149255" sldId="275"/>
+            <ac:spMk id="12" creationId="{2D8D9080-50D5-8047-AC65-C6165F70496D}"/>
+          </ac:spMkLst>
+        </pc:spChg>
+        <pc:graphicFrameChg chg="add del modGraphic">
+          <ac:chgData name="Zhou, Ruiyi" userId="0f4a72d5-03d6-4567-81bc-73fcdff0bc23" providerId="ADAL" clId="{427B96C4-5AF9-5F44-B4D8-538E4455320E}" dt="2022-05-30T17:45:11.967" v="333" actId="20577"/>
+          <ac:graphicFrameMkLst>
+            <pc:docMk/>
+            <pc:sldMk cId="2980149255" sldId="275"/>
+            <ac:graphicFrameMk id="9" creationId="{C6CF0D80-01F2-FF4C-80B5-6D0B3AF48A66}"/>
+          </ac:graphicFrameMkLst>
+        </pc:graphicFrameChg>
+        <pc:picChg chg="add del mod">
+          <ac:chgData name="Zhou, Ruiyi" userId="0f4a72d5-03d6-4567-81bc-73fcdff0bc23" providerId="ADAL" clId="{427B96C4-5AF9-5F44-B4D8-538E4455320E}" dt="2022-06-01T22:38:03.035" v="1385" actId="478"/>
+          <ac:picMkLst>
+            <pc:docMk/>
+            <pc:sldMk cId="2980149255" sldId="275"/>
+            <ac:picMk id="5" creationId="{138EB44B-9AC6-7F47-9555-60EE12A3068D}"/>
+          </ac:picMkLst>
+        </pc:picChg>
+      </pc:sldChg>
+      <pc:sldChg chg="addSp delSp modSp modTransition delAnim modAnim modNotesTx">
+        <pc:chgData name="Zhou, Ruiyi" userId="0f4a72d5-03d6-4567-81bc-73fcdff0bc23" providerId="ADAL" clId="{427B96C4-5AF9-5F44-B4D8-538E4455320E}" dt="2022-06-01T22:38:20.966" v="1390" actId="478"/>
+        <pc:sldMkLst>
+          <pc:docMk/>
+          <pc:sldMk cId="801132716" sldId="276"/>
+        </pc:sldMkLst>
+        <pc:picChg chg="add del mod">
+          <ac:chgData name="Zhou, Ruiyi" userId="0f4a72d5-03d6-4567-81bc-73fcdff0bc23" providerId="ADAL" clId="{427B96C4-5AF9-5F44-B4D8-538E4455320E}" dt="2022-06-01T22:38:20.966" v="1390" actId="478"/>
+          <ac:picMkLst>
+            <pc:docMk/>
+            <pc:sldMk cId="801132716" sldId="276"/>
+            <ac:picMk id="3" creationId="{84C288E7-D8CB-5D4D-9B1B-558A9221A9B9}"/>
+          </ac:picMkLst>
+        </pc:picChg>
+      </pc:sldChg>
+      <pc:sldChg chg="addSp delSp modSp modTransition delAnim modAnim modNotesTx">
+        <pc:chgData name="Zhou, Ruiyi" userId="0f4a72d5-03d6-4567-81bc-73fcdff0bc23" providerId="ADAL" clId="{427B96C4-5AF9-5F44-B4D8-538E4455320E}" dt="2022-06-01T22:38:06.939" v="1387" actId="1036"/>
+        <pc:sldMkLst>
+          <pc:docMk/>
+          <pc:sldMk cId="3800796651" sldId="277"/>
+        </pc:sldMkLst>
+        <pc:spChg chg="mod">
+          <ac:chgData name="Zhou, Ruiyi" userId="0f4a72d5-03d6-4567-81bc-73fcdff0bc23" providerId="ADAL" clId="{427B96C4-5AF9-5F44-B4D8-538E4455320E}" dt="2022-05-30T16:02:27.664" v="94" actId="1076"/>
+          <ac:spMkLst>
+            <pc:docMk/>
+            <pc:sldMk cId="3800796651" sldId="277"/>
+            <ac:spMk id="8" creationId="{9807AF69-C34A-5148-A278-F01304B7112D}"/>
+          </ac:spMkLst>
+        </pc:spChg>
+        <pc:spChg chg="mod">
+          <ac:chgData name="Zhou, Ruiyi" userId="0f4a72d5-03d6-4567-81bc-73fcdff0bc23" providerId="ADAL" clId="{427B96C4-5AF9-5F44-B4D8-538E4455320E}" dt="2022-06-01T22:38:06.939" v="1387" actId="1036"/>
+          <ac:spMkLst>
+            <pc:docMk/>
+            <pc:sldMk cId="3800796651" sldId="277"/>
+            <ac:spMk id="9" creationId="{49637B0B-FAC0-4D4F-9698-93BD073939B9}"/>
+          </ac:spMkLst>
+        </pc:spChg>
+        <pc:picChg chg="add del mod">
+          <ac:chgData name="Zhou, Ruiyi" userId="0f4a72d5-03d6-4567-81bc-73fcdff0bc23" providerId="ADAL" clId="{427B96C4-5AF9-5F44-B4D8-538E4455320E}" dt="2022-06-01T22:38:04.659" v="1386" actId="478"/>
+          <ac:picMkLst>
+            <pc:docMk/>
+            <pc:sldMk cId="3800796651" sldId="277"/>
+            <ac:picMk id="4" creationId="{0440DE79-948B-3948-8796-750708A4C5BE}"/>
+          </ac:picMkLst>
+        </pc:picChg>
+        <pc:picChg chg="mod">
+          <ac:chgData name="Zhou, Ruiyi" userId="0f4a72d5-03d6-4567-81bc-73fcdff0bc23" providerId="ADAL" clId="{427B96C4-5AF9-5F44-B4D8-538E4455320E}" dt="2022-05-30T16:02:28.390" v="95" actId="14100"/>
+          <ac:picMkLst>
+            <pc:docMk/>
+            <pc:sldMk cId="3800796651" sldId="277"/>
+            <ac:picMk id="7" creationId="{863A9DDE-7306-F24D-90B3-89716B8D8CD2}"/>
+          </ac:picMkLst>
+        </pc:picChg>
+      </pc:sldChg>
+      <pc:sldChg chg="addSp delSp modSp add">
+        <pc:chgData name="Zhou, Ruiyi" userId="0f4a72d5-03d6-4567-81bc-73fcdff0bc23" providerId="ADAL" clId="{427B96C4-5AF9-5F44-B4D8-538E4455320E}" dt="2022-06-02T15:50:13.206" v="1593" actId="1076"/>
+        <pc:sldMkLst>
+          <pc:docMk/>
+          <pc:sldMk cId="10827419" sldId="278"/>
+        </pc:sldMkLst>
+        <pc:spChg chg="mod">
+          <ac:chgData name="Zhou, Ruiyi" userId="0f4a72d5-03d6-4567-81bc-73fcdff0bc23" providerId="ADAL" clId="{427B96C4-5AF9-5F44-B4D8-538E4455320E}" dt="2022-06-02T15:42:31.687" v="1442" actId="20577"/>
+          <ac:spMkLst>
+            <pc:docMk/>
+            <pc:sldMk cId="10827419" sldId="278"/>
+            <ac:spMk id="2" creationId="{EB74A9BE-B7AC-7443-A668-EF7D67B3E2DA}"/>
+          </ac:spMkLst>
+        </pc:spChg>
+        <pc:spChg chg="add del">
+          <ac:chgData name="Zhou, Ruiyi" userId="0f4a72d5-03d6-4567-81bc-73fcdff0bc23" providerId="ADAL" clId="{427B96C4-5AF9-5F44-B4D8-538E4455320E}" dt="2022-06-02T15:42:44.179" v="1445" actId="478"/>
+          <ac:spMkLst>
+            <pc:docMk/>
+            <pc:sldMk cId="10827419" sldId="278"/>
+            <ac:spMk id="3" creationId="{A55765E8-2882-7448-BD92-DEAA95DE9DF8}"/>
+          </ac:spMkLst>
+        </pc:spChg>
+        <pc:graphicFrameChg chg="add mod modGraphic">
+          <ac:chgData name="Zhou, Ruiyi" userId="0f4a72d5-03d6-4567-81bc-73fcdff0bc23" providerId="ADAL" clId="{427B96C4-5AF9-5F44-B4D8-538E4455320E}" dt="2022-06-02T15:50:13.206" v="1593" actId="1076"/>
+          <ac:graphicFrameMkLst>
+            <pc:docMk/>
+            <pc:sldMk cId="10827419" sldId="278"/>
+            <ac:graphicFrameMk id="5" creationId="{5A654F22-DB71-EE4B-96CB-F09BD90B4F9A}"/>
+          </ac:graphicFrameMkLst>
+        </pc:graphicFrameChg>
+        <pc:graphicFrameChg chg="add del">
+          <ac:chgData name="Zhou, Ruiyi" userId="0f4a72d5-03d6-4567-81bc-73fcdff0bc23" providerId="ADAL" clId="{427B96C4-5AF9-5F44-B4D8-538E4455320E}" dt="2022-06-02T15:45:34.662" v="1495" actId="478"/>
+          <ac:graphicFrameMkLst>
+            <pc:docMk/>
+            <pc:sldMk cId="10827419" sldId="278"/>
+            <ac:graphicFrameMk id="6" creationId="{6FCCDDAD-44F9-A346-80EF-5A0D631E72AC}"/>
+          </ac:graphicFrameMkLst>
+        </pc:graphicFrameChg>
+        <pc:picChg chg="add">
+          <ac:chgData name="Zhou, Ruiyi" userId="0f4a72d5-03d6-4567-81bc-73fcdff0bc23" providerId="ADAL" clId="{427B96C4-5AF9-5F44-B4D8-538E4455320E}" dt="2022-06-02T15:42:49.338" v="1446"/>
+          <ac:picMkLst>
+            <pc:docMk/>
+            <pc:sldMk cId="10827419" sldId="278"/>
+            <ac:picMk id="4" creationId="{48453E5D-8FD0-4A49-94F8-F1195B696E87}"/>
+          </ac:picMkLst>
+        </pc:picChg>
+      </pc:sldChg>
+      <pc:sldChg chg="addSp modSp add">
+        <pc:chgData name="Zhou, Ruiyi" userId="0f4a72d5-03d6-4567-81bc-73fcdff0bc23" providerId="ADAL" clId="{427B96C4-5AF9-5F44-B4D8-538E4455320E}" dt="2022-06-02T15:50:23.922" v="1611" actId="20577"/>
+        <pc:sldMkLst>
+          <pc:docMk/>
+          <pc:sldMk cId="2966649992" sldId="279"/>
+        </pc:sldMkLst>
+        <pc:spChg chg="mod">
+          <ac:chgData name="Zhou, Ruiyi" userId="0f4a72d5-03d6-4567-81bc-73fcdff0bc23" providerId="ADAL" clId="{427B96C4-5AF9-5F44-B4D8-538E4455320E}" dt="2022-06-02T15:50:23.922" v="1611" actId="20577"/>
+          <ac:spMkLst>
+            <pc:docMk/>
+            <pc:sldMk cId="2966649992" sldId="279"/>
+            <ac:spMk id="2" creationId="{EB74A9BE-B7AC-7443-A668-EF7D67B3E2DA}"/>
+          </ac:spMkLst>
+        </pc:spChg>
+        <pc:graphicFrameChg chg="mod modGraphic">
+          <ac:chgData name="Zhou, Ruiyi" userId="0f4a72d5-03d6-4567-81bc-73fcdff0bc23" providerId="ADAL" clId="{427B96C4-5AF9-5F44-B4D8-538E4455320E}" dt="2022-06-02T15:49:33.798" v="1590" actId="1076"/>
+          <ac:graphicFrameMkLst>
+            <pc:docMk/>
+            <pc:sldMk cId="2966649992" sldId="279"/>
+            <ac:graphicFrameMk id="5" creationId="{5A654F22-DB71-EE4B-96CB-F09BD90B4F9A}"/>
+          </ac:graphicFrameMkLst>
+        </pc:graphicFrameChg>
+        <pc:picChg chg="mod">
+          <ac:chgData name="Zhou, Ruiyi" userId="0f4a72d5-03d6-4567-81bc-73fcdff0bc23" providerId="ADAL" clId="{427B96C4-5AF9-5F44-B4D8-538E4455320E}" dt="2022-06-02T15:49:27.607" v="1588" actId="1076"/>
+          <ac:picMkLst>
+            <pc:docMk/>
+            <pc:sldMk cId="2966649992" sldId="279"/>
+            <ac:picMk id="4" creationId="{48453E5D-8FD0-4A49-94F8-F1195B696E87}"/>
+          </ac:picMkLst>
+        </pc:picChg>
+        <pc:picChg chg="add mod">
+          <ac:chgData name="Zhou, Ruiyi" userId="0f4a72d5-03d6-4567-81bc-73fcdff0bc23" providerId="ADAL" clId="{427B96C4-5AF9-5F44-B4D8-538E4455320E}" dt="2022-06-02T15:47:00.927" v="1572" actId="1076"/>
+          <ac:picMkLst>
+            <pc:docMk/>
+            <pc:sldMk cId="2966649992" sldId="279"/>
+            <ac:picMk id="6" creationId="{133B1267-6906-194B-95A9-E101E115C709}"/>
+          </ac:picMkLst>
+        </pc:picChg>
+      </pc:sldChg>
+      <pc:sldChg chg="modSp add del">
+        <pc:chgData name="Zhou, Ruiyi" userId="0f4a72d5-03d6-4567-81bc-73fcdff0bc23" providerId="ADAL" clId="{427B96C4-5AF9-5F44-B4D8-538E4455320E}" dt="2022-06-02T15:52:09.965" v="1647" actId="2696"/>
+        <pc:sldMkLst>
+          <pc:docMk/>
+          <pc:sldMk cId="598302551" sldId="280"/>
+        </pc:sldMkLst>
+        <pc:spChg chg="mod">
+          <ac:chgData name="Zhou, Ruiyi" userId="0f4a72d5-03d6-4567-81bc-73fcdff0bc23" providerId="ADAL" clId="{427B96C4-5AF9-5F44-B4D8-538E4455320E}" dt="2022-06-02T15:50:38.268" v="1646" actId="20577"/>
+          <ac:spMkLst>
+            <pc:docMk/>
+            <pc:sldMk cId="598302551" sldId="280"/>
+            <ac:spMk id="2" creationId="{909CE147-8DCD-4645-8EBE-A64E5D0A51C4}"/>
+          </ac:spMkLst>
+        </pc:spChg>
       </pc:sldChg>
     </pc:docChg>
   </pc:docChgLst>
 </pc:chgInfo>
+</file>
+
+<file path=ppt/notesMasters/notesMaster1.xml><?xml version="1.0" encoding="utf-8"?>
+<p:notesMaster xmlns:a="http://schemas.openxmlformats.org/drawingml/2006/main" xmlns:r="http://schemas.openxmlformats.org/officeDocument/2006/relationships" xmlns:p="http://schemas.openxmlformats.org/presentationml/2006/main">
+  <p:cSld>
+    <p:bg>
+      <p:bgRef idx="1001">
+        <a:schemeClr val="bg1"/>
+      </p:bgRef>
+    </p:bg>
+    <p:spTree>
+      <p:nvGrpSpPr>
+        <p:cNvPr id="1" name=""/>
+        <p:cNvGrpSpPr/>
+        <p:nvPr/>
+      </p:nvGrpSpPr>
+      <p:grpSpPr>
+        <a:xfrm>
+          <a:off x="0" y="0"/>
+          <a:ext cx="0" cy="0"/>
+          <a:chOff x="0" y="0"/>
+          <a:chExt cx="0" cy="0"/>
+        </a:xfrm>
+      </p:grpSpPr>
+      <p:sp>
+        <p:nvSpPr>
+          <p:cNvPr id="2" name="Header Placeholder 1"/>
+          <p:cNvSpPr>
+            <a:spLocks noGrp="1"/>
+          </p:cNvSpPr>
+          <p:nvPr>
+            <p:ph type="hdr" sz="quarter"/>
+          </p:nvPr>
+        </p:nvSpPr>
+        <p:spPr>
+          <a:xfrm>
+            <a:off x="0" y="0"/>
+            <a:ext cx="2971800" cy="458788"/>
+          </a:xfrm>
+          <a:prstGeom prst="rect">
+            <a:avLst/>
+          </a:prstGeom>
+        </p:spPr>
+        <p:txBody>
+          <a:bodyPr vert="horz" lIns="91440" tIns="45720" rIns="91440" bIns="45720" rtlCol="0"/>
+          <a:lstStyle>
+            <a:lvl1pPr algn="l">
+              <a:defRPr sz="1200"/>
+            </a:lvl1pPr>
+          </a:lstStyle>
+          <a:p>
+            <a:endParaRPr lang="en-US"/>
+          </a:p>
+        </p:txBody>
+      </p:sp>
+      <p:sp>
+        <p:nvSpPr>
+          <p:cNvPr id="3" name="Date Placeholder 2"/>
+          <p:cNvSpPr>
+            <a:spLocks noGrp="1"/>
+          </p:cNvSpPr>
+          <p:nvPr>
+            <p:ph type="dt" idx="1"/>
+          </p:nvPr>
+        </p:nvSpPr>
+        <p:spPr>
+          <a:xfrm>
+            <a:off x="3884613" y="0"/>
+            <a:ext cx="2971800" cy="458788"/>
+          </a:xfrm>
+          <a:prstGeom prst="rect">
+            <a:avLst/>
+          </a:prstGeom>
+        </p:spPr>
+        <p:txBody>
+          <a:bodyPr vert="horz" lIns="91440" tIns="45720" rIns="91440" bIns="45720" rtlCol="0"/>
+          <a:lstStyle>
+            <a:lvl1pPr algn="r">
+              <a:defRPr sz="1200"/>
+            </a:lvl1pPr>
+          </a:lstStyle>
+          <a:p>
+            <a:fld id="{519DBA45-E5D3-394C-BE40-734906036509}" type="datetimeFigureOut">
+              <a:rPr lang="en-US" smtClean="0"/>
+              <a:t>6/1/22</a:t>
+            </a:fld>
+            <a:endParaRPr lang="en-US"/>
+          </a:p>
+        </p:txBody>
+      </p:sp>
+      <p:sp>
+        <p:nvSpPr>
+          <p:cNvPr id="4" name="Slide Image Placeholder 3"/>
+          <p:cNvSpPr>
+            <a:spLocks noGrp="1" noRot="1" noChangeAspect="1"/>
+          </p:cNvSpPr>
+          <p:nvPr>
+            <p:ph type="sldImg" idx="2"/>
+          </p:nvPr>
+        </p:nvSpPr>
+        <p:spPr>
+          <a:xfrm>
+            <a:off x="685800" y="1143000"/>
+            <a:ext cx="5486400" cy="3086100"/>
+          </a:xfrm>
+          <a:prstGeom prst="rect">
+            <a:avLst/>
+          </a:prstGeom>
+          <a:noFill/>
+          <a:ln w="12700">
+            <a:solidFill>
+              <a:prstClr val="black"/>
+            </a:solidFill>
+          </a:ln>
+        </p:spPr>
+        <p:txBody>
+          <a:bodyPr vert="horz" lIns="91440" tIns="45720" rIns="91440" bIns="45720" rtlCol="0" anchor="ctr"/>
+          <a:lstStyle/>
+          <a:p>
+            <a:endParaRPr lang="en-US"/>
+          </a:p>
+        </p:txBody>
+      </p:sp>
+      <p:sp>
+        <p:nvSpPr>
+          <p:cNvPr id="5" name="Notes Placeholder 4"/>
+          <p:cNvSpPr>
+            <a:spLocks noGrp="1"/>
+          </p:cNvSpPr>
+          <p:nvPr>
+            <p:ph type="body" sz="quarter" idx="3"/>
+          </p:nvPr>
+        </p:nvSpPr>
+        <p:spPr>
+          <a:xfrm>
+            <a:off x="685800" y="4400550"/>
+            <a:ext cx="5486400" cy="3600450"/>
+          </a:xfrm>
+          <a:prstGeom prst="rect">
+            <a:avLst/>
+          </a:prstGeom>
+        </p:spPr>
+        <p:txBody>
+          <a:bodyPr vert="horz" lIns="91440" tIns="45720" rIns="91440" bIns="45720" rtlCol="0"/>
+          <a:lstStyle/>
+          <a:p>
+            <a:pPr lvl="0"/>
+            <a:r>
+              <a:rPr lang="en-US"/>
+              <a:t>Edit Master text styles</a:t>
+            </a:r>
+          </a:p>
+          <a:p>
+            <a:pPr lvl="1"/>
+            <a:r>
+              <a:rPr lang="en-US"/>
+              <a:t>Second level</a:t>
+            </a:r>
+          </a:p>
+          <a:p>
+            <a:pPr lvl="2"/>
+            <a:r>
+              <a:rPr lang="en-US"/>
+              <a:t>Third level</a:t>
+            </a:r>
+          </a:p>
+          <a:p>
+            <a:pPr lvl="3"/>
+            <a:r>
+              <a:rPr lang="en-US"/>
+              <a:t>Fourth level</a:t>
+            </a:r>
+          </a:p>
+          <a:p>
+            <a:pPr lvl="4"/>
+            <a:r>
+              <a:rPr lang="en-US"/>
+              <a:t>Fifth level</a:t>
+            </a:r>
+          </a:p>
+        </p:txBody>
+      </p:sp>
+      <p:sp>
+        <p:nvSpPr>
+          <p:cNvPr id="6" name="Footer Placeholder 5"/>
+          <p:cNvSpPr>
+            <a:spLocks noGrp="1"/>
+          </p:cNvSpPr>
+          <p:nvPr>
+            <p:ph type="ftr" sz="quarter" idx="4"/>
+          </p:nvPr>
+        </p:nvSpPr>
+        <p:spPr>
+          <a:xfrm>
+            <a:off x="0" y="8685213"/>
+            <a:ext cx="2971800" cy="458787"/>
+          </a:xfrm>
+          <a:prstGeom prst="rect">
+            <a:avLst/>
+          </a:prstGeom>
+        </p:spPr>
+        <p:txBody>
+          <a:bodyPr vert="horz" lIns="91440" tIns="45720" rIns="91440" bIns="45720" rtlCol="0" anchor="b"/>
+          <a:lstStyle>
+            <a:lvl1pPr algn="l">
+              <a:defRPr sz="1200"/>
+            </a:lvl1pPr>
+          </a:lstStyle>
+          <a:p>
+            <a:endParaRPr lang="en-US"/>
+          </a:p>
+        </p:txBody>
+      </p:sp>
+      <p:sp>
+        <p:nvSpPr>
+          <p:cNvPr id="7" name="Slide Number Placeholder 6"/>
+          <p:cNvSpPr>
+            <a:spLocks noGrp="1"/>
+          </p:cNvSpPr>
+          <p:nvPr>
+            <p:ph type="sldNum" sz="quarter" idx="5"/>
+          </p:nvPr>
+        </p:nvSpPr>
+        <p:spPr>
+          <a:xfrm>
+            <a:off x="3884613" y="8685213"/>
+            <a:ext cx="2971800" cy="458787"/>
+          </a:xfrm>
+          <a:prstGeom prst="rect">
+            <a:avLst/>
+          </a:prstGeom>
+        </p:spPr>
+        <p:txBody>
+          <a:bodyPr vert="horz" lIns="91440" tIns="45720" rIns="91440" bIns="45720" rtlCol="0" anchor="b"/>
+          <a:lstStyle>
+            <a:lvl1pPr algn="r">
+              <a:defRPr sz="1200"/>
+            </a:lvl1pPr>
+          </a:lstStyle>
+          <a:p>
+            <a:fld id="{62B01CE5-E41E-4A4E-9A1E-9C87F6348394}" type="slidenum">
+              <a:rPr lang="en-US" smtClean="0"/>
+              <a:t>‹#›</a:t>
+            </a:fld>
+            <a:endParaRPr lang="en-US"/>
+          </a:p>
+        </p:txBody>
+      </p:sp>
+    </p:spTree>
+    <p:extLst>
+      <p:ext uri="{BB962C8B-B14F-4D97-AF65-F5344CB8AC3E}">
+        <p14:creationId xmlns:p14="http://schemas.microsoft.com/office/powerpoint/2010/main" val="3229568311"/>
+      </p:ext>
+    </p:extLst>
+  </p:cSld>
+  <p:clrMap bg1="lt1" tx1="dk1" bg2="lt2" tx2="dk2" accent1="accent1" accent2="accent2" accent3="accent3" accent4="accent4" accent5="accent5" accent6="accent6" hlink="hlink" folHlink="folHlink"/>
+  <p:notesStyle>
+    <a:lvl1pPr marL="0" algn="l" defTabSz="914400" rtl="0" eaLnBrk="1" latinLnBrk="0" hangingPunct="1">
+      <a:defRPr sz="1200" kern="1200">
+        <a:solidFill>
+          <a:schemeClr val="tx1"/>
+        </a:solidFill>
+        <a:latin typeface="+mn-lt"/>
+        <a:ea typeface="+mn-ea"/>
+        <a:cs typeface="+mn-cs"/>
+      </a:defRPr>
+    </a:lvl1pPr>
+    <a:lvl2pPr marL="457200" algn="l" defTabSz="914400" rtl="0" eaLnBrk="1" latinLnBrk="0" hangingPunct="1">
+      <a:defRPr sz="1200" kern="1200">
+        <a:solidFill>
+          <a:schemeClr val="tx1"/>
+        </a:solidFill>
+        <a:latin typeface="+mn-lt"/>
+        <a:ea typeface="+mn-ea"/>
+        <a:cs typeface="+mn-cs"/>
+      </a:defRPr>
+    </a:lvl2pPr>
+    <a:lvl3pPr marL="914400" algn="l" defTabSz="914400" rtl="0" eaLnBrk="1" latinLnBrk="0" hangingPunct="1">
+      <a:defRPr sz="1200" kern="1200">
+        <a:solidFill>
+          <a:schemeClr val="tx1"/>
+        </a:solidFill>
+        <a:latin typeface="+mn-lt"/>
+        <a:ea typeface="+mn-ea"/>
+        <a:cs typeface="+mn-cs"/>
+      </a:defRPr>
+    </a:lvl3pPr>
+    <a:lvl4pPr marL="1371600" algn="l" defTabSz="914400" rtl="0" eaLnBrk="1" latinLnBrk="0" hangingPunct="1">
+      <a:defRPr sz="1200" kern="1200">
+        <a:solidFill>
+          <a:schemeClr val="tx1"/>
+        </a:solidFill>
+        <a:latin typeface="+mn-lt"/>
+        <a:ea typeface="+mn-ea"/>
+        <a:cs typeface="+mn-cs"/>
+      </a:defRPr>
+    </a:lvl4pPr>
+    <a:lvl5pPr marL="1828800" algn="l" defTabSz="914400" rtl="0" eaLnBrk="1" latinLnBrk="0" hangingPunct="1">
+      <a:defRPr sz="1200" kern="1200">
+        <a:solidFill>
+          <a:schemeClr val="tx1"/>
+        </a:solidFill>
+        <a:latin typeface="+mn-lt"/>
+        <a:ea typeface="+mn-ea"/>
+        <a:cs typeface="+mn-cs"/>
+      </a:defRPr>
+    </a:lvl5pPr>
+    <a:lvl6pPr marL="2286000" algn="l" defTabSz="914400" rtl="0" eaLnBrk="1" latinLnBrk="0" hangingPunct="1">
+      <a:defRPr sz="1200" kern="1200">
+        <a:solidFill>
+          <a:schemeClr val="tx1"/>
+        </a:solidFill>
+        <a:latin typeface="+mn-lt"/>
+        <a:ea typeface="+mn-ea"/>
+        <a:cs typeface="+mn-cs"/>
+      </a:defRPr>
+    </a:lvl6pPr>
+    <a:lvl7pPr marL="2743200" algn="l" defTabSz="914400" rtl="0" eaLnBrk="1" latinLnBrk="0" hangingPunct="1">
+      <a:defRPr sz="1200" kern="1200">
+        <a:solidFill>
+          <a:schemeClr val="tx1"/>
+        </a:solidFill>
+        <a:latin typeface="+mn-lt"/>
+        <a:ea typeface="+mn-ea"/>
+        <a:cs typeface="+mn-cs"/>
+      </a:defRPr>
+    </a:lvl7pPr>
+    <a:lvl8pPr marL="3200400" algn="l" defTabSz="914400" rtl="0" eaLnBrk="1" latinLnBrk="0" hangingPunct="1">
+      <a:defRPr sz="1200" kern="1200">
+        <a:solidFill>
+          <a:schemeClr val="tx1"/>
+        </a:solidFill>
+        <a:latin typeface="+mn-lt"/>
+        <a:ea typeface="+mn-ea"/>
+        <a:cs typeface="+mn-cs"/>
+      </a:defRPr>
+    </a:lvl8pPr>
+    <a:lvl9pPr marL="3657600" algn="l" defTabSz="914400" rtl="0" eaLnBrk="1" latinLnBrk="0" hangingPunct="1">
+      <a:defRPr sz="1200" kern="1200">
+        <a:solidFill>
+          <a:schemeClr val="tx1"/>
+        </a:solidFill>
+        <a:latin typeface="+mn-lt"/>
+        <a:ea typeface="+mn-ea"/>
+        <a:cs typeface="+mn-cs"/>
+      </a:defRPr>
+    </a:lvl9pPr>
+  </p:notesStyle>
+</p:notesMaster>
+</file>
+
+<file path=ppt/notesSlides/notesSlide1.xml><?xml version="1.0" encoding="utf-8"?>
+<p:notes xmlns:a="http://schemas.openxmlformats.org/drawingml/2006/main" xmlns:r="http://schemas.openxmlformats.org/officeDocument/2006/relationships" xmlns:p="http://schemas.openxmlformats.org/presentationml/2006/main">
+  <p:cSld>
+    <p:spTree>
+      <p:nvGrpSpPr>
+        <p:cNvPr id="1" name=""/>
+        <p:cNvGrpSpPr/>
+        <p:nvPr/>
+      </p:nvGrpSpPr>
+      <p:grpSpPr>
+        <a:xfrm>
+          <a:off x="0" y="0"/>
+          <a:ext cx="0" cy="0"/>
+          <a:chOff x="0" y="0"/>
+          <a:chExt cx="0" cy="0"/>
+        </a:xfrm>
+      </p:grpSpPr>
+      <p:sp>
+        <p:nvSpPr>
+          <p:cNvPr id="2" name="Slide Image Placeholder 1"/>
+          <p:cNvSpPr>
+            <a:spLocks noGrp="1" noRot="1" noChangeAspect="1"/>
+          </p:cNvSpPr>
+          <p:nvPr>
+            <p:ph type="sldImg"/>
+          </p:nvPr>
+        </p:nvSpPr>
+        <p:spPr/>
+      </p:sp>
+      <p:sp>
+        <p:nvSpPr>
+          <p:cNvPr id="3" name="Notes Placeholder 2"/>
+          <p:cNvSpPr>
+            <a:spLocks noGrp="1"/>
+          </p:cNvSpPr>
+          <p:nvPr>
+            <p:ph type="body" idx="1"/>
+          </p:nvPr>
+        </p:nvSpPr>
+        <p:spPr/>
+        <p:txBody>
+          <a:bodyPr/>
+          <a:lstStyle/>
+          <a:p>
+            <a:r>
+              <a:rPr lang="en-US" dirty="0"/>
+              <a:t>Group photo, PI, main focus</a:t>
+            </a:r>
+          </a:p>
+        </p:txBody>
+      </p:sp>
+      <p:sp>
+        <p:nvSpPr>
+          <p:cNvPr id="4" name="Slide Number Placeholder 3"/>
+          <p:cNvSpPr>
+            <a:spLocks noGrp="1"/>
+          </p:cNvSpPr>
+          <p:nvPr>
+            <p:ph type="sldNum" sz="quarter" idx="5"/>
+          </p:nvPr>
+        </p:nvSpPr>
+        <p:spPr/>
+        <p:txBody>
+          <a:bodyPr/>
+          <a:lstStyle/>
+          <a:p>
+            <a:fld id="{62B01CE5-E41E-4A4E-9A1E-9C87F6348394}" type="slidenum">
+              <a:rPr lang="en-US" smtClean="0"/>
+              <a:t>2</a:t>
+            </a:fld>
+            <a:endParaRPr lang="en-US"/>
+          </a:p>
+        </p:txBody>
+      </p:sp>
+    </p:spTree>
+    <p:extLst>
+      <p:ext uri="{BB962C8B-B14F-4D97-AF65-F5344CB8AC3E}">
+        <p14:creationId xmlns:p14="http://schemas.microsoft.com/office/powerpoint/2010/main" val="4042742930"/>
+      </p:ext>
+    </p:extLst>
+  </p:cSld>
+  <p:clrMapOvr>
+    <a:masterClrMapping/>
+  </p:clrMapOvr>
+</p:notes>
+</file>
+
+<file path=ppt/notesSlides/notesSlide2.xml><?xml version="1.0" encoding="utf-8"?>
+<p:notes xmlns:a="http://schemas.openxmlformats.org/drawingml/2006/main" xmlns:r="http://schemas.openxmlformats.org/officeDocument/2006/relationships" xmlns:p="http://schemas.openxmlformats.org/presentationml/2006/main">
+  <p:cSld>
+    <p:spTree>
+      <p:nvGrpSpPr>
+        <p:cNvPr id="1" name=""/>
+        <p:cNvGrpSpPr/>
+        <p:nvPr/>
+      </p:nvGrpSpPr>
+      <p:grpSpPr>
+        <a:xfrm>
+          <a:off x="0" y="0"/>
+          <a:ext cx="0" cy="0"/>
+          <a:chOff x="0" y="0"/>
+          <a:chExt cx="0" cy="0"/>
+        </a:xfrm>
+      </p:grpSpPr>
+      <p:sp>
+        <p:nvSpPr>
+          <p:cNvPr id="2" name="Slide Image Placeholder 1"/>
+          <p:cNvSpPr>
+            <a:spLocks noGrp="1" noRot="1" noChangeAspect="1"/>
+          </p:cNvSpPr>
+          <p:nvPr>
+            <p:ph type="sldImg"/>
+          </p:nvPr>
+        </p:nvSpPr>
+        <p:spPr/>
+      </p:sp>
+      <p:sp>
+        <p:nvSpPr>
+          <p:cNvPr id="3" name="Notes Placeholder 2"/>
+          <p:cNvSpPr>
+            <a:spLocks noGrp="1"/>
+          </p:cNvSpPr>
+          <p:nvPr>
+            <p:ph type="body" idx="1"/>
+          </p:nvPr>
+        </p:nvSpPr>
+        <p:spPr/>
+        <p:txBody>
+          <a:bodyPr/>
+          <a:lstStyle/>
+          <a:p>
+            <a:endParaRPr lang="en-US" dirty="0"/>
+          </a:p>
+        </p:txBody>
+      </p:sp>
+      <p:sp>
+        <p:nvSpPr>
+          <p:cNvPr id="4" name="Slide Number Placeholder 3"/>
+          <p:cNvSpPr>
+            <a:spLocks noGrp="1"/>
+          </p:cNvSpPr>
+          <p:nvPr>
+            <p:ph type="sldNum" sz="quarter" idx="5"/>
+          </p:nvPr>
+        </p:nvSpPr>
+        <p:spPr/>
+        <p:txBody>
+          <a:bodyPr/>
+          <a:lstStyle/>
+          <a:p>
+            <a:fld id="{62B01CE5-E41E-4A4E-9A1E-9C87F6348394}" type="slidenum">
+              <a:rPr lang="en-US" smtClean="0"/>
+              <a:t>4</a:t>
+            </a:fld>
+            <a:endParaRPr lang="en-US"/>
+          </a:p>
+        </p:txBody>
+      </p:sp>
+    </p:spTree>
+    <p:extLst>
+      <p:ext uri="{BB962C8B-B14F-4D97-AF65-F5344CB8AC3E}">
+        <p14:creationId xmlns:p14="http://schemas.microsoft.com/office/powerpoint/2010/main" val="3061782313"/>
+      </p:ext>
+    </p:extLst>
+  </p:cSld>
+  <p:clrMapOvr>
+    <a:masterClrMapping/>
+  </p:clrMapOvr>
+</p:notes>
+</file>
+
+<file path=ppt/notesSlides/notesSlide3.xml><?xml version="1.0" encoding="utf-8"?>
+<p:notes xmlns:a="http://schemas.openxmlformats.org/drawingml/2006/main" xmlns:r="http://schemas.openxmlformats.org/officeDocument/2006/relationships" xmlns:p="http://schemas.openxmlformats.org/presentationml/2006/main">
+  <p:cSld>
+    <p:spTree>
+      <p:nvGrpSpPr>
+        <p:cNvPr id="1" name=""/>
+        <p:cNvGrpSpPr/>
+        <p:nvPr/>
+      </p:nvGrpSpPr>
+      <p:grpSpPr>
+        <a:xfrm>
+          <a:off x="0" y="0"/>
+          <a:ext cx="0" cy="0"/>
+          <a:chOff x="0" y="0"/>
+          <a:chExt cx="0" cy="0"/>
+        </a:xfrm>
+      </p:grpSpPr>
+      <p:sp>
+        <p:nvSpPr>
+          <p:cNvPr id="2" name="Slide Image Placeholder 1"/>
+          <p:cNvSpPr>
+            <a:spLocks noGrp="1" noRot="1" noChangeAspect="1"/>
+          </p:cNvSpPr>
+          <p:nvPr>
+            <p:ph type="sldImg"/>
+          </p:nvPr>
+        </p:nvSpPr>
+        <p:spPr/>
+      </p:sp>
+      <p:sp>
+        <p:nvSpPr>
+          <p:cNvPr id="3" name="Notes Placeholder 2"/>
+          <p:cNvSpPr>
+            <a:spLocks noGrp="1"/>
+          </p:cNvSpPr>
+          <p:nvPr>
+            <p:ph type="body" idx="1"/>
+          </p:nvPr>
+        </p:nvSpPr>
+        <p:spPr/>
+        <p:txBody>
+          <a:bodyPr/>
+          <a:lstStyle/>
+          <a:p>
+            <a:r>
+              <a:rPr lang="en-US" dirty="0"/>
+              <a:t>Gamma point supercell is equivalent to k point.</a:t>
+            </a:r>
+          </a:p>
+          <a:p>
+            <a:r>
+              <a:rPr lang="en-US" dirty="0"/>
+              <a:t>System set up. </a:t>
+            </a:r>
+          </a:p>
+          <a:p>
+            <a:r>
+              <a:rPr lang="en-US" dirty="0"/>
+              <a:t>How to calculate correlation energy? RHF inconsistency. </a:t>
+            </a:r>
+          </a:p>
+          <a:p>
+            <a:r>
+              <a:rPr lang="en-US" dirty="0"/>
+              <a:t>Calculation set up. </a:t>
+            </a:r>
+          </a:p>
+        </p:txBody>
+      </p:sp>
+      <p:sp>
+        <p:nvSpPr>
+          <p:cNvPr id="4" name="Slide Number Placeholder 3"/>
+          <p:cNvSpPr>
+            <a:spLocks noGrp="1"/>
+          </p:cNvSpPr>
+          <p:nvPr>
+            <p:ph type="sldNum" sz="quarter" idx="5"/>
+          </p:nvPr>
+        </p:nvSpPr>
+        <p:spPr/>
+        <p:txBody>
+          <a:bodyPr/>
+          <a:lstStyle/>
+          <a:p>
+            <a:fld id="{62B01CE5-E41E-4A4E-9A1E-9C87F6348394}" type="slidenum">
+              <a:rPr lang="en-US" smtClean="0"/>
+              <a:t>7</a:t>
+            </a:fld>
+            <a:endParaRPr lang="en-US"/>
+          </a:p>
+        </p:txBody>
+      </p:sp>
+    </p:spTree>
+    <p:extLst>
+      <p:ext uri="{BB962C8B-B14F-4D97-AF65-F5344CB8AC3E}">
+        <p14:creationId xmlns:p14="http://schemas.microsoft.com/office/powerpoint/2010/main" val="3301906987"/>
+      </p:ext>
+    </p:extLst>
+  </p:cSld>
+  <p:clrMapOvr>
+    <a:masterClrMapping/>
+  </p:clrMapOvr>
+</p:notes>
+</file>
+
+<file path=ppt/notesSlides/notesSlide4.xml><?xml version="1.0" encoding="utf-8"?>
+<p:notes xmlns:a="http://schemas.openxmlformats.org/drawingml/2006/main" xmlns:r="http://schemas.openxmlformats.org/officeDocument/2006/relationships" xmlns:p="http://schemas.openxmlformats.org/presentationml/2006/main">
+  <p:cSld>
+    <p:spTree>
+      <p:nvGrpSpPr>
+        <p:cNvPr id="1" name=""/>
+        <p:cNvGrpSpPr/>
+        <p:nvPr/>
+      </p:nvGrpSpPr>
+      <p:grpSpPr>
+        <a:xfrm>
+          <a:off x="0" y="0"/>
+          <a:ext cx="0" cy="0"/>
+          <a:chOff x="0" y="0"/>
+          <a:chExt cx="0" cy="0"/>
+        </a:xfrm>
+      </p:grpSpPr>
+      <p:sp>
+        <p:nvSpPr>
+          <p:cNvPr id="2" name="Slide Image Placeholder 1"/>
+          <p:cNvSpPr>
+            <a:spLocks noGrp="1" noRot="1" noChangeAspect="1"/>
+          </p:cNvSpPr>
+          <p:nvPr>
+            <p:ph type="sldImg"/>
+          </p:nvPr>
+        </p:nvSpPr>
+        <p:spPr/>
+      </p:sp>
+      <p:sp>
+        <p:nvSpPr>
+          <p:cNvPr id="3" name="Notes Placeholder 2"/>
+          <p:cNvSpPr>
+            <a:spLocks noGrp="1"/>
+          </p:cNvSpPr>
+          <p:nvPr>
+            <p:ph type="body" idx="1"/>
+          </p:nvPr>
+        </p:nvSpPr>
+        <p:spPr/>
+        <p:txBody>
+          <a:bodyPr/>
+          <a:lstStyle/>
+          <a:p>
+            <a:r>
+              <a:rPr lang="en-US" dirty="0"/>
+              <a:t>Weak correlation.. </a:t>
+            </a:r>
+          </a:p>
+          <a:p>
+            <a:r>
+              <a:rPr lang="en-US" dirty="0"/>
+              <a:t>CCSD, how to choose active space. </a:t>
+            </a:r>
+          </a:p>
+          <a:p>
+            <a:r>
+              <a:rPr lang="en-US" dirty="0"/>
+              <a:t>Result matching. 5meV difference. </a:t>
+            </a:r>
+          </a:p>
+        </p:txBody>
+      </p:sp>
+      <p:sp>
+        <p:nvSpPr>
+          <p:cNvPr id="4" name="Slide Number Placeholder 3"/>
+          <p:cNvSpPr>
+            <a:spLocks noGrp="1"/>
+          </p:cNvSpPr>
+          <p:nvPr>
+            <p:ph type="sldNum" sz="quarter" idx="5"/>
+          </p:nvPr>
+        </p:nvSpPr>
+        <p:spPr/>
+        <p:txBody>
+          <a:bodyPr/>
+          <a:lstStyle/>
+          <a:p>
+            <a:fld id="{62B01CE5-E41E-4A4E-9A1E-9C87F6348394}" type="slidenum">
+              <a:rPr lang="en-US" smtClean="0"/>
+              <a:t>8</a:t>
+            </a:fld>
+            <a:endParaRPr lang="en-US"/>
+          </a:p>
+        </p:txBody>
+      </p:sp>
+    </p:spTree>
+    <p:extLst>
+      <p:ext uri="{BB962C8B-B14F-4D97-AF65-F5344CB8AC3E}">
+        <p14:creationId xmlns:p14="http://schemas.microsoft.com/office/powerpoint/2010/main" val="2123800935"/>
+      </p:ext>
+    </p:extLst>
+  </p:cSld>
+  <p:clrMapOvr>
+    <a:masterClrMapping/>
+  </p:clrMapOvr>
+</p:notes>
+</file>
+
+<file path=ppt/notesSlides/notesSlide5.xml><?xml version="1.0" encoding="utf-8"?>
+<p:notes xmlns:a="http://schemas.openxmlformats.org/drawingml/2006/main" xmlns:r="http://schemas.openxmlformats.org/officeDocument/2006/relationships" xmlns:p="http://schemas.openxmlformats.org/presentationml/2006/main">
+  <p:cSld>
+    <p:spTree>
+      <p:nvGrpSpPr>
+        <p:cNvPr id="1" name=""/>
+        <p:cNvGrpSpPr/>
+        <p:nvPr/>
+      </p:nvGrpSpPr>
+      <p:grpSpPr>
+        <a:xfrm>
+          <a:off x="0" y="0"/>
+          <a:ext cx="0" cy="0"/>
+          <a:chOff x="0" y="0"/>
+          <a:chExt cx="0" cy="0"/>
+        </a:xfrm>
+      </p:grpSpPr>
+      <p:sp>
+        <p:nvSpPr>
+          <p:cNvPr id="2" name="Slide Image Placeholder 1"/>
+          <p:cNvSpPr>
+            <a:spLocks noGrp="1" noRot="1" noChangeAspect="1"/>
+          </p:cNvSpPr>
+          <p:nvPr>
+            <p:ph type="sldImg"/>
+          </p:nvPr>
+        </p:nvSpPr>
+        <p:spPr/>
+      </p:sp>
+      <p:sp>
+        <p:nvSpPr>
+          <p:cNvPr id="3" name="Notes Placeholder 2"/>
+          <p:cNvSpPr>
+            <a:spLocks noGrp="1"/>
+          </p:cNvSpPr>
+          <p:nvPr>
+            <p:ph type="body" idx="1"/>
+          </p:nvPr>
+        </p:nvSpPr>
+        <p:spPr/>
+        <p:txBody>
+          <a:bodyPr/>
+          <a:lstStyle/>
+          <a:p>
+            <a:r>
+              <a:rPr lang="en-US" dirty="0"/>
+              <a:t>Strong correlation. privilege of quantum computing. </a:t>
+            </a:r>
+          </a:p>
+          <a:p>
+            <a:r>
+              <a:rPr lang="en-US" dirty="0"/>
+              <a:t>R-CCSD, CASCI-&gt;triplet state. Spin symmetry breaking.</a:t>
+            </a:r>
+          </a:p>
+          <a:p>
+            <a:r>
+              <a:rPr lang="en-US" dirty="0"/>
+              <a:t>VQE, penalty function. S=0,S=1. </a:t>
+            </a:r>
+          </a:p>
+          <a:p>
+            <a:endParaRPr lang="en-US" dirty="0"/>
+          </a:p>
+        </p:txBody>
+      </p:sp>
+      <p:sp>
+        <p:nvSpPr>
+          <p:cNvPr id="4" name="Slide Number Placeholder 3"/>
+          <p:cNvSpPr>
+            <a:spLocks noGrp="1"/>
+          </p:cNvSpPr>
+          <p:nvPr>
+            <p:ph type="sldNum" sz="quarter" idx="5"/>
+          </p:nvPr>
+        </p:nvSpPr>
+        <p:spPr/>
+        <p:txBody>
+          <a:bodyPr/>
+          <a:lstStyle/>
+          <a:p>
+            <a:fld id="{62B01CE5-E41E-4A4E-9A1E-9C87F6348394}" type="slidenum">
+              <a:rPr lang="en-US" smtClean="0"/>
+              <a:t>9</a:t>
+            </a:fld>
+            <a:endParaRPr lang="en-US"/>
+          </a:p>
+        </p:txBody>
+      </p:sp>
+    </p:spTree>
+    <p:extLst>
+      <p:ext uri="{BB962C8B-B14F-4D97-AF65-F5344CB8AC3E}">
+        <p14:creationId xmlns:p14="http://schemas.microsoft.com/office/powerpoint/2010/main" val="2459665403"/>
+      </p:ext>
+    </p:extLst>
+  </p:cSld>
+  <p:clrMapOvr>
+    <a:masterClrMapping/>
+  </p:clrMapOvr>
+</p:notes>
+</file>
+
+<file path=ppt/notesSlides/notesSlide6.xml><?xml version="1.0" encoding="utf-8"?>
+<p:notes xmlns:a="http://schemas.openxmlformats.org/drawingml/2006/main" xmlns:r="http://schemas.openxmlformats.org/officeDocument/2006/relationships" xmlns:p="http://schemas.openxmlformats.org/presentationml/2006/main">
+  <p:cSld>
+    <p:spTree>
+      <p:nvGrpSpPr>
+        <p:cNvPr id="1" name=""/>
+        <p:cNvGrpSpPr/>
+        <p:nvPr/>
+      </p:nvGrpSpPr>
+      <p:grpSpPr>
+        <a:xfrm>
+          <a:off x="0" y="0"/>
+          <a:ext cx="0" cy="0"/>
+          <a:chOff x="0" y="0"/>
+          <a:chExt cx="0" cy="0"/>
+        </a:xfrm>
+      </p:grpSpPr>
+      <p:sp>
+        <p:nvSpPr>
+          <p:cNvPr id="2" name="Slide Image Placeholder 1"/>
+          <p:cNvSpPr>
+            <a:spLocks noGrp="1" noRot="1" noChangeAspect="1"/>
+          </p:cNvSpPr>
+          <p:nvPr>
+            <p:ph type="sldImg"/>
+          </p:nvPr>
+        </p:nvSpPr>
+        <p:spPr/>
+      </p:sp>
+      <p:sp>
+        <p:nvSpPr>
+          <p:cNvPr id="3" name="Notes Placeholder 2"/>
+          <p:cNvSpPr>
+            <a:spLocks noGrp="1"/>
+          </p:cNvSpPr>
+          <p:nvPr>
+            <p:ph type="body" idx="1"/>
+          </p:nvPr>
+        </p:nvSpPr>
+        <p:spPr/>
+        <p:txBody>
+          <a:bodyPr/>
+          <a:lstStyle/>
+          <a:p>
+            <a:r>
+              <a:rPr lang="en-US" dirty="0"/>
+              <a:t>Dynamical correlation, static correlation. </a:t>
+            </a:r>
+          </a:p>
+          <a:p>
+            <a:r>
+              <a:rPr lang="en-US" dirty="0"/>
+              <a:t>H chain example. CCSD not match with Full CI. Bond</a:t>
+            </a:r>
+            <a:r>
+              <a:rPr lang="zh-CN" altLang="en-US" dirty="0"/>
+              <a:t> </a:t>
+            </a:r>
+            <a:r>
+              <a:rPr lang="en-US" altLang="zh-CN" dirty="0"/>
+              <a:t>dissociation.</a:t>
+            </a:r>
+            <a:endParaRPr lang="en-US" dirty="0"/>
+          </a:p>
+          <a:p>
+            <a:endParaRPr lang="en-US" dirty="0"/>
+          </a:p>
+        </p:txBody>
+      </p:sp>
+      <p:sp>
+        <p:nvSpPr>
+          <p:cNvPr id="4" name="Slide Number Placeholder 3"/>
+          <p:cNvSpPr>
+            <a:spLocks noGrp="1"/>
+          </p:cNvSpPr>
+          <p:nvPr>
+            <p:ph type="sldNum" sz="quarter" idx="5"/>
+          </p:nvPr>
+        </p:nvSpPr>
+        <p:spPr/>
+        <p:txBody>
+          <a:bodyPr/>
+          <a:lstStyle/>
+          <a:p>
+            <a:fld id="{62B01CE5-E41E-4A4E-9A1E-9C87F6348394}" type="slidenum">
+              <a:rPr lang="en-US" smtClean="0"/>
+              <a:t>10</a:t>
+            </a:fld>
+            <a:endParaRPr lang="en-US"/>
+          </a:p>
+        </p:txBody>
+      </p:sp>
+    </p:spTree>
+    <p:extLst>
+      <p:ext uri="{BB962C8B-B14F-4D97-AF65-F5344CB8AC3E}">
+        <p14:creationId xmlns:p14="http://schemas.microsoft.com/office/powerpoint/2010/main" val="1068080628"/>
+      </p:ext>
+    </p:extLst>
+  </p:cSld>
+  <p:clrMapOvr>
+    <a:masterClrMapping/>
+  </p:clrMapOvr>
+</p:notes>
+</file>
+
+<file path=ppt/notesSlides/notesSlide7.xml><?xml version="1.0" encoding="utf-8"?>
+<p:notes xmlns:a="http://schemas.openxmlformats.org/drawingml/2006/main" xmlns:r="http://schemas.openxmlformats.org/officeDocument/2006/relationships" xmlns:p="http://schemas.openxmlformats.org/presentationml/2006/main">
+  <p:cSld>
+    <p:spTree>
+      <p:nvGrpSpPr>
+        <p:cNvPr id="1" name=""/>
+        <p:cNvGrpSpPr/>
+        <p:nvPr/>
+      </p:nvGrpSpPr>
+      <p:grpSpPr>
+        <a:xfrm>
+          <a:off x="0" y="0"/>
+          <a:ext cx="0" cy="0"/>
+          <a:chOff x="0" y="0"/>
+          <a:chExt cx="0" cy="0"/>
+        </a:xfrm>
+      </p:grpSpPr>
+      <p:sp>
+        <p:nvSpPr>
+          <p:cNvPr id="2" name="Slide Image Placeholder 1"/>
+          <p:cNvSpPr>
+            <a:spLocks noGrp="1" noRot="1" noChangeAspect="1"/>
+          </p:cNvSpPr>
+          <p:nvPr>
+            <p:ph type="sldImg"/>
+          </p:nvPr>
+        </p:nvSpPr>
+        <p:spPr/>
+      </p:sp>
+      <p:sp>
+        <p:nvSpPr>
+          <p:cNvPr id="3" name="Notes Placeholder 2"/>
+          <p:cNvSpPr>
+            <a:spLocks noGrp="1"/>
+          </p:cNvSpPr>
+          <p:nvPr>
+            <p:ph type="body" idx="1"/>
+          </p:nvPr>
+        </p:nvSpPr>
+        <p:spPr/>
+        <p:txBody>
+          <a:bodyPr/>
+          <a:lstStyle/>
+          <a:p>
+            <a:r>
+              <a:rPr lang="en-US" dirty="0"/>
+              <a:t>Functional, two parameter. </a:t>
+            </a:r>
+          </a:p>
+          <a:p>
+            <a:r>
+              <a:rPr lang="en-US" dirty="0"/>
+              <a:t>Mean field excited state approach. </a:t>
+            </a:r>
+          </a:p>
+          <a:p>
+            <a:r>
+              <a:rPr lang="en-US" dirty="0"/>
+              <a:t>Example of H2, a range of w, target on different state. Independent of initial gauss.</a:t>
+            </a:r>
+          </a:p>
+        </p:txBody>
+      </p:sp>
+      <p:sp>
+        <p:nvSpPr>
+          <p:cNvPr id="4" name="Slide Number Placeholder 3"/>
+          <p:cNvSpPr>
+            <a:spLocks noGrp="1"/>
+          </p:cNvSpPr>
+          <p:nvPr>
+            <p:ph type="sldNum" sz="quarter" idx="5"/>
+          </p:nvPr>
+        </p:nvSpPr>
+        <p:spPr/>
+        <p:txBody>
+          <a:bodyPr/>
+          <a:lstStyle/>
+          <a:p>
+            <a:fld id="{62B01CE5-E41E-4A4E-9A1E-9C87F6348394}" type="slidenum">
+              <a:rPr lang="en-US" smtClean="0"/>
+              <a:t>13</a:t>
+            </a:fld>
+            <a:endParaRPr lang="en-US"/>
+          </a:p>
+        </p:txBody>
+      </p:sp>
+    </p:spTree>
+    <p:extLst>
+      <p:ext uri="{BB962C8B-B14F-4D97-AF65-F5344CB8AC3E}">
+        <p14:creationId xmlns:p14="http://schemas.microsoft.com/office/powerpoint/2010/main" val="2613973884"/>
+      </p:ext>
+    </p:extLst>
+  </p:cSld>
+  <p:clrMapOvr>
+    <a:masterClrMapping/>
+  </p:clrMapOvr>
+</p:notes>
 </file>
 
 <file path=ppt/slideLayouts/slideLayout1.xml><?xml version="1.0" encoding="utf-8"?>
@@ -1609,7 +3471,7 @@
             <a:fld id="{B61BEF0D-F0BB-DE4B-95CE-6DB70DBA9567}" type="datetimeFigureOut">
               <a:rPr lang="en-US" dirty="0"/>
               <a:pPr/>
-              <a:t>5/20/22</a:t>
+              <a:t>6/1/22</a:t>
             </a:fld>
             <a:endParaRPr lang="en-US" dirty="0"/>
           </a:p>
@@ -1930,7 +3792,7 @@
             <a:fld id="{B61BEF0D-F0BB-DE4B-95CE-6DB70DBA9567}" type="datetimeFigureOut">
               <a:rPr lang="en-US" dirty="0"/>
               <a:pPr/>
-              <a:t>5/20/22</a:t>
+              <a:t>6/1/22</a:t>
             </a:fld>
             <a:endParaRPr lang="en-US" dirty="0"/>
           </a:p>
@@ -2175,7 +4037,7 @@
             <a:fld id="{B61BEF0D-F0BB-DE4B-95CE-6DB70DBA9567}" type="datetimeFigureOut">
               <a:rPr lang="en-US" dirty="0"/>
               <a:pPr/>
-              <a:t>5/20/22</a:t>
+              <a:t>6/1/22</a:t>
             </a:fld>
             <a:endParaRPr lang="en-US" dirty="0"/>
           </a:p>
@@ -2511,7 +4373,7 @@
             <a:fld id="{B61BEF0D-F0BB-DE4B-95CE-6DB70DBA9567}" type="datetimeFigureOut">
               <a:rPr lang="en-US" dirty="0"/>
               <a:pPr/>
-              <a:t>5/20/22</a:t>
+              <a:t>6/1/22</a:t>
             </a:fld>
             <a:endParaRPr lang="en-US" dirty="0"/>
           </a:p>
@@ -2855,7 +4717,7 @@
             <a:fld id="{B61BEF0D-F0BB-DE4B-95CE-6DB70DBA9567}" type="datetimeFigureOut">
               <a:rPr lang="en-US" dirty="0"/>
               <a:pPr/>
-              <a:t>5/20/22</a:t>
+              <a:t>6/1/22</a:t>
             </a:fld>
             <a:endParaRPr lang="en-US" dirty="0"/>
           </a:p>
@@ -3226,7 +5088,7 @@
             <a:fld id="{B61BEF0D-F0BB-DE4B-95CE-6DB70DBA9567}" type="datetimeFigureOut">
               <a:rPr lang="en-US" dirty="0"/>
               <a:pPr/>
-              <a:t>5/20/22</a:t>
+              <a:t>6/1/22</a:t>
             </a:fld>
             <a:endParaRPr lang="en-US" dirty="0"/>
           </a:p>
@@ -3693,7 +5555,7 @@
             <a:fld id="{B61BEF0D-F0BB-DE4B-95CE-6DB70DBA9567}" type="datetimeFigureOut">
               <a:rPr lang="en-US" dirty="0"/>
               <a:pPr/>
-              <a:t>5/20/22</a:t>
+              <a:t>6/1/22</a:t>
             </a:fld>
             <a:endParaRPr lang="en-US" dirty="0"/>
           </a:p>
@@ -3895,7 +5757,7 @@
             <a:fld id="{B61BEF0D-F0BB-DE4B-95CE-6DB70DBA9567}" type="datetimeFigureOut">
               <a:rPr lang="en-US" dirty="0"/>
               <a:pPr/>
-              <a:t>5/20/22</a:t>
+              <a:t>6/1/22</a:t>
             </a:fld>
             <a:endParaRPr lang="en-US" dirty="0"/>
           </a:p>
@@ -4103,7 +5965,7 @@
             <a:fld id="{B61BEF0D-F0BB-DE4B-95CE-6DB70DBA9567}" type="datetimeFigureOut">
               <a:rPr lang="en-US" dirty="0"/>
               <a:pPr/>
-              <a:t>5/20/22</a:t>
+              <a:t>6/1/22</a:t>
             </a:fld>
             <a:endParaRPr lang="en-US" dirty="0"/>
           </a:p>
@@ -4331,7 +6193,7 @@
           <a:p>
             <a:fld id="{52647F38-B617-4D2F-AE0A-013F0C4D2C57}" type="datetimeFigureOut">
               <a:rPr lang="en-US" dirty="0"/>
-              <a:t>5/20/22</a:t>
+              <a:t>6/1/22</a:t>
             </a:fld>
             <a:endParaRPr lang="en-US" dirty="0"/>
           </a:p>
@@ -4575,7 +6437,7 @@
             <a:fld id="{B61BEF0D-F0BB-DE4B-95CE-6DB70DBA9567}" type="datetimeFigureOut">
               <a:rPr lang="en-US" dirty="0"/>
               <a:pPr/>
-              <a:t>5/20/22</a:t>
+              <a:t>6/1/22</a:t>
             </a:fld>
             <a:endParaRPr lang="en-US" dirty="0"/>
           </a:p>
@@ -4869,7 +6731,7 @@
           <a:p>
             <a:fld id="{05BFA754-D5C3-4E66-96A6-867B257F58DC}" type="datetimeFigureOut">
               <a:rPr lang="en-US" dirty="0"/>
-              <a:t>5/20/22</a:t>
+              <a:t>6/1/22</a:t>
             </a:fld>
             <a:endParaRPr lang="en-US" dirty="0"/>
           </a:p>
@@ -5259,7 +7121,7 @@
             <a:fld id="{B61BEF0D-F0BB-DE4B-95CE-6DB70DBA9567}" type="datetimeFigureOut">
               <a:rPr lang="en-US" dirty="0"/>
               <a:pPr/>
-              <a:t>5/20/22</a:t>
+              <a:t>6/1/22</a:t>
             </a:fld>
             <a:endParaRPr lang="en-US" dirty="0"/>
           </a:p>
@@ -5405,7 +7267,7 @@
             <a:fld id="{B61BEF0D-F0BB-DE4B-95CE-6DB70DBA9567}" type="datetimeFigureOut">
               <a:rPr lang="en-US" dirty="0"/>
               <a:pPr/>
-              <a:t>5/20/22</a:t>
+              <a:t>6/1/22</a:t>
             </a:fld>
             <a:endParaRPr lang="en-US" dirty="0"/>
           </a:p>
@@ -5528,7 +7390,7 @@
             <a:fld id="{B61BEF0D-F0BB-DE4B-95CE-6DB70DBA9567}" type="datetimeFigureOut">
               <a:rPr lang="en-US" dirty="0"/>
               <a:pPr/>
-              <a:t>5/20/22</a:t>
+              <a:t>6/1/22</a:t>
             </a:fld>
             <a:endParaRPr lang="en-US" dirty="0"/>
           </a:p>
@@ -5780,7 +7642,7 @@
             <a:fld id="{B61BEF0D-F0BB-DE4B-95CE-6DB70DBA9567}" type="datetimeFigureOut">
               <a:rPr lang="en-US" dirty="0"/>
               <a:pPr/>
-              <a:t>5/20/22</a:t>
+              <a:t>6/1/22</a:t>
             </a:fld>
             <a:endParaRPr lang="en-US" dirty="0"/>
           </a:p>
@@ -6092,7 +7954,7 @@
             <a:fld id="{B61BEF0D-F0BB-DE4B-95CE-6DB70DBA9567}" type="datetimeFigureOut">
               <a:rPr lang="en-US" dirty="0"/>
               <a:pPr/>
-              <a:t>5/20/22</a:t>
+              <a:t>6/1/22</a:t>
             </a:fld>
             <a:endParaRPr lang="en-US" dirty="0"/>
           </a:p>
@@ -6440,7 +8302,7 @@
             <a:fld id="{B61BEF0D-F0BB-DE4B-95CE-6DB70DBA9567}" type="datetimeFigureOut">
               <a:rPr lang="en-US" dirty="0"/>
               <a:pPr/>
-              <a:t>5/20/22</a:t>
+              <a:t>6/1/22</a:t>
             </a:fld>
             <a:endParaRPr lang="en-US" dirty="0"/>
           </a:p>
@@ -7102,6 +8964,53 @@
           </a:p>
         </p:txBody>
       </p:sp>
+      <p:pic>
+        <p:nvPicPr>
+          <p:cNvPr id="1026" name="Picture 2" descr="University of North Carolina at Chapel Hill - Wikipedia">
+            <a:extLst>
+              <a:ext uri="{FF2B5EF4-FFF2-40B4-BE49-F238E27FC236}">
+                <a16:creationId xmlns:a16="http://schemas.microsoft.com/office/drawing/2014/main" id="{654D6791-499F-4948-821C-E3636F7B480F}"/>
+              </a:ext>
+            </a:extLst>
+          </p:cNvPr>
+          <p:cNvPicPr>
+            <a:picLocks noChangeAspect="1" noChangeArrowheads="1"/>
+          </p:cNvPicPr>
+          <p:nvPr/>
+        </p:nvPicPr>
+        <p:blipFill>
+          <a:blip r:embed="rId2">
+            <a:extLst>
+              <a:ext uri="{28A0092B-C50C-407E-A947-70E740481C1C}">
+                <a14:useLocalDpi xmlns:a14="http://schemas.microsoft.com/office/drawing/2010/main" val="0"/>
+              </a:ext>
+            </a:extLst>
+          </a:blip>
+          <a:srcRect/>
+          <a:stretch>
+            <a:fillRect/>
+          </a:stretch>
+        </p:blipFill>
+        <p:spPr bwMode="auto">
+          <a:xfrm>
+            <a:off x="10382250" y="230832"/>
+            <a:ext cx="1610458" cy="1610458"/>
+          </a:xfrm>
+          <a:prstGeom prst="rect">
+            <a:avLst/>
+          </a:prstGeom>
+          <a:noFill/>
+          <a:extLst>
+            <a:ext uri="{909E8E84-426E-40DD-AFC4-6F175D3DCCD1}">
+              <a14:hiddenFill xmlns:a14="http://schemas.microsoft.com/office/drawing/2010/main">
+                <a:solidFill>
+                  <a:srgbClr val="FFFFFF"/>
+                </a:solidFill>
+              </a14:hiddenFill>
+            </a:ext>
+          </a:extLst>
+        </p:spPr>
+      </p:pic>
     </p:spTree>
     <p:extLst>
       <p:ext uri="{BB962C8B-B14F-4D97-AF65-F5344CB8AC3E}">
@@ -7112,6 +9021,14 @@
   <p:clrMapOvr>
     <a:masterClrMapping/>
   </p:clrMapOvr>
+  <mc:AlternateContent xmlns:mc="http://schemas.openxmlformats.org/markup-compatibility/2006" xmlns:p14="http://schemas.microsoft.com/office/powerpoint/2010/main">
+    <mc:Choice Requires="p14">
+      <p:transition spd="slow" p14:dur="2000" advTm="18154"/>
+    </mc:Choice>
+    <mc:Fallback xmlns="">
+      <p:transition spd="slow" advTm="18154"/>
+    </mc:Fallback>
+  </mc:AlternateContent>
 </p:sld>
 </file>
 
@@ -7155,7 +9072,7 @@
           <a:p>
             <a:r>
               <a:rPr lang="en-US" dirty="0"/>
-              <a:t>Different types of Electron Correlation</a:t>
+              <a:t>Dynamic vs. Static electron correlation</a:t>
             </a:r>
           </a:p>
         </p:txBody>
@@ -7175,7 +9092,7 @@
           <p:nvPr/>
         </p:nvPicPr>
         <p:blipFill>
-          <a:blip r:embed="rId2"/>
+          <a:blip r:embed="rId4"/>
           <a:stretch>
             <a:fillRect/>
           </a:stretch>
@@ -7260,7 +9177,7 @@
         </p:nvSpPr>
         <p:spPr>
           <a:xfrm>
-            <a:off x="613692" y="5727167"/>
+            <a:off x="613692" y="5735959"/>
             <a:ext cx="10964615" cy="646331"/>
           </a:xfrm>
           <a:prstGeom prst="rect">
@@ -7302,8 +9219,8 @@
         </p:nvSpPr>
         <p:spPr>
           <a:xfrm>
-            <a:off x="5453061" y="2826327"/>
-            <a:ext cx="5852248" cy="1938992"/>
+            <a:off x="5453061" y="2649264"/>
+            <a:ext cx="5852248" cy="2215991"/>
           </a:xfrm>
           <a:prstGeom prst="rect">
             <a:avLst/>
@@ -7355,6 +9272,9 @@
               <a:rPr lang="en-HK" b="1" dirty="0"/>
               <a:t>) </a:t>
             </a:r>
+          </a:p>
+          <a:p>
+            <a:endParaRPr lang="en-HK" b="1" dirty="0"/>
           </a:p>
           <a:p>
             <a:r>
@@ -7772,6 +9692,9 @@
         </p:style>
       </p:cxnSp>
     </p:spTree>
+    <p:custDataLst>
+      <p:tags r:id="rId1"/>
+    </p:custDataLst>
     <p:extLst>
       <p:ext uri="{BB962C8B-B14F-4D97-AF65-F5344CB8AC3E}">
         <p14:creationId xmlns:p14="http://schemas.microsoft.com/office/powerpoint/2010/main" val="3800796651"/>
@@ -8207,12 +10130,14 @@
         </p:nvSpPr>
         <p:spPr/>
         <p:txBody>
-          <a:bodyPr/>
+          <a:bodyPr>
+            <a:normAutofit fontScale="90000"/>
+          </a:bodyPr>
           <a:lstStyle/>
           <a:p>
             <a:r>
               <a:rPr lang="en-US" dirty="0"/>
-              <a:t>What is exciton?</a:t>
+              <a:t>Excited states in extended systems: Exciton</a:t>
             </a:r>
           </a:p>
         </p:txBody>
@@ -8238,6 +10163,7 @@
           <a:bodyPr/>
           <a:lstStyle/>
           <a:p>
+            <a:pPr algn="just"/>
             <a:r>
               <a:rPr lang="en-HK" dirty="0">
                 <a:solidFill>
@@ -8267,7 +10193,7 @@
                 <a:solidFill>
                   <a:schemeClr val="tx1"/>
                 </a:solidFill>
-                <a:hlinkClick r:id="rId2" tooltip="Bound state">
+                <a:hlinkClick r:id="rId3" tooltip="Bound state">
                   <a:extLst>
                     <a:ext uri="{A12FA001-AC4F-418D-AE19-62706E023703}">
                       <ahyp:hlinkClr xmlns:ahyp="http://schemas.microsoft.com/office/drawing/2018/hyperlinkcolor" val="tx"/>
@@ -8290,7 +10216,7 @@
                 <a:solidFill>
                   <a:schemeClr val="tx1"/>
                 </a:solidFill>
-                <a:hlinkClick r:id="rId3" tooltip="Electron">
+                <a:hlinkClick r:id="rId4" tooltip="Electron">
                   <a:extLst>
                     <a:ext uri="{A12FA001-AC4F-418D-AE19-62706E023703}">
                       <ahyp:hlinkClr xmlns:ahyp="http://schemas.microsoft.com/office/drawing/2018/hyperlinkcolor" val="tx"/>
@@ -8313,7 +10239,7 @@
                 <a:solidFill>
                   <a:schemeClr val="tx1"/>
                 </a:solidFill>
-                <a:hlinkClick r:id="rId4" tooltip="Electron hole">
+                <a:hlinkClick r:id="rId5" tooltip="Electron hole">
                   <a:extLst>
                     <a:ext uri="{A12FA001-AC4F-418D-AE19-62706E023703}">
                       <ahyp:hlinkClr xmlns:ahyp="http://schemas.microsoft.com/office/drawing/2018/hyperlinkcolor" val="tx"/>
@@ -8329,14 +10255,14 @@
                   <a:schemeClr val="tx1"/>
                 </a:solidFill>
               </a:rPr>
-              <a:t> which are attracted to each other by the screened Coulomb interaction. It is an electrically neutral </a:t>
+              <a:t> which are attracted to each other by the screened frequency-dependent Coulomb interaction. It is an electrically neutral </a:t>
             </a:r>
             <a:r>
               <a:rPr lang="en-HK" dirty="0">
                 <a:solidFill>
                   <a:schemeClr val="tx1"/>
                 </a:solidFill>
-                <a:hlinkClick r:id="rId5" tooltip="Quasiparticle">
+                <a:hlinkClick r:id="rId6" tooltip="Quasiparticle">
                   <a:extLst>
                     <a:ext uri="{A12FA001-AC4F-418D-AE19-62706E023703}">
                       <ahyp:hlinkClr xmlns:ahyp="http://schemas.microsoft.com/office/drawing/2018/hyperlinkcolor" val="tx"/>
@@ -8359,7 +10285,7 @@
                 <a:solidFill>
                   <a:schemeClr val="tx1"/>
                 </a:solidFill>
-                <a:hlinkClick r:id="rId6" tooltip="Electrical insulation">
+                <a:hlinkClick r:id="rId7" tooltip="Electrical insulation">
                   <a:extLst>
                     <a:ext uri="{A12FA001-AC4F-418D-AE19-62706E023703}">
                       <ahyp:hlinkClr xmlns:ahyp="http://schemas.microsoft.com/office/drawing/2018/hyperlinkcolor" val="tx"/>
@@ -8382,7 +10308,7 @@
                 <a:solidFill>
                   <a:schemeClr val="tx1"/>
                 </a:solidFill>
-                <a:hlinkClick r:id="rId7" tooltip="Semiconductor">
+                <a:hlinkClick r:id="rId8" tooltip="Semiconductor">
                   <a:extLst>
                     <a:ext uri="{A12FA001-AC4F-418D-AE19-62706E023703}">
                       <ahyp:hlinkClr xmlns:ahyp="http://schemas.microsoft.com/office/drawing/2018/hyperlinkcolor" val="tx"/>
@@ -8405,7 +10331,7 @@
                 <a:solidFill>
                   <a:schemeClr val="tx1"/>
                 </a:solidFill>
-                <a:hlinkClick r:id="rId8" tooltip="Condensed matter">
+                <a:hlinkClick r:id="rId9" tooltip="Condensed matter">
                   <a:extLst>
                     <a:ext uri="{A12FA001-AC4F-418D-AE19-62706E023703}">
                       <ahyp:hlinkClr xmlns:ahyp="http://schemas.microsoft.com/office/drawing/2018/hyperlinkcolor" val="tx"/>
@@ -8496,7 +10422,7 @@
           <p:nvPr/>
         </p:nvPicPr>
         <p:blipFill>
-          <a:blip r:embed="rId9"/>
+          <a:blip r:embed="rId10"/>
           <a:stretch>
             <a:fillRect/>
           </a:stretch>
@@ -8512,6 +10438,9 @@
         </p:spPr>
       </p:pic>
     </p:spTree>
+    <p:custDataLst>
+      <p:tags r:id="rId1"/>
+    </p:custDataLst>
     <p:extLst>
       <p:ext uri="{BB962C8B-B14F-4D97-AF65-F5344CB8AC3E}">
         <p14:creationId xmlns:p14="http://schemas.microsoft.com/office/powerpoint/2010/main" val="934668122"/>
@@ -8521,6 +10450,14 @@
   <p:clrMapOvr>
     <a:masterClrMapping/>
   </p:clrMapOvr>
+  <mc:AlternateContent xmlns:mc="http://schemas.openxmlformats.org/markup-compatibility/2006" xmlns:p14="http://schemas.microsoft.com/office/powerpoint/2010/main">
+    <mc:Choice Requires="p14">
+      <p:transition spd="slow" p14:dur="2000" advTm="35729"/>
+    </mc:Choice>
+    <mc:Fallback xmlns="">
+      <p:transition spd="slow" advTm="35729"/>
+    </mc:Fallback>
+  </mc:AlternateContent>
   <p:timing>
     <p:tnLst>
       <p:par>
@@ -8655,13 +10592,13 @@
           <a:p>
             <a:r>
               <a:rPr lang="en-US" dirty="0"/>
-              <a:t>Challenges facing</a:t>
+              <a:t>Challenges faced</a:t>
             </a:r>
           </a:p>
         </p:txBody>
       </p:sp>
-      <mc:AlternateContent xmlns:mc="http://schemas.openxmlformats.org/markup-compatibility/2006">
-        <mc:Choice xmlns:a14="http://schemas.microsoft.com/office/drawing/2010/main" Requires="a14">
+      <mc:AlternateContent xmlns:mc="http://schemas.openxmlformats.org/markup-compatibility/2006" xmlns:a14="http://schemas.microsoft.com/office/drawing/2010/main">
+        <mc:Choice Requires="a14">
           <p:sp>
             <p:nvSpPr>
               <p:cNvPr id="3" name="Content Placeholder 2">
@@ -8687,7 +10624,15 @@
               <a:p>
                 <a:r>
                   <a:rPr lang="en-US" dirty="0"/>
-                  <a:t>SSVQE, VQD solutions have a strong dependence on initial state of ansatz. Fail to target the</a:t>
+                  <a:t>SSVQE and VQD solutions have a strong dependence on the starting state of the ansatz and </a:t>
+                </a:r>
+                <a:r>
+                  <a:rPr lang="en-US"/>
+                  <a:t>weight functions. </a:t>
+                </a:r>
+                <a:r>
+                  <a:rPr lang="en-US" dirty="0"/>
+                  <a:t>E.g. Fail to target the</a:t>
                 </a:r>
                 <a:r>
                   <a:rPr lang="zh-CN" altLang="en-US" dirty="0"/>
@@ -8699,31 +10644,27 @@
                 </a:r>
                 <a:r>
                   <a:rPr lang="en-US" dirty="0"/>
-                  <a:t> first excited state with CAS(4,4) in trans-polyacetylene</a:t>
-                </a:r>
-                <a:r>
-                  <a:rPr lang="zh-CN" altLang="en-US" dirty="0"/>
-                  <a:t> </a:t>
+                  <a:t> first excited state with CAS(4,4) </a:t>
                 </a:r>
                 <a:r>
                   <a:rPr lang="en-US" altLang="zh-CN" dirty="0"/>
-                  <a:t>as CAS(2,2)</a:t>
+                  <a:t>as with CAS(2,2) </a:t>
                 </a:r>
                 <a:r>
                   <a:rPr lang="en-US" dirty="0"/>
-                  <a:t>. </a:t>
+                  <a:t>in trans-polyacetylene. </a:t>
                 </a:r>
               </a:p>
               <a:p>
                 <a:r>
                   <a:rPr lang="en-US" dirty="0"/>
-                  <a:t>In order obtain absorption spectrum, a large number of excited state roots are required. </a:t>
+                  <a:t>In order obtain absorption spectrum, a large numbers of excited state roots are required. </a:t>
                 </a:r>
               </a:p>
               <a:p>
                 <a:r>
                   <a:rPr lang="en-US" dirty="0"/>
-                  <a:t>Design New Quantum solver for excited states : Is there a systematic way to solve excited states around a certain energy level </a:t>
+                  <a:t>Design new quantum solver for excited states : Is there a systematic way to solve excited states around a certain energy level </a:t>
                 </a:r>
                 <a14:m>
                   <m:oMath xmlns:m="http://schemas.openxmlformats.org/officeDocument/2006/math">
@@ -8743,7 +10684,7 @@
             </p:txBody>
           </p:sp>
         </mc:Choice>
-        <mc:Fallback>
+        <mc:Fallback xmlns="">
           <p:sp>
             <p:nvSpPr>
               <p:cNvPr id="3" name="Content Placeholder 2">
@@ -8762,9 +10703,9 @@
             </p:nvSpPr>
             <p:spPr>
               <a:blipFill>
-                <a:blip r:embed="rId2"/>
+                <a:blip r:embed="rId5"/>
                 <a:stretch>
-                  <a:fillRect l="-1057" t="-2662" r="-132"/>
+                  <a:fillRect l="-1057" t="-2662"/>
                 </a:stretch>
               </a:blipFill>
             </p:spPr>
@@ -8830,7 +10771,7 @@
                       <a:schemeClr val="accent4"/>
                     </a:solidFill>
                   </a:rPr>
-                  <a:t>Borrowing Ideas from </a:t>
+                  <a:t>Borrowing ideas from </a:t>
                 </a:r>
                 <a14:m>
                   <m:oMath xmlns:m="http://schemas.openxmlformats.org/officeDocument/2006/math">
@@ -8883,7 +10824,7 @@
                 <a:avLst/>
               </a:prstGeom>
               <a:blipFill>
-                <a:blip r:embed="rId3"/>
+                <a:blip r:embed="rId6"/>
                 <a:stretch>
                   <a:fillRect/>
                 </a:stretch>
@@ -8905,6 +10846,9 @@
         </mc:Fallback>
       </mc:AlternateContent>
     </p:spTree>
+    <p:custDataLst>
+      <p:tags r:id="rId1"/>
+    </p:custDataLst>
     <p:extLst>
       <p:ext uri="{BB962C8B-B14F-4D97-AF65-F5344CB8AC3E}">
         <p14:creationId xmlns:p14="http://schemas.microsoft.com/office/powerpoint/2010/main" val="297649138"/>
@@ -8914,6 +10858,14 @@
   <p:clrMapOvr>
     <a:masterClrMapping/>
   </p:clrMapOvr>
+  <mc:AlternateContent xmlns:mc="http://schemas.openxmlformats.org/markup-compatibility/2006" xmlns:p14="http://schemas.microsoft.com/office/powerpoint/2010/main">
+    <mc:Choice Requires="p14">
+      <p:transition spd="slow" p14:dur="2000" advTm="48824"/>
+    </mc:Choice>
+    <mc:Fallback xmlns="">
+      <p:transition spd="slow" advTm="48824"/>
+    </mc:Fallback>
+  </mc:AlternateContent>
   <p:timing>
     <p:tnLst>
       <p:par>
@@ -9066,7 +11018,7 @@
                 </a14:m>
                 <a:r>
                   <a:rPr lang="en-US" dirty="0"/>
-                  <a:t>SCF.</a:t>
+                  <a:t>SCF</a:t>
                 </a:r>
               </a:p>
             </p:txBody>
@@ -9091,9 +11043,9 @@
             </p:nvSpPr>
             <p:spPr>
               <a:blipFill>
-                <a:blip r:embed="rId2"/>
+                <a:blip r:embed="rId5"/>
                 <a:stretch>
-                  <a:fillRect b="-962"/>
+                  <a:fillRect b="-1942"/>
                 </a:stretch>
               </a:blipFill>
             </p:spPr>
@@ -9302,7 +11254,7 @@
                 <a:avLst/>
               </a:prstGeom>
               <a:blipFill>
-                <a:blip r:embed="rId3"/>
+                <a:blip r:embed="rId6"/>
                 <a:stretch>
                   <a:fillRect l="-1439" r="-2158" b="-30000"/>
                 </a:stretch>
@@ -9410,7 +11362,7 @@
             </p:nvSpPr>
             <p:spPr>
               <a:xfrm>
-                <a:off x="1295403" y="3146747"/>
+                <a:off x="1144932" y="3289403"/>
                 <a:ext cx="5327070" cy="1569660"/>
               </a:xfrm>
               <a:prstGeom prst="rect">
@@ -9423,6 +11375,7 @@
               </a:bodyPr>
               <a:lstStyle/>
               <a:p>
+                <a:pPr algn="just"/>
                 <a14:m>
                   <m:oMath xmlns:m="http://schemas.openxmlformats.org/officeDocument/2006/math">
                     <m:r>
@@ -9449,7 +11402,7 @@
                       <a:srgbClr val="000000"/>
                     </a:solidFill>
                   </a:rPr>
-                  <a:t>combine the ideas of direct energy-targeting and variance-based optimization in order to describe excited states at the mean-field level. </a:t>
+                  <a:t>combines the ideas of direct energy-targeting and variance-based optimization in order to describe excited states at a mean-field level. </a:t>
                 </a:r>
                 <a:endParaRPr lang="en-US" sz="2400" dirty="0"/>
               </a:p>
@@ -9473,16 +11426,16 @@
             </p:nvSpPr>
             <p:spPr>
               <a:xfrm>
-                <a:off x="1295403" y="3146747"/>
+                <a:off x="1144932" y="3289403"/>
                 <a:ext cx="5327070" cy="1569660"/>
               </a:xfrm>
               <a:prstGeom prst="rect">
                 <a:avLst/>
               </a:prstGeom>
               <a:blipFill>
-                <a:blip r:embed="rId4"/>
+                <a:blip r:embed="rId7"/>
                 <a:stretch>
-                  <a:fillRect l="-1667" t="-3226" r="-1429" b="-8065"/>
+                  <a:fillRect l="-1905" t="-4032" r="-1667" b="-8065"/>
                 </a:stretch>
               </a:blipFill>
             </p:spPr>
@@ -9516,7 +11469,7 @@
           <p:nvPr/>
         </p:nvPicPr>
         <p:blipFill>
-          <a:blip r:embed="rId5"/>
+          <a:blip r:embed="rId8"/>
           <a:stretch>
             <a:fillRect/>
           </a:stretch>
@@ -9541,6 +11494,14 @@
   <p:clrMapOvr>
     <a:masterClrMapping/>
   </p:clrMapOvr>
+  <mc:AlternateContent xmlns:mc="http://schemas.openxmlformats.org/markup-compatibility/2006" xmlns:p14="http://schemas.microsoft.com/office/powerpoint/2010/main">
+    <mc:Choice Requires="p14">
+      <p:transition spd="slow" p14:dur="2000" advTm="104217"/>
+    </mc:Choice>
+    <mc:Fallback xmlns="">
+      <p:transition spd="slow" advTm="104217"/>
+    </mc:Fallback>
+  </mc:AlternateContent>
 </p:sld>
 </file>
 
@@ -9584,7 +11545,7 @@
           <a:p>
             <a:r>
               <a:rPr lang="en-US" dirty="0"/>
-              <a:t>Short Conclusion</a:t>
+              <a:t>Short Conclusion and Perspectives</a:t>
             </a:r>
           </a:p>
         </p:txBody>
@@ -9612,7 +11573,7 @@
           <a:p>
             <a:r>
               <a:rPr lang="en-US" dirty="0"/>
-              <a:t>Quantum computing succeed to describe the correct correlation interaction of trans-polyacetylene at different levels of </a:t>
+              <a:t>Quantum computing succeeds to describe the correct correlation interaction of trans-polyacetylene at different extents of </a:t>
             </a:r>
             <a:r>
               <a:rPr lang="en-HK" dirty="0" err="1"/>
@@ -9630,7 +11591,7 @@
           <a:p>
             <a:r>
               <a:rPr lang="en-US" dirty="0"/>
-              <a:t>It is demonstrated that VQE calculation describes static correlation correctly whereas single reference</a:t>
+              <a:t>VQE calculation describes the symmetry breaking correctly whereas single reference</a:t>
             </a:r>
             <a:r>
               <a:rPr lang="zh-CN" altLang="en-US" dirty="0"/>
@@ -9638,17 +11599,17 @@
             </a:r>
             <a:r>
               <a:rPr lang="en-US" altLang="zh-CN" dirty="0"/>
-              <a:t>method</a:t>
+              <a:t>methods like </a:t>
             </a:r>
             <a:r>
               <a:rPr lang="en-US" dirty="0"/>
-              <a:t> RCCSD fails. </a:t>
+              <a:t>CCSD fail. </a:t>
             </a:r>
           </a:p>
           <a:p>
             <a:r>
               <a:rPr lang="en-US" dirty="0"/>
-              <a:t>Many algorithms challenges are still facing in order to solve excited states and absorption spectrum in condensed matter materials. </a:t>
+              <a:t>Many algorithm challenges are faced in solving for excited states and for calculating absorption spectrum in condensed matter materials. </a:t>
             </a:r>
           </a:p>
         </p:txBody>
@@ -9663,6 +11624,14 @@
   <p:clrMapOvr>
     <a:masterClrMapping/>
   </p:clrMapOvr>
+  <mc:AlternateContent xmlns:mc="http://schemas.openxmlformats.org/markup-compatibility/2006" xmlns:p14="http://schemas.microsoft.com/office/powerpoint/2010/main">
+    <mc:Choice Requires="p14">
+      <p:transition spd="slow" p14:dur="2000" advTm="26570"/>
+    </mc:Choice>
+    <mc:Fallback xmlns="">
+      <p:transition spd="slow" advTm="26570"/>
+    </mc:Fallback>
+  </mc:AlternateContent>
 </p:sld>
 </file>
 
@@ -9734,7 +11703,7 @@
           <a:p>
             <a:r>
               <a:rPr lang="en-US" dirty="0"/>
-              <a:t>Thanks for my supervisor Yosuke Kanai’s support. </a:t>
+              <a:t>Thanks for my supervisor Prof. Yosuke Kanai’s support. </a:t>
             </a:r>
           </a:p>
           <a:p>
@@ -9836,6 +11805,1524 @@
     <p:extLst>
       <p:ext uri="{BB962C8B-B14F-4D97-AF65-F5344CB8AC3E}">
         <p14:creationId xmlns:p14="http://schemas.microsoft.com/office/powerpoint/2010/main" val="145953903"/>
+      </p:ext>
+    </p:extLst>
+  </p:cSld>
+  <p:clrMapOvr>
+    <a:masterClrMapping/>
+  </p:clrMapOvr>
+  <mc:AlternateContent xmlns:mc="http://schemas.openxmlformats.org/markup-compatibility/2006" xmlns:p14="http://schemas.microsoft.com/office/powerpoint/2010/main">
+    <mc:Choice Requires="p14">
+      <p:transition spd="slow" p14:dur="2000" advTm="42921"/>
+    </mc:Choice>
+    <mc:Fallback xmlns="">
+      <p:transition spd="slow" advTm="42921"/>
+    </mc:Fallback>
+  </mc:AlternateContent>
+</p:sld>
+</file>
+
+<file path=ppt/slides/slide16.xml><?xml version="1.0" encoding="utf-8"?>
+<p:sld xmlns:a="http://schemas.openxmlformats.org/drawingml/2006/main" xmlns:r="http://schemas.openxmlformats.org/officeDocument/2006/relationships" xmlns:p="http://schemas.openxmlformats.org/presentationml/2006/main">
+  <p:cSld>
+    <p:spTree>
+      <p:nvGrpSpPr>
+        <p:cNvPr id="1" name=""/>
+        <p:cNvGrpSpPr/>
+        <p:nvPr/>
+      </p:nvGrpSpPr>
+      <p:grpSpPr>
+        <a:xfrm>
+          <a:off x="0" y="0"/>
+          <a:ext cx="0" cy="0"/>
+          <a:chOff x="0" y="0"/>
+          <a:chExt cx="0" cy="0"/>
+        </a:xfrm>
+      </p:grpSpPr>
+      <p:sp>
+        <p:nvSpPr>
+          <p:cNvPr id="2" name="Title 1">
+            <a:extLst>
+              <a:ext uri="{FF2B5EF4-FFF2-40B4-BE49-F238E27FC236}">
+                <a16:creationId xmlns:a16="http://schemas.microsoft.com/office/drawing/2014/main" id="{EB74A9BE-B7AC-7443-A668-EF7D67B3E2DA}"/>
+              </a:ext>
+            </a:extLst>
+          </p:cNvPr>
+          <p:cNvSpPr>
+            <a:spLocks noGrp="1"/>
+          </p:cNvSpPr>
+          <p:nvPr>
+            <p:ph type="title"/>
+          </p:nvPr>
+        </p:nvSpPr>
+        <p:spPr/>
+        <p:txBody>
+          <a:bodyPr/>
+          <a:lstStyle/>
+          <a:p>
+            <a:r>
+              <a:rPr lang="en-US" dirty="0"/>
+              <a:t>Backup: Excited state result</a:t>
+            </a:r>
+          </a:p>
+        </p:txBody>
+      </p:sp>
+      <p:pic>
+        <p:nvPicPr>
+          <p:cNvPr id="4" name="Picture 3">
+            <a:extLst>
+              <a:ext uri="{FF2B5EF4-FFF2-40B4-BE49-F238E27FC236}">
+                <a16:creationId xmlns:a16="http://schemas.microsoft.com/office/drawing/2014/main" id="{48453E5D-8FD0-4A49-94F8-F1195B696E87}"/>
+              </a:ext>
+            </a:extLst>
+          </p:cNvPr>
+          <p:cNvPicPr>
+            <a:picLocks noChangeAspect="1"/>
+          </p:cNvPicPr>
+          <p:nvPr/>
+        </p:nvPicPr>
+        <p:blipFill>
+          <a:blip r:embed="rId2"/>
+          <a:stretch>
+            <a:fillRect/>
+          </a:stretch>
+        </p:blipFill>
+        <p:spPr>
+          <a:xfrm>
+            <a:off x="4551485" y="2583969"/>
+            <a:ext cx="2049829" cy="743063"/>
+          </a:xfrm>
+          <a:prstGeom prst="rect">
+            <a:avLst/>
+          </a:prstGeom>
+        </p:spPr>
+      </p:pic>
+      <mc:AlternateContent xmlns:mc="http://schemas.openxmlformats.org/markup-compatibility/2006">
+        <mc:Choice xmlns:a14="http://schemas.microsoft.com/office/drawing/2010/main" Requires="a14">
+          <p:graphicFrame>
+            <p:nvGraphicFramePr>
+              <p:cNvPr id="5" name="Table 4">
+                <a:extLst>
+                  <a:ext uri="{FF2B5EF4-FFF2-40B4-BE49-F238E27FC236}">
+                    <a16:creationId xmlns:a16="http://schemas.microsoft.com/office/drawing/2014/main" id="{5A654F22-DB71-EE4B-96CB-F09BD90B4F9A}"/>
+                  </a:ext>
+                </a:extLst>
+              </p:cNvPr>
+              <p:cNvGraphicFramePr>
+                <a:graphicFrameLocks noGrp="1"/>
+              </p:cNvGraphicFramePr>
+              <p:nvPr>
+                <p:extLst>
+                  <p:ext uri="{D42A27DB-BD31-4B8C-83A1-F6EECF244321}">
+                    <p14:modId xmlns:p14="http://schemas.microsoft.com/office/powerpoint/2010/main" val="171476512"/>
+                  </p:ext>
+                </p:extLst>
+              </p:nvPr>
+            </p:nvGraphicFramePr>
+            <p:xfrm>
+              <a:off x="1809854" y="3625002"/>
+              <a:ext cx="8128000" cy="1483360"/>
+            </p:xfrm>
+            <a:graphic>
+              <a:graphicData uri="http://schemas.openxmlformats.org/drawingml/2006/table">
+                <a:tbl>
+                  <a:tblPr firstRow="1" bandRow="1">
+                    <a:tableStyleId>{5C22544A-7EE6-4342-B048-85BDC9FD1C3A}</a:tableStyleId>
+                  </a:tblPr>
+                  <a:tblGrid>
+                    <a:gridCol w="2032000">
+                      <a:extLst>
+                        <a:ext uri="{9D8B030D-6E8A-4147-A177-3AD203B41FA5}">
+                          <a16:colId xmlns:a16="http://schemas.microsoft.com/office/drawing/2014/main" val="1565851880"/>
+                        </a:ext>
+                      </a:extLst>
+                    </a:gridCol>
+                    <a:gridCol w="2032000">
+                      <a:extLst>
+                        <a:ext uri="{9D8B030D-6E8A-4147-A177-3AD203B41FA5}">
+                          <a16:colId xmlns:a16="http://schemas.microsoft.com/office/drawing/2014/main" val="4244370898"/>
+                        </a:ext>
+                      </a:extLst>
+                    </a:gridCol>
+                    <a:gridCol w="2032000">
+                      <a:extLst>
+                        <a:ext uri="{9D8B030D-6E8A-4147-A177-3AD203B41FA5}">
+                          <a16:colId xmlns:a16="http://schemas.microsoft.com/office/drawing/2014/main" val="3182222056"/>
+                        </a:ext>
+                      </a:extLst>
+                    </a:gridCol>
+                    <a:gridCol w="2032000">
+                      <a:extLst>
+                        <a:ext uri="{9D8B030D-6E8A-4147-A177-3AD203B41FA5}">
+                          <a16:colId xmlns:a16="http://schemas.microsoft.com/office/drawing/2014/main" val="3110072918"/>
+                        </a:ext>
+                      </a:extLst>
+                    </a:gridCol>
+                  </a:tblGrid>
+                  <a:tr h="370840">
+                    <a:tc>
+                      <a:txBody>
+                        <a:bodyPr/>
+                        <a:lstStyle/>
+                        <a:p>
+                          <a14:m>
+                            <m:oMath xmlns:m="http://schemas.openxmlformats.org/officeDocument/2006/math">
+                              <m:sSub>
+                                <m:sSubPr>
+                                  <m:ctrlPr>
+                                    <a:rPr lang="en-US" b="0" i="1" smtClean="0">
+                                      <a:solidFill>
+                                        <a:srgbClr val="FF0000"/>
+                                      </a:solidFill>
+                                      <a:latin typeface="Cambria Math" panose="02040503050406030204" pitchFamily="18" charset="0"/>
+                                    </a:rPr>
+                                  </m:ctrlPr>
+                                </m:sSubPr>
+                                <m:e>
+                                  <m:r>
+                                    <a:rPr lang="en-US" b="0" i="1" smtClean="0">
+                                      <a:solidFill>
+                                        <a:srgbClr val="FF0000"/>
+                                      </a:solidFill>
+                                      <a:latin typeface="Cambria Math" panose="02040503050406030204" pitchFamily="18" charset="0"/>
+                                    </a:rPr>
+                                    <m:t>𝐸</m:t>
+                                  </m:r>
+                                </m:e>
+                                <m:sub>
+                                  <m:r>
+                                    <a:rPr lang="en-US" b="0" i="1" smtClean="0">
+                                      <a:solidFill>
+                                        <a:srgbClr val="FF0000"/>
+                                      </a:solidFill>
+                                      <a:latin typeface="Cambria Math" panose="02040503050406030204" pitchFamily="18" charset="0"/>
+                                    </a:rPr>
+                                    <m:t>𝑒𝑥</m:t>
+                                  </m:r>
+                                </m:sub>
+                              </m:sSub>
+                            </m:oMath>
+                          </a14:m>
+                          <a:r>
+                            <a:rPr lang="en-US" sz="1800" dirty="0"/>
+                            <a:t>(eV)</a:t>
+                          </a:r>
+                        </a:p>
+                      </a:txBody>
+                      <a:tcPr/>
+                    </a:tc>
+                    <a:tc>
+                      <a:txBody>
+                        <a:bodyPr/>
+                        <a:lstStyle/>
+                        <a:p>
+                          <a:r>
+                            <a:rPr lang="en-US" sz="1800" dirty="0"/>
+                            <a:t>CAS(2,2)</a:t>
+                          </a:r>
+                        </a:p>
+                      </a:txBody>
+                      <a:tcPr/>
+                    </a:tc>
+                    <a:tc>
+                      <a:txBody>
+                        <a:bodyPr/>
+                        <a:lstStyle/>
+                        <a:p>
+                          <a:r>
+                            <a:rPr lang="en-US" sz="1800" dirty="0"/>
+                            <a:t>CAS(4,4)</a:t>
+                          </a:r>
+                        </a:p>
+                      </a:txBody>
+                      <a:tcPr/>
+                    </a:tc>
+                    <a:tc>
+                      <a:txBody>
+                        <a:bodyPr/>
+                        <a:lstStyle/>
+                        <a:p>
+                          <a:pPr marL="0" marR="0" lvl="0" indent="0" algn="l" defTabSz="457200" rtl="0" eaLnBrk="1" fontAlgn="auto" latinLnBrk="0" hangingPunct="1">
+                            <a:lnSpc>
+                              <a:spcPct val="100000"/>
+                            </a:lnSpc>
+                            <a:spcBef>
+                              <a:spcPts val="0"/>
+                            </a:spcBef>
+                            <a:spcAft>
+                              <a:spcPts val="0"/>
+                            </a:spcAft>
+                            <a:buClrTx/>
+                            <a:buSzTx/>
+                            <a:buFontTx/>
+                            <a:buNone/>
+                            <a:tabLst/>
+                            <a:defRPr/>
+                          </a:pPr>
+                          <a:r>
+                            <a:rPr lang="en-US" sz="1800" dirty="0"/>
+                            <a:t>CAS(6,6)</a:t>
+                          </a:r>
+                        </a:p>
+                      </a:txBody>
+                      <a:tcPr/>
+                    </a:tc>
+                    <a:extLst>
+                      <a:ext uri="{0D108BD9-81ED-4DB2-BD59-A6C34878D82A}">
+                        <a16:rowId xmlns:a16="http://schemas.microsoft.com/office/drawing/2014/main" val="32983418"/>
+                      </a:ext>
+                    </a:extLst>
+                  </a:tr>
+                  <a:tr h="370840">
+                    <a:tc>
+                      <a:txBody>
+                        <a:bodyPr/>
+                        <a:lstStyle/>
+                        <a:p>
+                          <a:r>
+                            <a:rPr lang="en-US" sz="1800" dirty="0">
+                              <a:latin typeface="+mn-lt"/>
+                            </a:rPr>
+                            <a:t>EOM-CCSD*</a:t>
+                          </a:r>
+                        </a:p>
+                      </a:txBody>
+                      <a:tcPr/>
+                    </a:tc>
+                    <a:tc>
+                      <a:txBody>
+                        <a:bodyPr/>
+                        <a:lstStyle/>
+                        <a:p>
+                          <a:pPr algn="r" fontAlgn="b"/>
+                          <a:r>
+                            <a:rPr lang="en-HK" sz="1800" b="0" i="0" u="none" strike="noStrike" dirty="0">
+                              <a:solidFill>
+                                <a:srgbClr val="000000"/>
+                              </a:solidFill>
+                              <a:effectLst/>
+                              <a:latin typeface="+mn-lt"/>
+                            </a:rPr>
+                            <a:t>2.50477572</a:t>
+                          </a:r>
+                        </a:p>
+                      </a:txBody>
+                      <a:tcPr marL="9525" marR="9525" marT="9525" marB="0" anchor="b"/>
+                    </a:tc>
+                    <a:tc>
+                      <a:txBody>
+                        <a:bodyPr/>
+                        <a:lstStyle/>
+                        <a:p>
+                          <a:pPr algn="r" fontAlgn="b"/>
+                          <a:r>
+                            <a:rPr lang="en-HK" sz="1800" b="0" i="0" u="none" strike="noStrike">
+                              <a:solidFill>
+                                <a:srgbClr val="000000"/>
+                              </a:solidFill>
+                              <a:effectLst/>
+                              <a:latin typeface="+mn-lt"/>
+                            </a:rPr>
+                            <a:t>2.62212319</a:t>
+                          </a:r>
+                        </a:p>
+                      </a:txBody>
+                      <a:tcPr marL="9525" marR="9525" marT="9525" marB="0" anchor="b"/>
+                    </a:tc>
+                    <a:tc>
+                      <a:txBody>
+                        <a:bodyPr/>
+                        <a:lstStyle/>
+                        <a:p>
+                          <a:pPr algn="r" fontAlgn="b"/>
+                          <a:r>
+                            <a:rPr lang="en-HK" sz="1800" b="0" i="0" u="none" strike="noStrike" dirty="0">
+                              <a:solidFill>
+                                <a:srgbClr val="000000"/>
+                              </a:solidFill>
+                              <a:effectLst/>
+                              <a:latin typeface="+mn-lt"/>
+                            </a:rPr>
+                            <a:t>2.62356839</a:t>
+                          </a:r>
+                        </a:p>
+                      </a:txBody>
+                      <a:tcPr marL="9525" marR="9525" marT="9525" marB="0" anchor="b"/>
+                    </a:tc>
+                    <a:extLst>
+                      <a:ext uri="{0D108BD9-81ED-4DB2-BD59-A6C34878D82A}">
+                        <a16:rowId xmlns:a16="http://schemas.microsoft.com/office/drawing/2014/main" val="947975267"/>
+                      </a:ext>
+                    </a:extLst>
+                  </a:tr>
+                  <a:tr h="370840">
+                    <a:tc>
+                      <a:txBody>
+                        <a:bodyPr/>
+                        <a:lstStyle/>
+                        <a:p>
+                          <a:r>
+                            <a:rPr lang="en-US" sz="1800" dirty="0">
+                              <a:latin typeface="+mn-lt"/>
+                            </a:rPr>
+                            <a:t>SSVQE</a:t>
+                          </a:r>
+                        </a:p>
+                      </a:txBody>
+                      <a:tcPr/>
+                    </a:tc>
+                    <a:tc>
+                      <a:txBody>
+                        <a:bodyPr/>
+                        <a:lstStyle/>
+                        <a:p>
+                          <a:pPr algn="r" fontAlgn="b"/>
+                          <a:r>
+                            <a:rPr lang="en-HK" sz="1800" b="0" i="0" u="none" strike="noStrike" dirty="0">
+                              <a:solidFill>
+                                <a:srgbClr val="000000"/>
+                              </a:solidFill>
+                              <a:effectLst/>
+                              <a:latin typeface="+mn-lt"/>
+                            </a:rPr>
+                            <a:t>1.48586194</a:t>
+                          </a:r>
+                        </a:p>
+                      </a:txBody>
+                      <a:tcPr marL="9525" marR="9525" marT="9525" marB="0" anchor="b"/>
+                    </a:tc>
+                    <a:tc>
+                      <a:txBody>
+                        <a:bodyPr/>
+                        <a:lstStyle/>
+                        <a:p>
+                          <a:pPr algn="r" fontAlgn="b"/>
+                          <a:endParaRPr lang="en-HK" sz="1800" b="0" i="0" u="none" strike="noStrike" dirty="0">
+                            <a:solidFill>
+                              <a:srgbClr val="000000"/>
+                            </a:solidFill>
+                            <a:effectLst/>
+                            <a:latin typeface="+mn-lt"/>
+                          </a:endParaRPr>
+                        </a:p>
+                      </a:txBody>
+                      <a:tcPr marL="9525" marR="9525" marT="9525" marB="0" anchor="b"/>
+                    </a:tc>
+                    <a:tc>
+                      <a:txBody>
+                        <a:bodyPr/>
+                        <a:lstStyle/>
+                        <a:p>
+                          <a:endParaRPr lang="en-US" sz="1800" dirty="0">
+                            <a:latin typeface="+mn-lt"/>
+                          </a:endParaRPr>
+                        </a:p>
+                      </a:txBody>
+                      <a:tcPr/>
+                    </a:tc>
+                    <a:extLst>
+                      <a:ext uri="{0D108BD9-81ED-4DB2-BD59-A6C34878D82A}">
+                        <a16:rowId xmlns:a16="http://schemas.microsoft.com/office/drawing/2014/main" val="3618468389"/>
+                      </a:ext>
+                    </a:extLst>
+                  </a:tr>
+                  <a:tr h="370840">
+                    <a:tc>
+                      <a:txBody>
+                        <a:bodyPr/>
+                        <a:lstStyle/>
+                        <a:p>
+                          <a:r>
+                            <a:rPr lang="en-US" sz="1800" dirty="0">
+                              <a:latin typeface="+mn-lt"/>
+                            </a:rPr>
+                            <a:t>VQD</a:t>
+                          </a:r>
+                        </a:p>
+                      </a:txBody>
+                      <a:tcPr/>
+                    </a:tc>
+                    <a:tc>
+                      <a:txBody>
+                        <a:bodyPr/>
+                        <a:lstStyle/>
+                        <a:p>
+                          <a:pPr algn="r" fontAlgn="b"/>
+                          <a:r>
+                            <a:rPr lang="en-HK" sz="1800" b="0" i="0" u="none" strike="noStrike" dirty="0">
+                              <a:solidFill>
+                                <a:srgbClr val="000000"/>
+                              </a:solidFill>
+                              <a:effectLst/>
+                              <a:latin typeface="+mn-lt"/>
+                            </a:rPr>
+                            <a:t>1.48586193</a:t>
+                          </a:r>
+                        </a:p>
+                      </a:txBody>
+                      <a:tcPr marL="9525" marR="9525" marT="9525" marB="0" anchor="b"/>
+                    </a:tc>
+                    <a:tc>
+                      <a:txBody>
+                        <a:bodyPr/>
+                        <a:lstStyle/>
+                        <a:p>
+                          <a:pPr algn="r" fontAlgn="b"/>
+                          <a:r>
+                            <a:rPr lang="en-HK" sz="1800" b="0" i="0" u="none" strike="noStrike" dirty="0">
+                              <a:solidFill>
+                                <a:srgbClr val="000000"/>
+                              </a:solidFill>
+                              <a:effectLst/>
+                              <a:latin typeface="+mn-lt"/>
+                            </a:rPr>
+                            <a:t>0.90361959</a:t>
+                          </a:r>
+                        </a:p>
+                      </a:txBody>
+                      <a:tcPr marL="9525" marR="9525" marT="9525" marB="0" anchor="b"/>
+                    </a:tc>
+                    <a:tc>
+                      <a:txBody>
+                        <a:bodyPr/>
+                        <a:lstStyle/>
+                        <a:p>
+                          <a:endParaRPr lang="en-US" sz="1800" dirty="0">
+                            <a:latin typeface="+mn-lt"/>
+                          </a:endParaRPr>
+                        </a:p>
+                      </a:txBody>
+                      <a:tcPr/>
+                    </a:tc>
+                    <a:extLst>
+                      <a:ext uri="{0D108BD9-81ED-4DB2-BD59-A6C34878D82A}">
+                        <a16:rowId xmlns:a16="http://schemas.microsoft.com/office/drawing/2014/main" val="1260836046"/>
+                      </a:ext>
+                    </a:extLst>
+                  </a:tr>
+                </a:tbl>
+              </a:graphicData>
+            </a:graphic>
+          </p:graphicFrame>
+        </mc:Choice>
+        <mc:Fallback>
+          <p:graphicFrame>
+            <p:nvGraphicFramePr>
+              <p:cNvPr id="5" name="Table 4">
+                <a:extLst>
+                  <a:ext uri="{FF2B5EF4-FFF2-40B4-BE49-F238E27FC236}">
+                    <a16:creationId xmlns:a16="http://schemas.microsoft.com/office/drawing/2014/main" id="{5A654F22-DB71-EE4B-96CB-F09BD90B4F9A}"/>
+                  </a:ext>
+                </a:extLst>
+              </p:cNvPr>
+              <p:cNvGraphicFramePr>
+                <a:graphicFrameLocks noGrp="1"/>
+              </p:cNvGraphicFramePr>
+              <p:nvPr>
+                <p:extLst>
+                  <p:ext uri="{D42A27DB-BD31-4B8C-83A1-F6EECF244321}">
+                    <p14:modId xmlns:p14="http://schemas.microsoft.com/office/powerpoint/2010/main" val="171476512"/>
+                  </p:ext>
+                </p:extLst>
+              </p:nvPr>
+            </p:nvGraphicFramePr>
+            <p:xfrm>
+              <a:off x="1809854" y="3625002"/>
+              <a:ext cx="8128000" cy="1483360"/>
+            </p:xfrm>
+            <a:graphic>
+              <a:graphicData uri="http://schemas.openxmlformats.org/drawingml/2006/table">
+                <a:tbl>
+                  <a:tblPr firstRow="1" bandRow="1">
+                    <a:tableStyleId>{5C22544A-7EE6-4342-B048-85BDC9FD1C3A}</a:tableStyleId>
+                  </a:tblPr>
+                  <a:tblGrid>
+                    <a:gridCol w="2032000">
+                      <a:extLst>
+                        <a:ext uri="{9D8B030D-6E8A-4147-A177-3AD203B41FA5}">
+                          <a16:colId xmlns:a16="http://schemas.microsoft.com/office/drawing/2014/main" val="1565851880"/>
+                        </a:ext>
+                      </a:extLst>
+                    </a:gridCol>
+                    <a:gridCol w="2032000">
+                      <a:extLst>
+                        <a:ext uri="{9D8B030D-6E8A-4147-A177-3AD203B41FA5}">
+                          <a16:colId xmlns:a16="http://schemas.microsoft.com/office/drawing/2014/main" val="4244370898"/>
+                        </a:ext>
+                      </a:extLst>
+                    </a:gridCol>
+                    <a:gridCol w="2032000">
+                      <a:extLst>
+                        <a:ext uri="{9D8B030D-6E8A-4147-A177-3AD203B41FA5}">
+                          <a16:colId xmlns:a16="http://schemas.microsoft.com/office/drawing/2014/main" val="3182222056"/>
+                        </a:ext>
+                      </a:extLst>
+                    </a:gridCol>
+                    <a:gridCol w="2032000">
+                      <a:extLst>
+                        <a:ext uri="{9D8B030D-6E8A-4147-A177-3AD203B41FA5}">
+                          <a16:colId xmlns:a16="http://schemas.microsoft.com/office/drawing/2014/main" val="3110072918"/>
+                        </a:ext>
+                      </a:extLst>
+                    </a:gridCol>
+                  </a:tblGrid>
+                  <a:tr h="370840">
+                    <a:tc>
+                      <a:txBody>
+                        <a:bodyPr/>
+                        <a:lstStyle/>
+                        <a:p>
+                          <a:endParaRPr lang="en-US"/>
+                        </a:p>
+                      </a:txBody>
+                      <a:tcPr>
+                        <a:blipFill>
+                          <a:blip r:embed="rId3"/>
+                          <a:stretch>
+                            <a:fillRect l="-625" t="-6667" r="-301250" b="-326667"/>
+                          </a:stretch>
+                        </a:blipFill>
+                      </a:tcPr>
+                    </a:tc>
+                    <a:tc>
+                      <a:txBody>
+                        <a:bodyPr/>
+                        <a:lstStyle/>
+                        <a:p>
+                          <a:r>
+                            <a:rPr lang="en-US" sz="1800" dirty="0"/>
+                            <a:t>CAS(2,2)</a:t>
+                          </a:r>
+                        </a:p>
+                      </a:txBody>
+                      <a:tcPr/>
+                    </a:tc>
+                    <a:tc>
+                      <a:txBody>
+                        <a:bodyPr/>
+                        <a:lstStyle/>
+                        <a:p>
+                          <a:r>
+                            <a:rPr lang="en-US" sz="1800" dirty="0"/>
+                            <a:t>CAS(4,4)</a:t>
+                          </a:r>
+                        </a:p>
+                      </a:txBody>
+                      <a:tcPr/>
+                    </a:tc>
+                    <a:tc>
+                      <a:txBody>
+                        <a:bodyPr/>
+                        <a:lstStyle/>
+                        <a:p>
+                          <a:pPr marL="0" marR="0" lvl="0" indent="0" algn="l" defTabSz="457200" rtl="0" eaLnBrk="1" fontAlgn="auto" latinLnBrk="0" hangingPunct="1">
+                            <a:lnSpc>
+                              <a:spcPct val="100000"/>
+                            </a:lnSpc>
+                            <a:spcBef>
+                              <a:spcPts val="0"/>
+                            </a:spcBef>
+                            <a:spcAft>
+                              <a:spcPts val="0"/>
+                            </a:spcAft>
+                            <a:buClrTx/>
+                            <a:buSzTx/>
+                            <a:buFontTx/>
+                            <a:buNone/>
+                            <a:tabLst/>
+                            <a:defRPr/>
+                          </a:pPr>
+                          <a:r>
+                            <a:rPr lang="en-US" sz="1800" dirty="0"/>
+                            <a:t>CAS(6,6)</a:t>
+                          </a:r>
+                        </a:p>
+                      </a:txBody>
+                      <a:tcPr/>
+                    </a:tc>
+                    <a:extLst>
+                      <a:ext uri="{0D108BD9-81ED-4DB2-BD59-A6C34878D82A}">
+                        <a16:rowId xmlns:a16="http://schemas.microsoft.com/office/drawing/2014/main" val="32983418"/>
+                      </a:ext>
+                    </a:extLst>
+                  </a:tr>
+                  <a:tr h="370840">
+                    <a:tc>
+                      <a:txBody>
+                        <a:bodyPr/>
+                        <a:lstStyle/>
+                        <a:p>
+                          <a:r>
+                            <a:rPr lang="en-US" sz="1800" dirty="0">
+                              <a:latin typeface="+mn-lt"/>
+                            </a:rPr>
+                            <a:t>EOM-CCSD*</a:t>
+                          </a:r>
+                        </a:p>
+                      </a:txBody>
+                      <a:tcPr/>
+                    </a:tc>
+                    <a:tc>
+                      <a:txBody>
+                        <a:bodyPr/>
+                        <a:lstStyle/>
+                        <a:p>
+                          <a:pPr algn="r" fontAlgn="b"/>
+                          <a:r>
+                            <a:rPr lang="en-HK" sz="1800" b="0" i="0" u="none" strike="noStrike" dirty="0">
+                              <a:solidFill>
+                                <a:srgbClr val="000000"/>
+                              </a:solidFill>
+                              <a:effectLst/>
+                              <a:latin typeface="+mn-lt"/>
+                            </a:rPr>
+                            <a:t>2.50477572</a:t>
+                          </a:r>
+                        </a:p>
+                      </a:txBody>
+                      <a:tcPr marL="9525" marR="9525" marT="9525" marB="0" anchor="b"/>
+                    </a:tc>
+                    <a:tc>
+                      <a:txBody>
+                        <a:bodyPr/>
+                        <a:lstStyle/>
+                        <a:p>
+                          <a:pPr algn="r" fontAlgn="b"/>
+                          <a:r>
+                            <a:rPr lang="en-HK" sz="1800" b="0" i="0" u="none" strike="noStrike">
+                              <a:solidFill>
+                                <a:srgbClr val="000000"/>
+                              </a:solidFill>
+                              <a:effectLst/>
+                              <a:latin typeface="+mn-lt"/>
+                            </a:rPr>
+                            <a:t>2.62212319</a:t>
+                          </a:r>
+                        </a:p>
+                      </a:txBody>
+                      <a:tcPr marL="9525" marR="9525" marT="9525" marB="0" anchor="b"/>
+                    </a:tc>
+                    <a:tc>
+                      <a:txBody>
+                        <a:bodyPr/>
+                        <a:lstStyle/>
+                        <a:p>
+                          <a:pPr algn="r" fontAlgn="b"/>
+                          <a:r>
+                            <a:rPr lang="en-HK" sz="1800" b="0" i="0" u="none" strike="noStrike" dirty="0">
+                              <a:solidFill>
+                                <a:srgbClr val="000000"/>
+                              </a:solidFill>
+                              <a:effectLst/>
+                              <a:latin typeface="+mn-lt"/>
+                            </a:rPr>
+                            <a:t>2.62356839</a:t>
+                          </a:r>
+                        </a:p>
+                      </a:txBody>
+                      <a:tcPr marL="9525" marR="9525" marT="9525" marB="0" anchor="b"/>
+                    </a:tc>
+                    <a:extLst>
+                      <a:ext uri="{0D108BD9-81ED-4DB2-BD59-A6C34878D82A}">
+                        <a16:rowId xmlns:a16="http://schemas.microsoft.com/office/drawing/2014/main" val="947975267"/>
+                      </a:ext>
+                    </a:extLst>
+                  </a:tr>
+                  <a:tr h="370840">
+                    <a:tc>
+                      <a:txBody>
+                        <a:bodyPr/>
+                        <a:lstStyle/>
+                        <a:p>
+                          <a:r>
+                            <a:rPr lang="en-US" sz="1800" dirty="0">
+                              <a:latin typeface="+mn-lt"/>
+                            </a:rPr>
+                            <a:t>SSVQE</a:t>
+                          </a:r>
+                        </a:p>
+                      </a:txBody>
+                      <a:tcPr/>
+                    </a:tc>
+                    <a:tc>
+                      <a:txBody>
+                        <a:bodyPr/>
+                        <a:lstStyle/>
+                        <a:p>
+                          <a:pPr algn="r" fontAlgn="b"/>
+                          <a:r>
+                            <a:rPr lang="en-HK" sz="1800" b="0" i="0" u="none" strike="noStrike" dirty="0">
+                              <a:solidFill>
+                                <a:srgbClr val="000000"/>
+                              </a:solidFill>
+                              <a:effectLst/>
+                              <a:latin typeface="+mn-lt"/>
+                            </a:rPr>
+                            <a:t>1.48586194</a:t>
+                          </a:r>
+                        </a:p>
+                      </a:txBody>
+                      <a:tcPr marL="9525" marR="9525" marT="9525" marB="0" anchor="b"/>
+                    </a:tc>
+                    <a:tc>
+                      <a:txBody>
+                        <a:bodyPr/>
+                        <a:lstStyle/>
+                        <a:p>
+                          <a:pPr algn="r" fontAlgn="b"/>
+                          <a:endParaRPr lang="en-HK" sz="1800" b="0" i="0" u="none" strike="noStrike" dirty="0">
+                            <a:solidFill>
+                              <a:srgbClr val="000000"/>
+                            </a:solidFill>
+                            <a:effectLst/>
+                            <a:latin typeface="+mn-lt"/>
+                          </a:endParaRPr>
+                        </a:p>
+                      </a:txBody>
+                      <a:tcPr marL="9525" marR="9525" marT="9525" marB="0" anchor="b"/>
+                    </a:tc>
+                    <a:tc>
+                      <a:txBody>
+                        <a:bodyPr/>
+                        <a:lstStyle/>
+                        <a:p>
+                          <a:endParaRPr lang="en-US" sz="1800" dirty="0">
+                            <a:latin typeface="+mn-lt"/>
+                          </a:endParaRPr>
+                        </a:p>
+                      </a:txBody>
+                      <a:tcPr/>
+                    </a:tc>
+                    <a:extLst>
+                      <a:ext uri="{0D108BD9-81ED-4DB2-BD59-A6C34878D82A}">
+                        <a16:rowId xmlns:a16="http://schemas.microsoft.com/office/drawing/2014/main" val="3618468389"/>
+                      </a:ext>
+                    </a:extLst>
+                  </a:tr>
+                  <a:tr h="370840">
+                    <a:tc>
+                      <a:txBody>
+                        <a:bodyPr/>
+                        <a:lstStyle/>
+                        <a:p>
+                          <a:r>
+                            <a:rPr lang="en-US" sz="1800" dirty="0">
+                              <a:latin typeface="+mn-lt"/>
+                            </a:rPr>
+                            <a:t>VQD</a:t>
+                          </a:r>
+                        </a:p>
+                      </a:txBody>
+                      <a:tcPr/>
+                    </a:tc>
+                    <a:tc>
+                      <a:txBody>
+                        <a:bodyPr/>
+                        <a:lstStyle/>
+                        <a:p>
+                          <a:pPr algn="r" fontAlgn="b"/>
+                          <a:r>
+                            <a:rPr lang="en-HK" sz="1800" b="0" i="0" u="none" strike="noStrike" dirty="0">
+                              <a:solidFill>
+                                <a:srgbClr val="000000"/>
+                              </a:solidFill>
+                              <a:effectLst/>
+                              <a:latin typeface="+mn-lt"/>
+                            </a:rPr>
+                            <a:t>1.48586193</a:t>
+                          </a:r>
+                        </a:p>
+                      </a:txBody>
+                      <a:tcPr marL="9525" marR="9525" marT="9525" marB="0" anchor="b"/>
+                    </a:tc>
+                    <a:tc>
+                      <a:txBody>
+                        <a:bodyPr/>
+                        <a:lstStyle/>
+                        <a:p>
+                          <a:pPr algn="r" fontAlgn="b"/>
+                          <a:r>
+                            <a:rPr lang="en-HK" sz="1800" b="0" i="0" u="none" strike="noStrike" dirty="0">
+                              <a:solidFill>
+                                <a:srgbClr val="000000"/>
+                              </a:solidFill>
+                              <a:effectLst/>
+                              <a:latin typeface="+mn-lt"/>
+                            </a:rPr>
+                            <a:t>0.90361959</a:t>
+                          </a:r>
+                        </a:p>
+                      </a:txBody>
+                      <a:tcPr marL="9525" marR="9525" marT="9525" marB="0" anchor="b"/>
+                    </a:tc>
+                    <a:tc>
+                      <a:txBody>
+                        <a:bodyPr/>
+                        <a:lstStyle/>
+                        <a:p>
+                          <a:endParaRPr lang="en-US" sz="1800" dirty="0">
+                            <a:latin typeface="+mn-lt"/>
+                          </a:endParaRPr>
+                        </a:p>
+                      </a:txBody>
+                      <a:tcPr/>
+                    </a:tc>
+                    <a:extLst>
+                      <a:ext uri="{0D108BD9-81ED-4DB2-BD59-A6C34878D82A}">
+                        <a16:rowId xmlns:a16="http://schemas.microsoft.com/office/drawing/2014/main" val="1260836046"/>
+                      </a:ext>
+                    </a:extLst>
+                  </a:tr>
+                </a:tbl>
+              </a:graphicData>
+            </a:graphic>
+          </p:graphicFrame>
+        </mc:Fallback>
+      </mc:AlternateContent>
+    </p:spTree>
+    <p:extLst>
+      <p:ext uri="{BB962C8B-B14F-4D97-AF65-F5344CB8AC3E}">
+        <p14:creationId xmlns:p14="http://schemas.microsoft.com/office/powerpoint/2010/main" val="10827419"/>
+      </p:ext>
+    </p:extLst>
+  </p:cSld>
+  <p:clrMapOvr>
+    <a:masterClrMapping/>
+  </p:clrMapOvr>
+</p:sld>
+</file>
+
+<file path=ppt/slides/slide17.xml><?xml version="1.0" encoding="utf-8"?>
+<p:sld xmlns:a="http://schemas.openxmlformats.org/drawingml/2006/main" xmlns:r="http://schemas.openxmlformats.org/officeDocument/2006/relationships" xmlns:p="http://schemas.openxmlformats.org/presentationml/2006/main">
+  <p:cSld>
+    <p:spTree>
+      <p:nvGrpSpPr>
+        <p:cNvPr id="1" name=""/>
+        <p:cNvGrpSpPr/>
+        <p:nvPr/>
+      </p:nvGrpSpPr>
+      <p:grpSpPr>
+        <a:xfrm>
+          <a:off x="0" y="0"/>
+          <a:ext cx="0" cy="0"/>
+          <a:chOff x="0" y="0"/>
+          <a:chExt cx="0" cy="0"/>
+        </a:xfrm>
+      </p:grpSpPr>
+      <p:sp>
+        <p:nvSpPr>
+          <p:cNvPr id="2" name="Title 1">
+            <a:extLst>
+              <a:ext uri="{FF2B5EF4-FFF2-40B4-BE49-F238E27FC236}">
+                <a16:creationId xmlns:a16="http://schemas.microsoft.com/office/drawing/2014/main" id="{EB74A9BE-B7AC-7443-A668-EF7D67B3E2DA}"/>
+              </a:ext>
+            </a:extLst>
+          </p:cNvPr>
+          <p:cNvSpPr>
+            <a:spLocks noGrp="1"/>
+          </p:cNvSpPr>
+          <p:nvPr>
+            <p:ph type="title"/>
+          </p:nvPr>
+        </p:nvSpPr>
+        <p:spPr/>
+        <p:txBody>
+          <a:bodyPr/>
+          <a:lstStyle/>
+          <a:p>
+            <a:r>
+              <a:rPr lang="en-US" dirty="0"/>
+              <a:t>Backup: RHF Total Energy</a:t>
+            </a:r>
+          </a:p>
+        </p:txBody>
+      </p:sp>
+      <p:pic>
+        <p:nvPicPr>
+          <p:cNvPr id="4" name="Picture 3">
+            <a:extLst>
+              <a:ext uri="{FF2B5EF4-FFF2-40B4-BE49-F238E27FC236}">
+                <a16:creationId xmlns:a16="http://schemas.microsoft.com/office/drawing/2014/main" id="{48453E5D-8FD0-4A49-94F8-F1195B696E87}"/>
+              </a:ext>
+            </a:extLst>
+          </p:cNvPr>
+          <p:cNvPicPr>
+            <a:picLocks noChangeAspect="1"/>
+          </p:cNvPicPr>
+          <p:nvPr/>
+        </p:nvPicPr>
+        <p:blipFill>
+          <a:blip r:embed="rId2"/>
+          <a:stretch>
+            <a:fillRect/>
+          </a:stretch>
+        </p:blipFill>
+        <p:spPr>
+          <a:xfrm>
+            <a:off x="4674478" y="2672892"/>
+            <a:ext cx="2049829" cy="743063"/>
+          </a:xfrm>
+          <a:prstGeom prst="rect">
+            <a:avLst/>
+          </a:prstGeom>
+        </p:spPr>
+      </p:pic>
+      <mc:AlternateContent xmlns:mc="http://schemas.openxmlformats.org/markup-compatibility/2006">
+        <mc:Choice xmlns:a14="http://schemas.microsoft.com/office/drawing/2010/main" Requires="a14">
+          <p:graphicFrame>
+            <p:nvGraphicFramePr>
+              <p:cNvPr id="5" name="Table 4">
+                <a:extLst>
+                  <a:ext uri="{FF2B5EF4-FFF2-40B4-BE49-F238E27FC236}">
+                    <a16:creationId xmlns:a16="http://schemas.microsoft.com/office/drawing/2014/main" id="{5A654F22-DB71-EE4B-96CB-F09BD90B4F9A}"/>
+                  </a:ext>
+                </a:extLst>
+              </p:cNvPr>
+              <p:cNvGraphicFramePr>
+                <a:graphicFrameLocks noGrp="1"/>
+              </p:cNvGraphicFramePr>
+              <p:nvPr>
+                <p:extLst>
+                  <p:ext uri="{D42A27DB-BD31-4B8C-83A1-F6EECF244321}">
+                    <p14:modId xmlns:p14="http://schemas.microsoft.com/office/powerpoint/2010/main" val="2969975818"/>
+                  </p:ext>
+                </p:extLst>
+              </p:nvPr>
+            </p:nvGraphicFramePr>
+            <p:xfrm>
+              <a:off x="2518947" y="3802848"/>
+              <a:ext cx="6845148" cy="1507281"/>
+            </p:xfrm>
+            <a:graphic>
+              <a:graphicData uri="http://schemas.openxmlformats.org/drawingml/2006/table">
+                <a:tbl>
+                  <a:tblPr firstRow="1" bandRow="1">
+                    <a:tableStyleId>{5C22544A-7EE6-4342-B048-85BDC9FD1C3A}</a:tableStyleId>
+                  </a:tblPr>
+                  <a:tblGrid>
+                    <a:gridCol w="2281716">
+                      <a:extLst>
+                        <a:ext uri="{9D8B030D-6E8A-4147-A177-3AD203B41FA5}">
+                          <a16:colId xmlns:a16="http://schemas.microsoft.com/office/drawing/2014/main" val="1565851880"/>
+                        </a:ext>
+                      </a:extLst>
+                    </a:gridCol>
+                    <a:gridCol w="2281716">
+                      <a:extLst>
+                        <a:ext uri="{9D8B030D-6E8A-4147-A177-3AD203B41FA5}">
+                          <a16:colId xmlns:a16="http://schemas.microsoft.com/office/drawing/2014/main" val="4244370898"/>
+                        </a:ext>
+                      </a:extLst>
+                    </a:gridCol>
+                    <a:gridCol w="2281716">
+                      <a:extLst>
+                        <a:ext uri="{9D8B030D-6E8A-4147-A177-3AD203B41FA5}">
+                          <a16:colId xmlns:a16="http://schemas.microsoft.com/office/drawing/2014/main" val="3182222056"/>
+                        </a:ext>
+                      </a:extLst>
+                    </a:gridCol>
+                  </a:tblGrid>
+                  <a:tr h="502427">
+                    <a:tc>
+                      <a:txBody>
+                        <a:bodyPr/>
+                        <a:lstStyle/>
+                        <a:p>
+                          <a14:m>
+                            <m:oMath xmlns:m="http://schemas.openxmlformats.org/officeDocument/2006/math">
+                              <m:sSub>
+                                <m:sSubPr>
+                                  <m:ctrlPr>
+                                    <a:rPr lang="en-US" b="0" i="1" smtClean="0">
+                                      <a:solidFill>
+                                        <a:srgbClr val="FF0000"/>
+                                      </a:solidFill>
+                                      <a:latin typeface="Cambria Math" panose="02040503050406030204" pitchFamily="18" charset="0"/>
+                                    </a:rPr>
+                                  </m:ctrlPr>
+                                </m:sSubPr>
+                                <m:e>
+                                  <m:r>
+                                    <a:rPr lang="en-US" b="0" i="1" smtClean="0">
+                                      <a:solidFill>
+                                        <a:srgbClr val="FF0000"/>
+                                      </a:solidFill>
+                                      <a:latin typeface="Cambria Math" panose="02040503050406030204" pitchFamily="18" charset="0"/>
+                                    </a:rPr>
+                                    <m:t>𝐸</m:t>
+                                  </m:r>
+                                </m:e>
+                                <m:sub>
+                                  <m:r>
+                                    <a:rPr lang="en-US" b="0" i="1" smtClean="0">
+                                      <a:solidFill>
+                                        <a:srgbClr val="FF0000"/>
+                                      </a:solidFill>
+                                      <a:latin typeface="Cambria Math" panose="02040503050406030204" pitchFamily="18" charset="0"/>
+                                    </a:rPr>
+                                    <m:t>𝑅𝐻𝐹</m:t>
+                                  </m:r>
+                                </m:sub>
+                              </m:sSub>
+                            </m:oMath>
+                          </a14:m>
+                          <a:r>
+                            <a:rPr lang="en-US" sz="1800" dirty="0"/>
+                            <a:t>(</a:t>
+                          </a:r>
+                          <a:r>
+                            <a:rPr lang="en-US" sz="1800" dirty="0" err="1"/>
+                            <a:t>a.u</a:t>
+                          </a:r>
+                          <a:r>
+                            <a:rPr lang="en-US" sz="1800" dirty="0"/>
+                            <a:t>)</a:t>
+                          </a:r>
+                        </a:p>
+                      </a:txBody>
+                      <a:tcPr/>
+                    </a:tc>
+                    <a:tc>
+                      <a:txBody>
+                        <a:bodyPr/>
+                        <a:lstStyle/>
+                        <a:p>
+                          <a:r>
+                            <a:rPr lang="en-US" sz="1800" dirty="0"/>
+                            <a:t>weak</a:t>
+                          </a:r>
+                        </a:p>
+                      </a:txBody>
+                      <a:tcPr/>
+                    </a:tc>
+                    <a:tc>
+                      <a:txBody>
+                        <a:bodyPr/>
+                        <a:lstStyle/>
+                        <a:p>
+                          <a:r>
+                            <a:rPr lang="en-US" sz="1800" dirty="0"/>
+                            <a:t>Strong </a:t>
+                          </a:r>
+                        </a:p>
+                      </a:txBody>
+                      <a:tcPr/>
+                    </a:tc>
+                    <a:extLst>
+                      <a:ext uri="{0D108BD9-81ED-4DB2-BD59-A6C34878D82A}">
+                        <a16:rowId xmlns:a16="http://schemas.microsoft.com/office/drawing/2014/main" val="32983418"/>
+                      </a:ext>
+                    </a:extLst>
+                  </a:tr>
+                  <a:tr h="502427">
+                    <a:tc>
+                      <a:txBody>
+                        <a:bodyPr/>
+                        <a:lstStyle/>
+                        <a:p>
+                          <a:r>
+                            <a:rPr lang="en-US" sz="1800" dirty="0" err="1">
+                              <a:latin typeface="+mn-lt"/>
+                            </a:rPr>
+                            <a:t>Qamuy</a:t>
+                          </a:r>
+                          <a:endParaRPr lang="en-US" sz="1800" dirty="0">
+                            <a:latin typeface="+mn-lt"/>
+                          </a:endParaRPr>
+                        </a:p>
+                      </a:txBody>
+                      <a:tcPr/>
+                    </a:tc>
+                    <a:tc>
+                      <a:txBody>
+                        <a:bodyPr/>
+                        <a:lstStyle/>
+                        <a:p>
+                          <a:pPr algn="r" fontAlgn="b"/>
+                          <a:r>
+                            <a:rPr lang="en-HK" sz="1800" b="0" i="0" u="none" strike="noStrike" dirty="0">
+                              <a:solidFill>
+                                <a:srgbClr val="000000"/>
+                              </a:solidFill>
+                              <a:effectLst/>
+                              <a:latin typeface="+mn-lt"/>
+                            </a:rPr>
+                            <a:t>-153.69518441013</a:t>
+                          </a:r>
+                        </a:p>
+                      </a:txBody>
+                      <a:tcPr marL="9525" marR="9525" marT="9525" marB="0" anchor="b"/>
+                    </a:tc>
+                    <a:tc>
+                      <a:txBody>
+                        <a:bodyPr/>
+                        <a:lstStyle/>
+                        <a:p>
+                          <a:pPr algn="r" fontAlgn="b"/>
+                          <a:r>
+                            <a:rPr lang="en-HK" sz="1800" b="0" i="0" u="none" strike="noStrike" dirty="0">
+                              <a:solidFill>
+                                <a:srgbClr val="000000"/>
+                              </a:solidFill>
+                              <a:effectLst/>
+                              <a:latin typeface="+mn-lt"/>
+                            </a:rPr>
+                            <a:t>-153.661308319835</a:t>
+                          </a:r>
+                        </a:p>
+                      </a:txBody>
+                      <a:tcPr marL="9525" marR="9525" marT="9525" marB="0" anchor="b"/>
+                    </a:tc>
+                    <a:extLst>
+                      <a:ext uri="{0D108BD9-81ED-4DB2-BD59-A6C34878D82A}">
+                        <a16:rowId xmlns:a16="http://schemas.microsoft.com/office/drawing/2014/main" val="947975267"/>
+                      </a:ext>
+                    </a:extLst>
+                  </a:tr>
+                  <a:tr h="502427">
+                    <a:tc>
+                      <a:txBody>
+                        <a:bodyPr/>
+                        <a:lstStyle/>
+                        <a:p>
+                          <a:r>
+                            <a:rPr lang="en-US" sz="1800" dirty="0" err="1">
+                              <a:latin typeface="+mn-lt"/>
+                            </a:rPr>
+                            <a:t>pyscf</a:t>
+                          </a:r>
+                          <a:endParaRPr lang="en-US" sz="1800" dirty="0">
+                            <a:latin typeface="+mn-lt"/>
+                          </a:endParaRPr>
+                        </a:p>
+                      </a:txBody>
+                      <a:tcPr/>
+                    </a:tc>
+                    <a:tc>
+                      <a:txBody>
+                        <a:bodyPr/>
+                        <a:lstStyle/>
+                        <a:p>
+                          <a:pPr algn="r" fontAlgn="b"/>
+                          <a:r>
+                            <a:rPr lang="en-HK" sz="1800" b="0" i="0" u="none" strike="noStrike" dirty="0">
+                              <a:solidFill>
+                                <a:srgbClr val="000000"/>
+                              </a:solidFill>
+                              <a:effectLst/>
+                              <a:latin typeface="+mn-lt"/>
+                            </a:rPr>
+                            <a:t>-151.56160531268</a:t>
+                          </a:r>
+                        </a:p>
+                      </a:txBody>
+                      <a:tcPr marL="9525" marR="9525" marT="9525" marB="0" anchor="b"/>
+                    </a:tc>
+                    <a:tc>
+                      <a:txBody>
+                        <a:bodyPr/>
+                        <a:lstStyle/>
+                        <a:p>
+                          <a:pPr algn="r" fontAlgn="b"/>
+                          <a:r>
+                            <a:rPr lang="en-HK" sz="1800" b="0" i="0" u="none" strike="noStrike" dirty="0">
+                              <a:solidFill>
+                                <a:srgbClr val="000000"/>
+                              </a:solidFill>
+                              <a:effectLst/>
+                              <a:latin typeface="+mn-lt"/>
+                            </a:rPr>
+                            <a:t>-151.527883006374</a:t>
+                          </a:r>
+                        </a:p>
+                      </a:txBody>
+                      <a:tcPr marL="9525" marR="9525" marT="9525" marB="0" anchor="b"/>
+                    </a:tc>
+                    <a:extLst>
+                      <a:ext uri="{0D108BD9-81ED-4DB2-BD59-A6C34878D82A}">
+                        <a16:rowId xmlns:a16="http://schemas.microsoft.com/office/drawing/2014/main" val="3618468389"/>
+                      </a:ext>
+                    </a:extLst>
+                  </a:tr>
+                </a:tbl>
+              </a:graphicData>
+            </a:graphic>
+          </p:graphicFrame>
+        </mc:Choice>
+        <mc:Fallback>
+          <p:graphicFrame>
+            <p:nvGraphicFramePr>
+              <p:cNvPr id="5" name="Table 4">
+                <a:extLst>
+                  <a:ext uri="{FF2B5EF4-FFF2-40B4-BE49-F238E27FC236}">
+                    <a16:creationId xmlns:a16="http://schemas.microsoft.com/office/drawing/2014/main" id="{5A654F22-DB71-EE4B-96CB-F09BD90B4F9A}"/>
+                  </a:ext>
+                </a:extLst>
+              </p:cNvPr>
+              <p:cNvGraphicFramePr>
+                <a:graphicFrameLocks noGrp="1"/>
+              </p:cNvGraphicFramePr>
+              <p:nvPr>
+                <p:extLst>
+                  <p:ext uri="{D42A27DB-BD31-4B8C-83A1-F6EECF244321}">
+                    <p14:modId xmlns:p14="http://schemas.microsoft.com/office/powerpoint/2010/main" val="2969975818"/>
+                  </p:ext>
+                </p:extLst>
+              </p:nvPr>
+            </p:nvGraphicFramePr>
+            <p:xfrm>
+              <a:off x="2518947" y="3802848"/>
+              <a:ext cx="6845148" cy="1507281"/>
+            </p:xfrm>
+            <a:graphic>
+              <a:graphicData uri="http://schemas.openxmlformats.org/drawingml/2006/table">
+                <a:tbl>
+                  <a:tblPr firstRow="1" bandRow="1">
+                    <a:tableStyleId>{5C22544A-7EE6-4342-B048-85BDC9FD1C3A}</a:tableStyleId>
+                  </a:tblPr>
+                  <a:tblGrid>
+                    <a:gridCol w="2281716">
+                      <a:extLst>
+                        <a:ext uri="{9D8B030D-6E8A-4147-A177-3AD203B41FA5}">
+                          <a16:colId xmlns:a16="http://schemas.microsoft.com/office/drawing/2014/main" val="1565851880"/>
+                        </a:ext>
+                      </a:extLst>
+                    </a:gridCol>
+                    <a:gridCol w="2281716">
+                      <a:extLst>
+                        <a:ext uri="{9D8B030D-6E8A-4147-A177-3AD203B41FA5}">
+                          <a16:colId xmlns:a16="http://schemas.microsoft.com/office/drawing/2014/main" val="4244370898"/>
+                        </a:ext>
+                      </a:extLst>
+                    </a:gridCol>
+                    <a:gridCol w="2281716">
+                      <a:extLst>
+                        <a:ext uri="{9D8B030D-6E8A-4147-A177-3AD203B41FA5}">
+                          <a16:colId xmlns:a16="http://schemas.microsoft.com/office/drawing/2014/main" val="3182222056"/>
+                        </a:ext>
+                      </a:extLst>
+                    </a:gridCol>
+                  </a:tblGrid>
+                  <a:tr h="502427">
+                    <a:tc>
+                      <a:txBody>
+                        <a:bodyPr/>
+                        <a:lstStyle/>
+                        <a:p>
+                          <a:endParaRPr lang="en-US"/>
+                        </a:p>
+                      </a:txBody>
+                      <a:tcPr>
+                        <a:blipFill>
+                          <a:blip r:embed="rId3"/>
+                          <a:stretch>
+                            <a:fillRect l="-556" t="-5000" r="-200556" b="-225000"/>
+                          </a:stretch>
+                        </a:blipFill>
+                      </a:tcPr>
+                    </a:tc>
+                    <a:tc>
+                      <a:txBody>
+                        <a:bodyPr/>
+                        <a:lstStyle/>
+                        <a:p>
+                          <a:r>
+                            <a:rPr lang="en-US" sz="1800" dirty="0"/>
+                            <a:t>weak</a:t>
+                          </a:r>
+                        </a:p>
+                      </a:txBody>
+                      <a:tcPr/>
+                    </a:tc>
+                    <a:tc>
+                      <a:txBody>
+                        <a:bodyPr/>
+                        <a:lstStyle/>
+                        <a:p>
+                          <a:r>
+                            <a:rPr lang="en-US" sz="1800" dirty="0"/>
+                            <a:t>Strong </a:t>
+                          </a:r>
+                        </a:p>
+                      </a:txBody>
+                      <a:tcPr/>
+                    </a:tc>
+                    <a:extLst>
+                      <a:ext uri="{0D108BD9-81ED-4DB2-BD59-A6C34878D82A}">
+                        <a16:rowId xmlns:a16="http://schemas.microsoft.com/office/drawing/2014/main" val="32983418"/>
+                      </a:ext>
+                    </a:extLst>
+                  </a:tr>
+                  <a:tr h="502427">
+                    <a:tc>
+                      <a:txBody>
+                        <a:bodyPr/>
+                        <a:lstStyle/>
+                        <a:p>
+                          <a:r>
+                            <a:rPr lang="en-US" sz="1800" dirty="0" err="1">
+                              <a:latin typeface="+mn-lt"/>
+                            </a:rPr>
+                            <a:t>Qamuy</a:t>
+                          </a:r>
+                          <a:endParaRPr lang="en-US" sz="1800" dirty="0">
+                            <a:latin typeface="+mn-lt"/>
+                          </a:endParaRPr>
+                        </a:p>
+                      </a:txBody>
+                      <a:tcPr/>
+                    </a:tc>
+                    <a:tc>
+                      <a:txBody>
+                        <a:bodyPr/>
+                        <a:lstStyle/>
+                        <a:p>
+                          <a:pPr algn="r" fontAlgn="b"/>
+                          <a:r>
+                            <a:rPr lang="en-HK" sz="1800" b="0" i="0" u="none" strike="noStrike" dirty="0">
+                              <a:solidFill>
+                                <a:srgbClr val="000000"/>
+                              </a:solidFill>
+                              <a:effectLst/>
+                              <a:latin typeface="+mn-lt"/>
+                            </a:rPr>
+                            <a:t>-153.69518441013</a:t>
+                          </a:r>
+                        </a:p>
+                      </a:txBody>
+                      <a:tcPr marL="9525" marR="9525" marT="9525" marB="0" anchor="b"/>
+                    </a:tc>
+                    <a:tc>
+                      <a:txBody>
+                        <a:bodyPr/>
+                        <a:lstStyle/>
+                        <a:p>
+                          <a:pPr algn="r" fontAlgn="b"/>
+                          <a:r>
+                            <a:rPr lang="en-HK" sz="1800" b="0" i="0" u="none" strike="noStrike" dirty="0">
+                              <a:solidFill>
+                                <a:srgbClr val="000000"/>
+                              </a:solidFill>
+                              <a:effectLst/>
+                              <a:latin typeface="+mn-lt"/>
+                            </a:rPr>
+                            <a:t>-153.661308319835</a:t>
+                          </a:r>
+                        </a:p>
+                      </a:txBody>
+                      <a:tcPr marL="9525" marR="9525" marT="9525" marB="0" anchor="b"/>
+                    </a:tc>
+                    <a:extLst>
+                      <a:ext uri="{0D108BD9-81ED-4DB2-BD59-A6C34878D82A}">
+                        <a16:rowId xmlns:a16="http://schemas.microsoft.com/office/drawing/2014/main" val="947975267"/>
+                      </a:ext>
+                    </a:extLst>
+                  </a:tr>
+                  <a:tr h="502427">
+                    <a:tc>
+                      <a:txBody>
+                        <a:bodyPr/>
+                        <a:lstStyle/>
+                        <a:p>
+                          <a:r>
+                            <a:rPr lang="en-US" sz="1800" dirty="0" err="1">
+                              <a:latin typeface="+mn-lt"/>
+                            </a:rPr>
+                            <a:t>pyscf</a:t>
+                          </a:r>
+                          <a:endParaRPr lang="en-US" sz="1800" dirty="0">
+                            <a:latin typeface="+mn-lt"/>
+                          </a:endParaRPr>
+                        </a:p>
+                      </a:txBody>
+                      <a:tcPr/>
+                    </a:tc>
+                    <a:tc>
+                      <a:txBody>
+                        <a:bodyPr/>
+                        <a:lstStyle/>
+                        <a:p>
+                          <a:pPr algn="r" fontAlgn="b"/>
+                          <a:r>
+                            <a:rPr lang="en-HK" sz="1800" b="0" i="0" u="none" strike="noStrike" dirty="0">
+                              <a:solidFill>
+                                <a:srgbClr val="000000"/>
+                              </a:solidFill>
+                              <a:effectLst/>
+                              <a:latin typeface="+mn-lt"/>
+                            </a:rPr>
+                            <a:t>-151.56160531268</a:t>
+                          </a:r>
+                        </a:p>
+                      </a:txBody>
+                      <a:tcPr marL="9525" marR="9525" marT="9525" marB="0" anchor="b"/>
+                    </a:tc>
+                    <a:tc>
+                      <a:txBody>
+                        <a:bodyPr/>
+                        <a:lstStyle/>
+                        <a:p>
+                          <a:pPr algn="r" fontAlgn="b"/>
+                          <a:r>
+                            <a:rPr lang="en-HK" sz="1800" b="0" i="0" u="none" strike="noStrike" dirty="0">
+                              <a:solidFill>
+                                <a:srgbClr val="000000"/>
+                              </a:solidFill>
+                              <a:effectLst/>
+                              <a:latin typeface="+mn-lt"/>
+                            </a:rPr>
+                            <a:t>-151.527883006374</a:t>
+                          </a:r>
+                        </a:p>
+                      </a:txBody>
+                      <a:tcPr marL="9525" marR="9525" marT="9525" marB="0" anchor="b"/>
+                    </a:tc>
+                    <a:extLst>
+                      <a:ext uri="{0D108BD9-81ED-4DB2-BD59-A6C34878D82A}">
+                        <a16:rowId xmlns:a16="http://schemas.microsoft.com/office/drawing/2014/main" val="3618468389"/>
+                      </a:ext>
+                    </a:extLst>
+                  </a:tr>
+                </a:tbl>
+              </a:graphicData>
+            </a:graphic>
+          </p:graphicFrame>
+        </mc:Fallback>
+      </mc:AlternateContent>
+      <p:pic>
+        <p:nvPicPr>
+          <p:cNvPr id="6" name="Picture 5">
+            <a:extLst>
+              <a:ext uri="{FF2B5EF4-FFF2-40B4-BE49-F238E27FC236}">
+                <a16:creationId xmlns:a16="http://schemas.microsoft.com/office/drawing/2014/main" id="{133B1267-6906-194B-95A9-E101E115C709}"/>
+              </a:ext>
+            </a:extLst>
+          </p:cNvPr>
+          <p:cNvPicPr>
+            <a:picLocks noChangeAspect="1"/>
+          </p:cNvPicPr>
+          <p:nvPr/>
+        </p:nvPicPr>
+        <p:blipFill>
+          <a:blip r:embed="rId4"/>
+          <a:stretch>
+            <a:fillRect/>
+          </a:stretch>
+        </p:blipFill>
+        <p:spPr>
+          <a:xfrm>
+            <a:off x="7297184" y="2719207"/>
+            <a:ext cx="2066911" cy="743063"/>
+          </a:xfrm>
+          <a:prstGeom prst="rect">
+            <a:avLst/>
+          </a:prstGeom>
+        </p:spPr>
+      </p:pic>
+    </p:spTree>
+    <p:extLst>
+      <p:ext uri="{BB962C8B-B14F-4D97-AF65-F5344CB8AC3E}">
+        <p14:creationId xmlns:p14="http://schemas.microsoft.com/office/powerpoint/2010/main" val="2966649992"/>
       </p:ext>
     </p:extLst>
   </p:cSld>
@@ -9877,7 +13364,7 @@
           <p:nvPr/>
         </p:nvPicPr>
         <p:blipFill>
-          <a:blip r:embed="rId2"/>
+          <a:blip r:embed="rId3"/>
           <a:stretch>
             <a:fillRect/>
           </a:stretch>
@@ -9907,7 +13394,7 @@
           <p:nvPr/>
         </p:nvPicPr>
         <p:blipFill>
-          <a:blip r:embed="rId3"/>
+          <a:blip r:embed="rId4"/>
           <a:stretch>
             <a:fillRect/>
           </a:stretch>
@@ -10023,6 +13510,14 @@
   <p:clrMapOvr>
     <a:masterClrMapping/>
   </p:clrMapOvr>
+  <mc:AlternateContent xmlns:mc="http://schemas.openxmlformats.org/markup-compatibility/2006" xmlns:p14="http://schemas.microsoft.com/office/powerpoint/2010/main">
+    <mc:Choice Requires="p14">
+      <p:transition spd="slow" p14:dur="2000" advTm="30534"/>
+    </mc:Choice>
+    <mc:Fallback xmlns="">
+      <p:transition spd="slow" advTm="30534"/>
+    </mc:Fallback>
+  </mc:AlternateContent>
 </p:sld>
 </file>
 
@@ -10111,7 +13606,7 @@
                   <a:schemeClr val="tx1"/>
                 </a:solidFill>
               </a:rPr>
-              <a:t> is the interaction among </a:t>
+              <a:t> represents quantum-mechanical interaction among </a:t>
             </a:r>
             <a:r>
               <a:rPr lang="en-HK" dirty="0">
@@ -10134,30 +13629,7 @@
                   <a:schemeClr val="tx1"/>
                 </a:solidFill>
               </a:rPr>
-              <a:t> in a </a:t>
-            </a:r>
-            <a:r>
-              <a:rPr lang="en-HK" dirty="0">
-                <a:solidFill>
-                  <a:schemeClr val="tx1"/>
-                </a:solidFill>
-                <a:hlinkClick r:id="rId3" tooltip="Quantum mechanics">
-                  <a:extLst>
-                    <a:ext uri="{A12FA001-AC4F-418D-AE19-62706E023703}">
-                      <ahyp:hlinkClr xmlns:ahyp="http://schemas.microsoft.com/office/drawing/2018/hyperlinkcolor" val="tx"/>
-                    </a:ext>
-                  </a:extLst>
-                </a:hlinkClick>
-              </a:rPr>
-              <a:t>quantum</a:t>
-            </a:r>
-            <a:r>
-              <a:rPr lang="en-HK" dirty="0">
-                <a:solidFill>
-                  <a:schemeClr val="tx1"/>
-                </a:solidFill>
-              </a:rPr>
-              <a:t> system. The correlation energy is a measure of how much the behaviour of an electron is influenced by other electrons.</a:t>
+              <a:t> in a system. The correlation energy is a measure of how much the behaviour of an electron is influenced by other electrons.</a:t>
             </a:r>
             <a:endParaRPr lang="en-US" dirty="0">
               <a:solidFill>
@@ -10182,14 +13654,14 @@
           <p:nvPr/>
         </p:nvPicPr>
         <p:blipFill>
-          <a:blip r:embed="rId4"/>
+          <a:blip r:embed="rId3"/>
           <a:stretch>
             <a:fillRect/>
           </a:stretch>
         </p:blipFill>
         <p:spPr>
           <a:xfrm>
-            <a:off x="4551778" y="3974433"/>
+            <a:off x="7829816" y="3941598"/>
             <a:ext cx="3432631" cy="1980981"/>
           </a:xfrm>
           <a:prstGeom prst="rect">
@@ -10197,237 +13669,6 @@
           </a:prstGeom>
         </p:spPr>
       </p:pic>
-      <p:pic>
-        <p:nvPicPr>
-          <p:cNvPr id="4" name="Picture 3">
-            <a:extLst>
-              <a:ext uri="{FF2B5EF4-FFF2-40B4-BE49-F238E27FC236}">
-                <a16:creationId xmlns:a16="http://schemas.microsoft.com/office/drawing/2014/main" id="{46BFA20A-9601-8B40-8EF7-7F7CE7F8DABF}"/>
-              </a:ext>
-            </a:extLst>
-          </p:cNvPr>
-          <p:cNvPicPr>
-            <a:picLocks noChangeAspect="1"/>
-          </p:cNvPicPr>
-          <p:nvPr/>
-        </p:nvPicPr>
-        <p:blipFill>
-          <a:blip r:embed="rId5"/>
-          <a:stretch>
-            <a:fillRect/>
-          </a:stretch>
-        </p:blipFill>
-        <p:spPr>
-          <a:xfrm>
-            <a:off x="1148257" y="3907625"/>
-            <a:ext cx="2706687" cy="2114599"/>
-          </a:xfrm>
-          <a:prstGeom prst="rect">
-            <a:avLst/>
-          </a:prstGeom>
-        </p:spPr>
-      </p:pic>
-      <mc:AlternateContent xmlns:mc="http://schemas.openxmlformats.org/markup-compatibility/2006" xmlns:a14="http://schemas.microsoft.com/office/drawing/2010/main">
-        <mc:Choice Requires="a14">
-          <p:sp>
-            <p:nvSpPr>
-              <p:cNvPr id="6" name="TextBox 5">
-                <a:extLst>
-                  <a:ext uri="{FF2B5EF4-FFF2-40B4-BE49-F238E27FC236}">
-                    <a16:creationId xmlns:a16="http://schemas.microsoft.com/office/drawing/2014/main" id="{54611C44-7F37-6840-BA4F-E66FF734F975}"/>
-                  </a:ext>
-                </a:extLst>
-              </p:cNvPr>
-              <p:cNvSpPr txBox="1"/>
-              <p:nvPr/>
-            </p:nvSpPr>
-            <p:spPr>
-              <a:xfrm>
-                <a:off x="8544357" y="4515921"/>
-                <a:ext cx="2391745" cy="575414"/>
-              </a:xfrm>
-              <a:prstGeom prst="rect">
-                <a:avLst/>
-              </a:prstGeom>
-              <a:noFill/>
-            </p:spPr>
-            <p:txBody>
-              <a:bodyPr wrap="none" lIns="0" tIns="0" rIns="0" bIns="0" rtlCol="0">
-                <a:spAutoFit/>
-              </a:bodyPr>
-              <a:lstStyle/>
-              <a:p>
-                <a:pPr/>
-                <a14:m>
-                  <m:oMathPara xmlns:m="http://schemas.openxmlformats.org/officeDocument/2006/math">
-                    <m:oMathParaPr>
-                      <m:jc m:val="centerGroup"/>
-                    </m:oMathParaPr>
-                    <m:oMath xmlns:m="http://schemas.openxmlformats.org/officeDocument/2006/math">
-                      <m:sSub>
-                        <m:sSubPr>
-                          <m:ctrlPr>
-                            <a:rPr lang="en-US" b="0" i="1" smtClean="0">
-                              <a:latin typeface="Cambria Math" panose="02040503050406030204" pitchFamily="18" charset="0"/>
-                            </a:rPr>
-                          </m:ctrlPr>
-                        </m:sSubPr>
-                        <m:e>
-                          <m:r>
-                            <a:rPr lang="en-US" b="0" i="1" smtClean="0">
-                              <a:latin typeface="Cambria Math" panose="02040503050406030204" pitchFamily="18" charset="0"/>
-                            </a:rPr>
-                            <m:t>𝐸</m:t>
-                          </m:r>
-                        </m:e>
-                        <m:sub>
-                          <m:r>
-                            <a:rPr lang="en-US" b="0" i="1" smtClean="0">
-                              <a:latin typeface="Cambria Math" panose="02040503050406030204" pitchFamily="18" charset="0"/>
-                            </a:rPr>
-                            <m:t>𝑝𝑜𝑠𝑡</m:t>
-                          </m:r>
-                          <m:r>
-                            <a:rPr lang="en-US" b="0" i="1" smtClean="0">
-                              <a:latin typeface="Cambria Math" panose="02040503050406030204" pitchFamily="18" charset="0"/>
-                            </a:rPr>
-                            <m:t>−</m:t>
-                          </m:r>
-                          <m:r>
-                            <a:rPr lang="en-US" b="0" i="1" smtClean="0">
-                              <a:latin typeface="Cambria Math" panose="02040503050406030204" pitchFamily="18" charset="0"/>
-                            </a:rPr>
-                            <m:t>𝐻𝐹</m:t>
-                          </m:r>
-                        </m:sub>
-                      </m:sSub>
-                      <m:r>
-                        <a:rPr lang="en-US" b="0" i="1" smtClean="0">
-                          <a:latin typeface="Cambria Math" panose="02040503050406030204" pitchFamily="18" charset="0"/>
-                        </a:rPr>
-                        <m:t>=</m:t>
-                      </m:r>
-                      <m:sSub>
-                        <m:sSubPr>
-                          <m:ctrlPr>
-                            <a:rPr lang="en-US" b="0" i="1" smtClean="0">
-                              <a:latin typeface="Cambria Math" panose="02040503050406030204" pitchFamily="18" charset="0"/>
-                            </a:rPr>
-                          </m:ctrlPr>
-                        </m:sSubPr>
-                        <m:e>
-                          <m:r>
-                            <a:rPr lang="en-US" b="0" i="1" smtClean="0">
-                              <a:latin typeface="Cambria Math" panose="02040503050406030204" pitchFamily="18" charset="0"/>
-                            </a:rPr>
-                            <m:t>𝐸</m:t>
-                          </m:r>
-                        </m:e>
-                        <m:sub>
-                          <m:r>
-                            <a:rPr lang="en-US" b="0" i="1" smtClean="0">
-                              <a:latin typeface="Cambria Math" panose="02040503050406030204" pitchFamily="18" charset="0"/>
-                            </a:rPr>
-                            <m:t>𝐻𝐹</m:t>
-                          </m:r>
-                        </m:sub>
-                      </m:sSub>
-                      <m:r>
-                        <a:rPr lang="en-US" b="0" i="1" smtClean="0">
-                          <a:latin typeface="Cambria Math" panose="02040503050406030204" pitchFamily="18" charset="0"/>
-                        </a:rPr>
-                        <m:t>+</m:t>
-                      </m:r>
-                      <m:sSub>
-                        <m:sSubPr>
-                          <m:ctrlPr>
-                            <a:rPr lang="en-US" b="0" i="1" smtClean="0">
-                              <a:solidFill>
-                                <a:srgbClr val="FF0000"/>
-                              </a:solidFill>
-                              <a:latin typeface="Cambria Math" panose="02040503050406030204" pitchFamily="18" charset="0"/>
-                            </a:rPr>
-                          </m:ctrlPr>
-                        </m:sSubPr>
-                        <m:e>
-                          <m:r>
-                            <a:rPr lang="en-US" b="0" i="1" smtClean="0">
-                              <a:solidFill>
-                                <a:srgbClr val="FF0000"/>
-                              </a:solidFill>
-                              <a:latin typeface="Cambria Math" panose="02040503050406030204" pitchFamily="18" charset="0"/>
-                            </a:rPr>
-                            <m:t>𝐸</m:t>
-                          </m:r>
-                        </m:e>
-                        <m:sub>
-                          <m:r>
-                            <a:rPr lang="en-US" b="0" i="1" smtClean="0">
-                              <a:solidFill>
-                                <a:srgbClr val="FF0000"/>
-                              </a:solidFill>
-                              <a:latin typeface="Cambria Math" panose="02040503050406030204" pitchFamily="18" charset="0"/>
-                            </a:rPr>
-                            <m:t>𝑐𝑜𝑟𝑟</m:t>
-                          </m:r>
-                        </m:sub>
-                      </m:sSub>
-                    </m:oMath>
-                  </m:oMathPara>
-                </a14:m>
-                <a:endParaRPr lang="en-US" b="0" dirty="0"/>
-              </a:p>
-              <a:p>
-                <a:endParaRPr lang="en-US" dirty="0"/>
-              </a:p>
-            </p:txBody>
-          </p:sp>
-        </mc:Choice>
-        <mc:Fallback xmlns="">
-          <p:sp>
-            <p:nvSpPr>
-              <p:cNvPr id="6" name="TextBox 5">
-                <a:extLst>
-                  <a:ext uri="{FF2B5EF4-FFF2-40B4-BE49-F238E27FC236}">
-                    <a16:creationId xmlns:a16="http://schemas.microsoft.com/office/drawing/2014/main" id="{54611C44-7F37-6840-BA4F-E66FF734F975}"/>
-                  </a:ext>
-                </a:extLst>
-              </p:cNvPr>
-              <p:cNvSpPr txBox="1">
-                <a:spLocks noRot="1" noChangeAspect="1" noMove="1" noResize="1" noEditPoints="1" noAdjustHandles="1" noChangeArrowheads="1" noChangeShapeType="1" noTextEdit="1"/>
-              </p:cNvSpPr>
-              <p:nvPr/>
-            </p:nvSpPr>
-            <p:spPr>
-              <a:xfrm>
-                <a:off x="8544357" y="4515921"/>
-                <a:ext cx="2391745" cy="575414"/>
-              </a:xfrm>
-              <a:prstGeom prst="rect">
-                <a:avLst/>
-              </a:prstGeom>
-              <a:blipFill>
-                <a:blip r:embed="rId6"/>
-                <a:stretch>
-                  <a:fillRect l="-1587"/>
-                </a:stretch>
-              </a:blipFill>
-            </p:spPr>
-            <p:txBody>
-              <a:bodyPr/>
-              <a:lstStyle/>
-              <a:p>
-                <a:r>
-                  <a:rPr lang="en-US">
-                    <a:noFill/>
-                  </a:rPr>
-                  <a:t> </a:t>
-                </a:r>
-              </a:p>
-            </p:txBody>
-          </p:sp>
-        </mc:Fallback>
-      </mc:AlternateContent>
     </p:spTree>
     <p:extLst>
       <p:ext uri="{BB962C8B-B14F-4D97-AF65-F5344CB8AC3E}">
@@ -10438,6 +13679,14 @@
   <p:clrMapOvr>
     <a:masterClrMapping/>
   </p:clrMapOvr>
+  <mc:AlternateContent xmlns:mc="http://schemas.openxmlformats.org/markup-compatibility/2006" xmlns:p14="http://schemas.microsoft.com/office/powerpoint/2010/main">
+    <mc:Choice Requires="p14">
+      <p:transition spd="slow" p14:dur="2000" advTm="41009"/>
+    </mc:Choice>
+    <mc:Fallback xmlns="">
+      <p:transition spd="slow" advTm="41009"/>
+    </mc:Fallback>
+  </mc:AlternateContent>
 </p:sld>
 </file>
 
@@ -10503,7 +13752,7 @@
           </p:nvPr>
         </p:nvPicPr>
         <p:blipFill>
-          <a:blip r:embed="rId2"/>
+          <a:blip r:embed="rId3"/>
           <a:stretch>
             <a:fillRect/>
           </a:stretch>
@@ -10705,7 +13954,7 @@
           <p:nvPr/>
         </p:nvPicPr>
         <p:blipFill>
-          <a:blip r:embed="rId3"/>
+          <a:blip r:embed="rId4"/>
           <a:stretch>
             <a:fillRect/>
           </a:stretch>
@@ -10735,7 +13984,7 @@
           <p:nvPr/>
         </p:nvPicPr>
         <p:blipFill>
-          <a:blip r:embed="rId4"/>
+          <a:blip r:embed="rId5"/>
           <a:stretch>
             <a:fillRect/>
           </a:stretch>
@@ -10807,7 +14056,7 @@
           <p:nvPr/>
         </p:nvPicPr>
         <p:blipFill>
-          <a:blip r:embed="rId5"/>
+          <a:blip r:embed="rId6"/>
           <a:stretch>
             <a:fillRect/>
           </a:stretch>
@@ -10837,7 +14086,7 @@
           <p:nvPr/>
         </p:nvPicPr>
         <p:blipFill>
-          <a:blip r:embed="rId6"/>
+          <a:blip r:embed="rId7"/>
           <a:stretch>
             <a:fillRect/>
           </a:stretch>
@@ -10862,6 +14111,14 @@
   <p:clrMapOvr>
     <a:masterClrMapping/>
   </p:clrMapOvr>
+  <mc:AlternateContent xmlns:mc="http://schemas.openxmlformats.org/markup-compatibility/2006" xmlns:p14="http://schemas.microsoft.com/office/powerpoint/2010/main">
+    <mc:Choice Requires="p14">
+      <p:transition spd="slow" p14:dur="2000" advTm="59576"/>
+    </mc:Choice>
+    <mc:Fallback xmlns="">
+      <p:transition spd="slow" advTm="59576"/>
+    </mc:Fallback>
+  </mc:AlternateContent>
 </p:sld>
 </file>
 
@@ -10905,7 +14162,7 @@
           <a:p>
             <a:r>
               <a:rPr lang="en-US" dirty="0"/>
-              <a:t>Ways to Describe Electron Correlation </a:t>
+              <a:t>Ways to describe electron correlation </a:t>
             </a:r>
           </a:p>
         </p:txBody>
@@ -11107,6 +14364,9 @@
         </p:txBody>
       </p:sp>
     </p:spTree>
+    <p:custDataLst>
+      <p:tags r:id="rId1"/>
+    </p:custDataLst>
     <p:extLst>
       <p:ext uri="{BB962C8B-B14F-4D97-AF65-F5344CB8AC3E}">
         <p14:creationId xmlns:p14="http://schemas.microsoft.com/office/powerpoint/2010/main" val="265903707"/>
@@ -11116,6 +14376,14 @@
   <p:clrMapOvr>
     <a:masterClrMapping/>
   </p:clrMapOvr>
+  <mc:AlternateContent xmlns:mc="http://schemas.openxmlformats.org/markup-compatibility/2006" xmlns:p14="http://schemas.microsoft.com/office/powerpoint/2010/main">
+    <mc:Choice Requires="p14">
+      <p:transition spd="slow" p14:dur="2000" advTm="47889"/>
+    </mc:Choice>
+    <mc:Fallback xmlns="">
+      <p:transition spd="slow" advTm="47889"/>
+    </mc:Fallback>
+  </mc:AlternateContent>
   <p:timing>
     <p:tnLst>
       <p:par>
@@ -11283,7 +14551,7 @@
           <a:p>
             <a:r>
               <a:rPr lang="en-US" dirty="0"/>
-              <a:t>Motivation of this project</a:t>
+              <a:t>Motivations of this project</a:t>
             </a:r>
           </a:p>
         </p:txBody>
@@ -11307,13 +14575,13 @@
         <p:spPr/>
         <p:txBody>
           <a:bodyPr>
-            <a:normAutofit/>
+            <a:normAutofit fontScale="92500"/>
           </a:bodyPr>
           <a:lstStyle/>
           <a:p>
             <a:r>
               <a:rPr lang="en-US" dirty="0"/>
-              <a:t>Periodic Boundary Condition (PBC) Result of trans-polyacetylene correlation energy with CASCI and CCSD at different levels of </a:t>
+              <a:t>Periodic Boundary Condition (PBC) Result of trans-polyacetylene correlation energy with CASCI and CCSD at different extents of </a:t>
             </a:r>
             <a:r>
               <a:rPr lang="en-HK" dirty="0" err="1"/>
@@ -11321,7 +14589,7 @@
             </a:r>
             <a:r>
               <a:rPr lang="en-HK" dirty="0"/>
-              <a:t> distortion </a:t>
+              <a:t> distortion</a:t>
             </a:r>
             <a:r>
               <a:rPr lang="en-US" dirty="0"/>
@@ -11337,7 +14605,7 @@
           <a:p>
             <a:r>
               <a:rPr lang="en-US" dirty="0"/>
-              <a:t>Examine the power of VQE for computing electron correlation energy. </a:t>
+              <a:t>Examine the power of VQE for computing electron correlation energy in extended systems. </a:t>
             </a:r>
           </a:p>
           <a:p>
@@ -11364,6 +14632,14 @@
   <p:clrMapOvr>
     <a:masterClrMapping/>
   </p:clrMapOvr>
+  <mc:AlternateContent xmlns:mc="http://schemas.openxmlformats.org/markup-compatibility/2006" xmlns:p14="http://schemas.microsoft.com/office/powerpoint/2010/main">
+    <mc:Choice Requires="p14">
+      <p:transition spd="slow" p14:dur="2000" advTm="30034"/>
+    </mc:Choice>
+    <mc:Fallback xmlns="">
+      <p:transition spd="slow" advTm="30034"/>
+    </mc:Fallback>
+  </mc:AlternateContent>
 </p:sld>
 </file>
 
@@ -11407,7 +14683,7 @@
           <a:p>
             <a:r>
               <a:rPr lang="en-US" dirty="0"/>
-              <a:t>Preliminary Calculation</a:t>
+              <a:t>Preliminary calculation</a:t>
             </a:r>
           </a:p>
         </p:txBody>
@@ -11427,7 +14703,7 @@
           <p:nvPr/>
         </p:nvPicPr>
         <p:blipFill>
-          <a:blip r:embed="rId2"/>
+          <a:blip r:embed="rId3"/>
           <a:stretch>
             <a:fillRect/>
           </a:stretch>
@@ -11511,8 +14787,8 @@
         </p:nvSpPr>
         <p:spPr>
           <a:xfrm>
-            <a:off x="4080510" y="4887865"/>
-            <a:ext cx="7702243" cy="923330"/>
+            <a:off x="4172607" y="4214315"/>
+            <a:ext cx="7702243" cy="1477328"/>
           </a:xfrm>
           <a:prstGeom prst="rect">
             <a:avLst/>
@@ -11536,10 +14812,24 @@
             <a:endParaRPr lang="en-US" dirty="0"/>
           </a:p>
           <a:p>
+            <a:endParaRPr lang="en-US" dirty="0"/>
+          </a:p>
+          <a:p>
             <a:r>
               <a:rPr lang="en-US" dirty="0"/>
-              <a:t>Quantum Solver: VQE (GS), SSVQE (ES), VQD(ES)</a:t>
-            </a:r>
+              <a:t>Quantum Solver (</a:t>
+            </a:r>
+            <a:r>
+              <a:rPr lang="en-US" dirty="0" err="1"/>
+              <a:t>Qamuy</a:t>
+            </a:r>
+            <a:r>
+              <a:rPr lang="en-US" dirty="0"/>
+              <a:t>) : VQE (GS), SSVQE (ES), VQD(ES)</a:t>
+            </a:r>
+          </a:p>
+          <a:p>
+            <a:endParaRPr lang="en-US" dirty="0"/>
           </a:p>
           <a:p>
             <a:r>
@@ -11615,6 +14905,378 @@
           </a:p>
         </p:txBody>
       </p:sp>
+      <mc:AlternateContent xmlns:mc="http://schemas.openxmlformats.org/markup-compatibility/2006" xmlns:a14="http://schemas.microsoft.com/office/drawing/2010/main">
+        <mc:Choice Requires="a14">
+          <p:sp>
+            <p:nvSpPr>
+              <p:cNvPr id="7" name="TextBox 6">
+                <a:extLst>
+                  <a:ext uri="{FF2B5EF4-FFF2-40B4-BE49-F238E27FC236}">
+                    <a16:creationId xmlns:a16="http://schemas.microsoft.com/office/drawing/2014/main" id="{F6C760EA-2A55-6741-ACFB-932946D9B825}"/>
+                  </a:ext>
+                </a:extLst>
+              </p:cNvPr>
+              <p:cNvSpPr txBox="1"/>
+              <p:nvPr/>
+            </p:nvSpPr>
+            <p:spPr>
+              <a:xfrm>
+                <a:off x="855455" y="5406599"/>
+                <a:ext cx="2616165" cy="575414"/>
+              </a:xfrm>
+              <a:prstGeom prst="rect">
+                <a:avLst/>
+              </a:prstGeom>
+              <a:noFill/>
+            </p:spPr>
+            <p:txBody>
+              <a:bodyPr wrap="none" lIns="0" tIns="0" rIns="0" bIns="0" rtlCol="0">
+                <a:spAutoFit/>
+              </a:bodyPr>
+              <a:lstStyle/>
+              <a:p>
+                <a:pPr/>
+                <a14:m>
+                  <m:oMathPara xmlns:m="http://schemas.openxmlformats.org/officeDocument/2006/math">
+                    <m:oMathParaPr>
+                      <m:jc m:val="centerGroup"/>
+                    </m:oMathParaPr>
+                    <m:oMath xmlns:m="http://schemas.openxmlformats.org/officeDocument/2006/math">
+                      <m:sSub>
+                        <m:sSubPr>
+                          <m:ctrlPr>
+                            <a:rPr lang="en-US" i="1" smtClean="0">
+                              <a:solidFill>
+                                <a:srgbClr val="FF0000"/>
+                              </a:solidFill>
+                              <a:latin typeface="Cambria Math" panose="02040503050406030204" pitchFamily="18" charset="0"/>
+                            </a:rPr>
+                          </m:ctrlPr>
+                        </m:sSubPr>
+                        <m:e>
+                          <m:r>
+                            <a:rPr lang="en-US" i="1">
+                              <a:solidFill>
+                                <a:srgbClr val="FF0000"/>
+                              </a:solidFill>
+                              <a:latin typeface="Cambria Math" panose="02040503050406030204" pitchFamily="18" charset="0"/>
+                            </a:rPr>
+                            <m:t>𝐸</m:t>
+                          </m:r>
+                        </m:e>
+                        <m:sub>
+                          <m:r>
+                            <a:rPr lang="en-US" i="1">
+                              <a:solidFill>
+                                <a:srgbClr val="FF0000"/>
+                              </a:solidFill>
+                              <a:latin typeface="Cambria Math" panose="02040503050406030204" pitchFamily="18" charset="0"/>
+                            </a:rPr>
+                            <m:t>𝑐𝑜𝑟𝑟</m:t>
+                          </m:r>
+                        </m:sub>
+                      </m:sSub>
+                      <m:r>
+                        <a:rPr lang="en-US" b="0" i="1" smtClean="0">
+                          <a:solidFill>
+                            <a:srgbClr val="FF0000"/>
+                          </a:solidFill>
+                          <a:latin typeface="Cambria Math" panose="02040503050406030204" pitchFamily="18" charset="0"/>
+                        </a:rPr>
+                        <m:t>=</m:t>
+                      </m:r>
+                      <m:sSub>
+                        <m:sSubPr>
+                          <m:ctrlPr>
+                            <a:rPr lang="en-US" b="0" i="1" smtClean="0">
+                              <a:solidFill>
+                                <a:srgbClr val="FF0000"/>
+                              </a:solidFill>
+                              <a:latin typeface="Cambria Math" panose="02040503050406030204" pitchFamily="18" charset="0"/>
+                            </a:rPr>
+                          </m:ctrlPr>
+                        </m:sSubPr>
+                        <m:e>
+                          <m:r>
+                            <a:rPr lang="en-US" b="0" i="1" smtClean="0">
+                              <a:solidFill>
+                                <a:srgbClr val="FF0000"/>
+                              </a:solidFill>
+                              <a:latin typeface="Cambria Math" panose="02040503050406030204" pitchFamily="18" charset="0"/>
+                            </a:rPr>
+                            <m:t>𝐸</m:t>
+                          </m:r>
+                        </m:e>
+                        <m:sub>
+                          <m:r>
+                            <a:rPr lang="en-US" b="0" i="1" smtClean="0">
+                              <a:solidFill>
+                                <a:srgbClr val="FF0000"/>
+                              </a:solidFill>
+                              <a:latin typeface="Cambria Math" panose="02040503050406030204" pitchFamily="18" charset="0"/>
+                            </a:rPr>
+                            <m:t>𝑝𝑜𝑠𝑡</m:t>
+                          </m:r>
+                          <m:r>
+                            <a:rPr lang="en-US" b="0" i="1" smtClean="0">
+                              <a:solidFill>
+                                <a:srgbClr val="FF0000"/>
+                              </a:solidFill>
+                              <a:latin typeface="Cambria Math" panose="02040503050406030204" pitchFamily="18" charset="0"/>
+                            </a:rPr>
+                            <m:t>−</m:t>
+                          </m:r>
+                          <m:r>
+                            <a:rPr lang="en-US" b="0" i="1" smtClean="0">
+                              <a:solidFill>
+                                <a:srgbClr val="FF0000"/>
+                              </a:solidFill>
+                              <a:latin typeface="Cambria Math" panose="02040503050406030204" pitchFamily="18" charset="0"/>
+                            </a:rPr>
+                            <m:t>𝐻𝐹</m:t>
+                          </m:r>
+                        </m:sub>
+                      </m:sSub>
+                      <m:r>
+                        <a:rPr lang="en-US" b="0" i="1" smtClean="0">
+                          <a:solidFill>
+                            <a:srgbClr val="FF0000"/>
+                          </a:solidFill>
+                          <a:latin typeface="Cambria Math" panose="02040503050406030204" pitchFamily="18" charset="0"/>
+                        </a:rPr>
+                        <m:t>−</m:t>
+                      </m:r>
+                      <m:sSub>
+                        <m:sSubPr>
+                          <m:ctrlPr>
+                            <a:rPr lang="en-US" b="0" i="1" smtClean="0">
+                              <a:solidFill>
+                                <a:srgbClr val="FF0000"/>
+                              </a:solidFill>
+                              <a:latin typeface="Cambria Math" panose="02040503050406030204" pitchFamily="18" charset="0"/>
+                            </a:rPr>
+                          </m:ctrlPr>
+                        </m:sSubPr>
+                        <m:e>
+                          <m:r>
+                            <a:rPr lang="en-US" b="0" i="1" smtClean="0">
+                              <a:solidFill>
+                                <a:srgbClr val="FF0000"/>
+                              </a:solidFill>
+                              <a:latin typeface="Cambria Math" panose="02040503050406030204" pitchFamily="18" charset="0"/>
+                            </a:rPr>
+                            <m:t>𝐸</m:t>
+                          </m:r>
+                        </m:e>
+                        <m:sub>
+                          <m:r>
+                            <a:rPr lang="en-US" b="0" i="1" smtClean="0">
+                              <a:solidFill>
+                                <a:srgbClr val="FF0000"/>
+                              </a:solidFill>
+                              <a:latin typeface="Cambria Math" panose="02040503050406030204" pitchFamily="18" charset="0"/>
+                            </a:rPr>
+                            <m:t>𝐻𝐹</m:t>
+                          </m:r>
+                        </m:sub>
+                      </m:sSub>
+                    </m:oMath>
+                  </m:oMathPara>
+                </a14:m>
+                <a:endParaRPr lang="en-US" b="0" dirty="0">
+                  <a:solidFill>
+                    <a:srgbClr val="FF0000"/>
+                  </a:solidFill>
+                </a:endParaRPr>
+              </a:p>
+              <a:p>
+                <a:endParaRPr lang="en-US" dirty="0"/>
+              </a:p>
+            </p:txBody>
+          </p:sp>
+        </mc:Choice>
+        <mc:Fallback xmlns="">
+          <p:sp>
+            <p:nvSpPr>
+              <p:cNvPr id="7" name="TextBox 6">
+                <a:extLst>
+                  <a:ext uri="{FF2B5EF4-FFF2-40B4-BE49-F238E27FC236}">
+                    <a16:creationId xmlns:a16="http://schemas.microsoft.com/office/drawing/2014/main" id="{F6C760EA-2A55-6741-ACFB-932946D9B825}"/>
+                  </a:ext>
+                </a:extLst>
+              </p:cNvPr>
+              <p:cNvSpPr txBox="1">
+                <a:spLocks noRot="1" noChangeAspect="1" noMove="1" noResize="1" noEditPoints="1" noAdjustHandles="1" noChangeArrowheads="1" noChangeShapeType="1" noTextEdit="1"/>
+              </p:cNvSpPr>
+              <p:nvPr/>
+            </p:nvSpPr>
+            <p:spPr>
+              <a:xfrm>
+                <a:off x="855455" y="5406599"/>
+                <a:ext cx="2616165" cy="575414"/>
+              </a:xfrm>
+              <a:prstGeom prst="rect">
+                <a:avLst/>
+              </a:prstGeom>
+              <a:blipFill>
+                <a:blip r:embed="rId6"/>
+                <a:stretch>
+                  <a:fillRect/>
+                </a:stretch>
+              </a:blipFill>
+            </p:spPr>
+            <p:txBody>
+              <a:bodyPr/>
+              <a:lstStyle/>
+              <a:p>
+                <a:r>
+                  <a:rPr lang="en-US">
+                    <a:noFill/>
+                  </a:rPr>
+                  <a:t> </a:t>
+                </a:r>
+              </a:p>
+            </p:txBody>
+          </p:sp>
+        </mc:Fallback>
+      </mc:AlternateContent>
+      <mc:AlternateContent xmlns:mc="http://schemas.openxmlformats.org/markup-compatibility/2006" xmlns:a14="http://schemas.microsoft.com/office/drawing/2010/main">
+        <mc:Choice Requires="a14">
+          <p:sp>
+            <p:nvSpPr>
+              <p:cNvPr id="8" name="Rectangle 7">
+                <a:extLst>
+                  <a:ext uri="{FF2B5EF4-FFF2-40B4-BE49-F238E27FC236}">
+                    <a16:creationId xmlns:a16="http://schemas.microsoft.com/office/drawing/2014/main" id="{7D8151EB-F02E-7643-B87C-39CB75C7316E}"/>
+                  </a:ext>
+                </a:extLst>
+              </p:cNvPr>
+              <p:cNvSpPr/>
+              <p:nvPr/>
+            </p:nvSpPr>
+            <p:spPr>
+              <a:xfrm>
+                <a:off x="855455" y="5797347"/>
+                <a:ext cx="7768922" cy="369332"/>
+              </a:xfrm>
+              <a:prstGeom prst="rect">
+                <a:avLst/>
+              </a:prstGeom>
+            </p:spPr>
+            <p:txBody>
+              <a:bodyPr wrap="none">
+                <a:spAutoFit/>
+              </a:bodyPr>
+              <a:lstStyle/>
+              <a:p>
+                <a:r>
+                  <a:rPr lang="en-US" dirty="0"/>
+                  <a:t> Note:  </a:t>
+                </a:r>
+                <a14:m>
+                  <m:oMath xmlns:m="http://schemas.openxmlformats.org/officeDocument/2006/math">
+                    <m:sSub>
+                      <m:sSubPr>
+                        <m:ctrlPr>
+                          <a:rPr lang="en-US" i="1" smtClean="0">
+                            <a:latin typeface="Cambria Math" panose="02040503050406030204" pitchFamily="18" charset="0"/>
+                          </a:rPr>
+                        </m:ctrlPr>
+                      </m:sSubPr>
+                      <m:e>
+                        <m:r>
+                          <a:rPr lang="en-US" i="1">
+                            <a:latin typeface="Cambria Math" panose="02040503050406030204" pitchFamily="18" charset="0"/>
+                          </a:rPr>
+                          <m:t>𝐸</m:t>
+                        </m:r>
+                      </m:e>
+                      <m:sub>
+                        <m:r>
+                          <a:rPr lang="en-US" i="1">
+                            <a:latin typeface="Cambria Math" panose="02040503050406030204" pitchFamily="18" charset="0"/>
+                          </a:rPr>
+                          <m:t>𝐻𝐹</m:t>
+                        </m:r>
+                      </m:sub>
+                    </m:sSub>
+                    <m:r>
+                      <a:rPr lang="en-US" b="0" i="1" smtClean="0">
+                        <a:latin typeface="Cambria Math" panose="02040503050406030204" pitchFamily="18" charset="0"/>
+                      </a:rPr>
+                      <m:t> </m:t>
+                    </m:r>
+                  </m:oMath>
+                </a14:m>
+                <a:r>
+                  <a:rPr lang="en-US" dirty="0"/>
+                  <a:t> in </a:t>
+                </a:r>
+                <a:r>
+                  <a:rPr lang="en-US" dirty="0" err="1"/>
+                  <a:t>Qamuy</a:t>
+                </a:r>
+                <a:r>
+                  <a:rPr lang="en-US" dirty="0"/>
+                  <a:t> does not agree with </a:t>
+                </a:r>
+                <a:r>
+                  <a:rPr lang="en-US" dirty="0" err="1"/>
+                  <a:t>pyscf</a:t>
+                </a:r>
+                <a:r>
+                  <a:rPr lang="en-US" dirty="0"/>
+                  <a:t> in gamma point PBC calculation. </a:t>
+                </a:r>
+              </a:p>
+            </p:txBody>
+          </p:sp>
+        </mc:Choice>
+        <mc:Fallback xmlns="">
+          <p:sp>
+            <p:nvSpPr>
+              <p:cNvPr id="8" name="Rectangle 7">
+                <a:extLst>
+                  <a:ext uri="{FF2B5EF4-FFF2-40B4-BE49-F238E27FC236}">
+                    <a16:creationId xmlns:a16="http://schemas.microsoft.com/office/drawing/2014/main" id="{7D8151EB-F02E-7643-B87C-39CB75C7316E}"/>
+                  </a:ext>
+                </a:extLst>
+              </p:cNvPr>
+              <p:cNvSpPr>
+                <a:spLocks noRot="1" noChangeAspect="1" noMove="1" noResize="1" noEditPoints="1" noAdjustHandles="1" noChangeArrowheads="1" noChangeShapeType="1" noTextEdit="1"/>
+              </p:cNvSpPr>
+              <p:nvPr/>
+            </p:nvSpPr>
+            <p:spPr>
+              <a:xfrm>
+                <a:off x="855455" y="5797347"/>
+                <a:ext cx="7768922" cy="369332"/>
+              </a:xfrm>
+              <a:prstGeom prst="rect">
+                <a:avLst/>
+              </a:prstGeom>
+              <a:blipFill>
+                <a:blip r:embed="rId7"/>
+                <a:stretch>
+                  <a:fillRect t="-6667" b="-26667"/>
+                </a:stretch>
+              </a:blipFill>
+            </p:spPr>
+            <p:txBody>
+              <a:bodyPr/>
+              <a:lstStyle/>
+              <a:p>
+                <a:r>
+                  <a:rPr lang="en-US">
+                    <a:noFill/>
+                  </a:rPr>
+                  <a:t> </a:t>
+                </a:r>
+              </a:p>
+            </p:txBody>
+          </p:sp>
+        </mc:Fallback>
+      </mc:AlternateContent>
     </p:spTree>
     <p:extLst>
       <p:ext uri="{BB962C8B-B14F-4D97-AF65-F5344CB8AC3E}">
@@ -11625,6 +15287,14 @@
   <p:clrMapOvr>
     <a:masterClrMapping/>
   </p:clrMapOvr>
+  <mc:AlternateContent xmlns:mc="http://schemas.openxmlformats.org/markup-compatibility/2006" xmlns:p14="http://schemas.microsoft.com/office/powerpoint/2010/main">
+    <mc:Choice Requires="p14">
+      <p:transition spd="slow" p14:dur="2000" advTm="75413"/>
+    </mc:Choice>
+    <mc:Fallback xmlns="">
+      <p:transition spd="slow" advTm="75413"/>
+    </mc:Fallback>
+  </mc:AlternateContent>
 </p:sld>
 </file>
 
@@ -11668,7 +15338,7 @@
           <a:p>
             <a:r>
               <a:rPr lang="en-US" dirty="0"/>
-              <a:t>Ground state correlation energy</a:t>
+              <a:t>Ground-state correlation energy</a:t>
             </a:r>
           </a:p>
         </p:txBody>
@@ -11853,7 +15523,7 @@
                 <a:avLst/>
               </a:prstGeom>
               <a:blipFill>
-                <a:blip r:embed="rId2"/>
+                <a:blip r:embed="rId5"/>
                 <a:stretch>
                   <a:fillRect l="-1786"/>
                 </a:stretch>
@@ -11874,348 +15544,8 @@
           </p:sp>
         </mc:Fallback>
       </mc:AlternateContent>
-      <mc:AlternateContent xmlns:mc="http://schemas.openxmlformats.org/markup-compatibility/2006" xmlns:a14="http://schemas.microsoft.com/office/drawing/2010/main">
-        <mc:Choice Requires="a14">
-          <p:sp>
-            <p:nvSpPr>
-              <p:cNvPr id="6" name="Rectangle 5">
-                <a:extLst>
-                  <a:ext uri="{FF2B5EF4-FFF2-40B4-BE49-F238E27FC236}">
-                    <a16:creationId xmlns:a16="http://schemas.microsoft.com/office/drawing/2014/main" id="{D96AD6B0-EF32-1D41-B5C8-4080D45ACB7C}"/>
-                  </a:ext>
-                </a:extLst>
-              </p:cNvPr>
-              <p:cNvSpPr/>
-              <p:nvPr/>
-            </p:nvSpPr>
-            <p:spPr>
-              <a:xfrm>
-                <a:off x="1295402" y="5648576"/>
-                <a:ext cx="7768922" cy="369332"/>
-              </a:xfrm>
-              <a:prstGeom prst="rect">
-                <a:avLst/>
-              </a:prstGeom>
-            </p:spPr>
-            <p:txBody>
-              <a:bodyPr wrap="none">
-                <a:spAutoFit/>
-              </a:bodyPr>
-              <a:lstStyle/>
-              <a:p>
-                <a:r>
-                  <a:rPr lang="en-US" dirty="0"/>
-                  <a:t> Notice:  </a:t>
-                </a:r>
-                <a14:m>
-                  <m:oMath xmlns:m="http://schemas.openxmlformats.org/officeDocument/2006/math">
-                    <m:sSub>
-                      <m:sSubPr>
-                        <m:ctrlPr>
-                          <a:rPr lang="en-US" i="1" smtClean="0">
-                            <a:latin typeface="Cambria Math" panose="02040503050406030204" pitchFamily="18" charset="0"/>
-                          </a:rPr>
-                        </m:ctrlPr>
-                      </m:sSubPr>
-                      <m:e>
-                        <m:r>
-                          <a:rPr lang="en-US" i="1">
-                            <a:latin typeface="Cambria Math" panose="02040503050406030204" pitchFamily="18" charset="0"/>
-                          </a:rPr>
-                          <m:t>𝐸</m:t>
-                        </m:r>
-                      </m:e>
-                      <m:sub>
-                        <m:r>
-                          <a:rPr lang="en-US" i="1">
-                            <a:latin typeface="Cambria Math" panose="02040503050406030204" pitchFamily="18" charset="0"/>
-                          </a:rPr>
-                          <m:t>𝐻𝐹</m:t>
-                        </m:r>
-                      </m:sub>
-                    </m:sSub>
-                    <m:r>
-                      <a:rPr lang="en-US" b="0" i="1" smtClean="0">
-                        <a:latin typeface="Cambria Math" panose="02040503050406030204" pitchFamily="18" charset="0"/>
-                      </a:rPr>
-                      <m:t> </m:t>
-                    </m:r>
-                  </m:oMath>
-                </a14:m>
-                <a:r>
-                  <a:rPr lang="en-US" dirty="0"/>
-                  <a:t> in </a:t>
-                </a:r>
-                <a:r>
-                  <a:rPr lang="en-US" dirty="0" err="1"/>
-                  <a:t>Qamuy</a:t>
-                </a:r>
-                <a:r>
-                  <a:rPr lang="en-US" dirty="0"/>
-                  <a:t> does not agree with </a:t>
-                </a:r>
-                <a:r>
-                  <a:rPr lang="en-US" dirty="0" err="1"/>
-                  <a:t>pyscf</a:t>
-                </a:r>
-                <a:r>
-                  <a:rPr lang="en-US" dirty="0"/>
-                  <a:t> in gamma point PBC calculation. </a:t>
-                </a:r>
-              </a:p>
-            </p:txBody>
-          </p:sp>
-        </mc:Choice>
-        <mc:Fallback xmlns="">
-          <p:sp>
-            <p:nvSpPr>
-              <p:cNvPr id="6" name="Rectangle 5">
-                <a:extLst>
-                  <a:ext uri="{FF2B5EF4-FFF2-40B4-BE49-F238E27FC236}">
-                    <a16:creationId xmlns:a16="http://schemas.microsoft.com/office/drawing/2014/main" id="{D96AD6B0-EF32-1D41-B5C8-4080D45ACB7C}"/>
-                  </a:ext>
-                </a:extLst>
-              </p:cNvPr>
-              <p:cNvSpPr>
-                <a:spLocks noRot="1" noChangeAspect="1" noMove="1" noResize="1" noEditPoints="1" noAdjustHandles="1" noChangeArrowheads="1" noChangeShapeType="1" noTextEdit="1"/>
-              </p:cNvSpPr>
-              <p:nvPr/>
-            </p:nvSpPr>
-            <p:spPr>
-              <a:xfrm>
-                <a:off x="1295402" y="5648576"/>
-                <a:ext cx="7768922" cy="369332"/>
-              </a:xfrm>
-              <a:prstGeom prst="rect">
-                <a:avLst/>
-              </a:prstGeom>
-              <a:blipFill>
-                <a:blip r:embed="rId3"/>
-                <a:stretch>
-                  <a:fillRect t="-6667" r="-163" b="-23333"/>
-                </a:stretch>
-              </a:blipFill>
-            </p:spPr>
-            <p:txBody>
-              <a:bodyPr/>
-              <a:lstStyle/>
-              <a:p>
-                <a:r>
-                  <a:rPr lang="en-US">
-                    <a:noFill/>
-                  </a:rPr>
-                  <a:t> </a:t>
-                </a:r>
-              </a:p>
-            </p:txBody>
-          </p:sp>
-        </mc:Fallback>
-      </mc:AlternateContent>
-      <mc:AlternateContent xmlns:mc="http://schemas.openxmlformats.org/markup-compatibility/2006" xmlns:a14="http://schemas.microsoft.com/office/drawing/2010/main">
-        <mc:Choice Requires="a14">
-          <p:sp>
-            <p:nvSpPr>
-              <p:cNvPr id="8" name="TextBox 7">
-                <a:extLst>
-                  <a:ext uri="{FF2B5EF4-FFF2-40B4-BE49-F238E27FC236}">
-                    <a16:creationId xmlns:a16="http://schemas.microsoft.com/office/drawing/2014/main" id="{CA4A9E24-8CFC-7145-8853-FABAB94D08DE}"/>
-                  </a:ext>
-                </a:extLst>
-              </p:cNvPr>
-              <p:cNvSpPr txBox="1"/>
-              <p:nvPr/>
-            </p:nvSpPr>
-            <p:spPr>
-              <a:xfrm>
-                <a:off x="8233281" y="2505695"/>
-                <a:ext cx="2778902" cy="553998"/>
-              </a:xfrm>
-              <a:prstGeom prst="rect">
-                <a:avLst/>
-              </a:prstGeom>
-              <a:noFill/>
-            </p:spPr>
-            <p:txBody>
-              <a:bodyPr wrap="none" lIns="0" tIns="0" rIns="0" bIns="0" rtlCol="0">
-                <a:spAutoFit/>
-              </a:bodyPr>
-              <a:lstStyle/>
-              <a:p>
-                <a:pPr/>
-                <a14:m>
-                  <m:oMathPara xmlns:m="http://schemas.openxmlformats.org/officeDocument/2006/math">
-                    <m:oMathParaPr>
-                      <m:jc m:val="centerGroup"/>
-                    </m:oMathParaPr>
-                    <m:oMath xmlns:m="http://schemas.openxmlformats.org/officeDocument/2006/math">
-                      <m:sSub>
-                        <m:sSubPr>
-                          <m:ctrlPr>
-                            <a:rPr lang="en-US" b="0" i="1" smtClean="0">
-                              <a:solidFill>
-                                <a:srgbClr val="FF0000"/>
-                              </a:solidFill>
-                              <a:latin typeface="Cambria Math" panose="02040503050406030204" pitchFamily="18" charset="0"/>
-                            </a:rPr>
-                          </m:ctrlPr>
-                        </m:sSubPr>
-                        <m:e>
-                          <m:r>
-                            <a:rPr lang="en-US" b="0" i="1" smtClean="0">
-                              <a:solidFill>
-                                <a:srgbClr val="FF0000"/>
-                              </a:solidFill>
-                              <a:latin typeface="Cambria Math" panose="02040503050406030204" pitchFamily="18" charset="0"/>
-                            </a:rPr>
-                            <m:t>𝐸</m:t>
-                          </m:r>
-                        </m:e>
-                        <m:sub>
-                          <m:r>
-                            <a:rPr lang="en-US" b="0" i="1" smtClean="0">
-                              <a:solidFill>
-                                <a:srgbClr val="FF0000"/>
-                              </a:solidFill>
-                              <a:latin typeface="Cambria Math" panose="02040503050406030204" pitchFamily="18" charset="0"/>
-                            </a:rPr>
-                            <m:t>𝐶𝐶𝑆𝐷</m:t>
-                          </m:r>
-                          <m:r>
-                            <a:rPr lang="en-US" b="0" i="1" smtClean="0">
-                              <a:solidFill>
-                                <a:srgbClr val="FF0000"/>
-                              </a:solidFill>
-                              <a:latin typeface="Cambria Math" panose="02040503050406030204" pitchFamily="18" charset="0"/>
-                            </a:rPr>
-                            <m:t>_</m:t>
-                          </m:r>
-                          <m:r>
-                            <a:rPr lang="en-US" b="0" i="1" smtClean="0">
-                              <a:solidFill>
-                                <a:srgbClr val="FF0000"/>
-                              </a:solidFill>
-                              <a:latin typeface="Cambria Math" panose="02040503050406030204" pitchFamily="18" charset="0"/>
-                            </a:rPr>
-                            <m:t>𝑐𝑜𝑟𝑟</m:t>
-                          </m:r>
-                        </m:sub>
-                      </m:sSub>
-                      <m:r>
-                        <a:rPr lang="en-US" b="0" i="1" smtClean="0">
-                          <a:solidFill>
-                            <a:srgbClr val="FF0000"/>
-                          </a:solidFill>
-                          <a:latin typeface="Cambria Math" panose="02040503050406030204" pitchFamily="18" charset="0"/>
-                        </a:rPr>
-                        <m:t>=</m:t>
-                      </m:r>
-                      <m:r>
-                        <m:rPr>
-                          <m:nor/>
-                        </m:rPr>
-                        <a:rPr lang="en-HK" dirty="0">
-                          <a:solidFill>
-                            <a:srgbClr val="FF0000"/>
-                          </a:solidFill>
-                        </a:rPr>
-                        <m:t>−15.336695</m:t>
-                      </m:r>
-                      <m:r>
-                        <m:rPr>
-                          <m:nor/>
-                        </m:rPr>
-                        <a:rPr lang="en-US" b="0" i="0" dirty="0" smtClean="0">
-                          <a:solidFill>
-                            <a:srgbClr val="FF0000"/>
-                          </a:solidFill>
-                        </a:rPr>
-                        <m:t> </m:t>
-                      </m:r>
-                      <m:r>
-                        <m:rPr>
-                          <m:nor/>
-                        </m:rPr>
-                        <a:rPr lang="en-US" b="0" i="0" dirty="0" smtClean="0">
-                          <a:solidFill>
-                            <a:srgbClr val="FF0000"/>
-                          </a:solidFill>
-                        </a:rPr>
-                        <m:t>eV</m:t>
-                      </m:r>
-                      <m:r>
-                        <m:rPr>
-                          <m:nor/>
-                        </m:rPr>
-                        <a:rPr lang="en-US" b="0" i="0" dirty="0" smtClean="0">
-                          <a:solidFill>
-                            <a:srgbClr val="FF0000"/>
-                          </a:solidFill>
-                        </a:rPr>
-                        <m:t> !</m:t>
-                      </m:r>
-                    </m:oMath>
-                  </m:oMathPara>
-                </a14:m>
-                <a:endParaRPr lang="en-HK" dirty="0">
-                  <a:solidFill>
-                    <a:srgbClr val="000000"/>
-                  </a:solidFill>
-                  <a:latin typeface="Calibri" panose="020F0502020204030204" pitchFamily="34" charset="0"/>
-                </a:endParaRPr>
-              </a:p>
-              <a:p>
-                <a:endParaRPr lang="en-US" dirty="0"/>
-              </a:p>
-            </p:txBody>
-          </p:sp>
-        </mc:Choice>
-        <mc:Fallback xmlns="">
-          <p:sp>
-            <p:nvSpPr>
-              <p:cNvPr id="8" name="TextBox 7">
-                <a:extLst>
-                  <a:ext uri="{FF2B5EF4-FFF2-40B4-BE49-F238E27FC236}">
-                    <a16:creationId xmlns:a16="http://schemas.microsoft.com/office/drawing/2014/main" id="{CA4A9E24-8CFC-7145-8853-FABAB94D08DE}"/>
-                  </a:ext>
-                </a:extLst>
-              </p:cNvPr>
-              <p:cNvSpPr txBox="1">
-                <a:spLocks noRot="1" noChangeAspect="1" noMove="1" noResize="1" noEditPoints="1" noAdjustHandles="1" noChangeArrowheads="1" noChangeShapeType="1" noTextEdit="1"/>
-              </p:cNvSpPr>
-              <p:nvPr/>
-            </p:nvSpPr>
-            <p:spPr>
-              <a:xfrm>
-                <a:off x="8233281" y="2505695"/>
-                <a:ext cx="2778902" cy="553998"/>
-              </a:xfrm>
-              <a:prstGeom prst="rect">
-                <a:avLst/>
-              </a:prstGeom>
-              <a:blipFill>
-                <a:blip r:embed="rId4"/>
-                <a:stretch>
-                  <a:fillRect l="-2283" t="-6667" r="-1826"/>
-                </a:stretch>
-              </a:blipFill>
-            </p:spPr>
-            <p:txBody>
-              <a:bodyPr/>
-              <a:lstStyle/>
-              <a:p>
-                <a:r>
-                  <a:rPr lang="en-US">
-                    <a:noFill/>
-                  </a:rPr>
-                  <a:t> </a:t>
-                </a:r>
-              </a:p>
-            </p:txBody>
-          </p:sp>
-        </mc:Fallback>
-      </mc:AlternateContent>
-      <mc:AlternateContent xmlns:mc="http://schemas.openxmlformats.org/markup-compatibility/2006" xmlns:a14="http://schemas.microsoft.com/office/drawing/2010/main">
-        <mc:Choice Requires="a14">
+      <mc:AlternateContent xmlns:mc="http://schemas.openxmlformats.org/markup-compatibility/2006">
+        <mc:Choice xmlns:a14="http://schemas.microsoft.com/office/drawing/2010/main" Requires="a14">
           <p:graphicFrame>
             <p:nvGraphicFramePr>
               <p:cNvPr id="5" name="Table 4">
@@ -12231,7 +15561,7 @@
               <p:nvPr>
                 <p:extLst>
                   <p:ext uri="{D42A27DB-BD31-4B8C-83A1-F6EECF244321}">
-                    <p14:modId xmlns:p14="http://schemas.microsoft.com/office/powerpoint/2010/main" val="378495207"/>
+                    <p14:modId xmlns:p14="http://schemas.microsoft.com/office/powerpoint/2010/main" val="2614545882"/>
                   </p:ext>
                 </p:extLst>
               </p:nvPr>
@@ -12322,7 +15652,7 @@
                           </a14:m>
                           <a:r>
                             <a:rPr lang="en-US" sz="1800" dirty="0"/>
-                            <a:t>(eV)</a:t>
+                            <a:t>(eV)≈</a:t>
                           </a:r>
                         </a:p>
                       </a:txBody>
@@ -12400,7 +15730,7 @@
                             <a:rPr lang="en-US" sz="1800" dirty="0">
                               <a:latin typeface="+mn-lt"/>
                             </a:rPr>
-                            <a:t>CCSD</a:t>
+                            <a:t>R-CCSD*</a:t>
                           </a:r>
                         </a:p>
                       </a:txBody>
@@ -12577,14 +15907,14 @@
                         <a:p>
                           <a:pPr algn="r" fontAlgn="b"/>
                           <a:r>
-                            <a:rPr lang="en-HK" sz="1800" b="0" i="0" u="none" strike="noStrike">
+                            <a:rPr lang="en-HK" sz="1800" b="0" i="0" u="none" strike="noStrike" dirty="0">
                               <a:solidFill>
                                 <a:srgbClr val="000000"/>
                               </a:solidFill>
                               <a:effectLst/>
                               <a:latin typeface="+mn-lt"/>
                             </a:rPr>
-                            <a:t>-0.3285934</a:t>
+                            <a:t>-0.328593</a:t>
                           </a:r>
                         </a:p>
                       </a:txBody>
@@ -12633,7 +15963,7 @@
             </a:graphic>
           </p:graphicFrame>
         </mc:Choice>
-        <mc:Fallback xmlns="">
+        <mc:Fallback>
           <p:graphicFrame>
             <p:nvGraphicFramePr>
               <p:cNvPr id="5" name="Table 4">
@@ -12649,7 +15979,7 @@
               <p:nvPr>
                 <p:extLst>
                   <p:ext uri="{D42A27DB-BD31-4B8C-83A1-F6EECF244321}">
-                    <p14:modId xmlns:p14="http://schemas.microsoft.com/office/powerpoint/2010/main" val="378495207"/>
+                    <p14:modId xmlns:p14="http://schemas.microsoft.com/office/powerpoint/2010/main" val="2614545882"/>
                   </p:ext>
                 </p:extLst>
               </p:nvPr>
@@ -12705,7 +16035,7 @@
                       </a:txBody>
                       <a:tcPr>
                         <a:blipFill>
-                          <a:blip r:embed="rId5"/>
+                          <a:blip r:embed="rId6"/>
                           <a:stretch>
                             <a:fillRect l="-625" t="-6897" r="-301250" b="-341379"/>
                           </a:stretch>
@@ -12784,7 +16114,7 @@
                             <a:rPr lang="en-US" sz="1800" dirty="0">
                               <a:latin typeface="+mn-lt"/>
                             </a:rPr>
-                            <a:t>CCSD</a:t>
+                            <a:t>R-CCSD*</a:t>
                           </a:r>
                         </a:p>
                       </a:txBody>
@@ -12961,14 +16291,14 @@
                         <a:p>
                           <a:pPr algn="r" fontAlgn="b"/>
                           <a:r>
-                            <a:rPr lang="en-HK" sz="1800" b="0" i="0" u="none" strike="noStrike">
+                            <a:rPr lang="en-HK" sz="1800" b="0" i="0" u="none" strike="noStrike" dirty="0">
                               <a:solidFill>
                                 <a:srgbClr val="000000"/>
                               </a:solidFill>
                               <a:effectLst/>
                               <a:latin typeface="+mn-lt"/>
                             </a:rPr>
-                            <a:t>-0.3285934</a:t>
+                            <a:t>-0.328593</a:t>
                           </a:r>
                         </a:p>
                       </a:txBody>
@@ -13033,7 +16363,7 @@
           <p:nvPr/>
         </p:nvPicPr>
         <p:blipFill>
-          <a:blip r:embed="rId6"/>
+          <a:blip r:embed="rId7"/>
           <a:stretch>
             <a:fillRect/>
           </a:stretch>
@@ -13048,6 +16378,954 @@
           </a:prstGeom>
         </p:spPr>
       </p:pic>
+      <mc:AlternateContent xmlns:mc="http://schemas.openxmlformats.org/markup-compatibility/2006" xmlns:a14="http://schemas.microsoft.com/office/drawing/2010/main">
+        <mc:Choice Requires="a14">
+          <p:sp>
+            <p:nvSpPr>
+              <p:cNvPr id="3" name="TextBox 2">
+                <a:extLst>
+                  <a:ext uri="{FF2B5EF4-FFF2-40B4-BE49-F238E27FC236}">
+                    <a16:creationId xmlns:a16="http://schemas.microsoft.com/office/drawing/2014/main" id="{7E01E26F-0663-6D44-97BA-1D01AAADB8FE}"/>
+                  </a:ext>
+                </a:extLst>
+              </p:cNvPr>
+              <p:cNvSpPr txBox="1"/>
+              <p:nvPr/>
+            </p:nvSpPr>
+            <p:spPr>
+              <a:xfrm>
+                <a:off x="1223745" y="5276012"/>
+                <a:ext cx="2131224" cy="309765"/>
+              </a:xfrm>
+              <a:prstGeom prst="rect">
+                <a:avLst/>
+              </a:prstGeom>
+              <a:noFill/>
+            </p:spPr>
+            <p:txBody>
+              <a:bodyPr wrap="none" lIns="0" tIns="0" rIns="0" bIns="0" rtlCol="0">
+                <a:spAutoFit/>
+              </a:bodyPr>
+              <a:lstStyle/>
+              <a:p>
+                <a:pPr/>
+                <a14:m>
+                  <m:oMathPara xmlns:m="http://schemas.openxmlformats.org/officeDocument/2006/math">
+                    <m:oMathParaPr>
+                      <m:jc m:val="centerGroup"/>
+                    </m:oMathParaPr>
+                    <m:oMath xmlns:m="http://schemas.openxmlformats.org/officeDocument/2006/math">
+                      <m:d>
+                        <m:dPr>
+                          <m:begChr m:val="|"/>
+                          <m:endChr m:val="⟩"/>
+                          <m:ctrlPr>
+                            <a:rPr lang="en-US" b="0" i="1" smtClean="0">
+                              <a:latin typeface="Cambria Math" panose="02040503050406030204" pitchFamily="18" charset="0"/>
+                            </a:rPr>
+                          </m:ctrlPr>
+                        </m:dPr>
+                        <m:e>
+                          <m:sSub>
+                            <m:sSubPr>
+                              <m:ctrlPr>
+                                <a:rPr lang="en-US" b="0" i="1" smtClean="0">
+                                  <a:latin typeface="Cambria Math" panose="02040503050406030204" pitchFamily="18" charset="0"/>
+                                </a:rPr>
+                              </m:ctrlPr>
+                            </m:sSubPr>
+                            <m:e>
+                              <m:r>
+                                <a:rPr lang="en-US" b="0" i="1" smtClean="0">
+                                  <a:latin typeface="Cambria Math" panose="02040503050406030204" pitchFamily="18" charset="0"/>
+                                </a:rPr>
+                                <m:t>𝜓</m:t>
+                              </m:r>
+                            </m:e>
+                            <m:sub>
+                              <m:r>
+                                <a:rPr lang="en-US" b="0" i="1" smtClean="0">
+                                  <a:latin typeface="Cambria Math" panose="02040503050406030204" pitchFamily="18" charset="0"/>
+                                </a:rPr>
+                                <m:t>𝐶𝐶𝑆𝐷</m:t>
+                              </m:r>
+                            </m:sub>
+                          </m:sSub>
+                        </m:e>
+                      </m:d>
+                      <m:r>
+                        <a:rPr lang="en-US" b="0" i="1" smtClean="0">
+                          <a:latin typeface="Cambria Math" panose="02040503050406030204" pitchFamily="18" charset="0"/>
+                        </a:rPr>
+                        <m:t>=</m:t>
+                      </m:r>
+                      <m:sSup>
+                        <m:sSupPr>
+                          <m:ctrlPr>
+                            <a:rPr lang="en-US" b="0" i="1" smtClean="0">
+                              <a:latin typeface="Cambria Math" panose="02040503050406030204" pitchFamily="18" charset="0"/>
+                            </a:rPr>
+                          </m:ctrlPr>
+                        </m:sSupPr>
+                        <m:e>
+                          <m:r>
+                            <a:rPr lang="en-US" b="0" i="1" smtClean="0">
+                              <a:latin typeface="Cambria Math" panose="02040503050406030204" pitchFamily="18" charset="0"/>
+                            </a:rPr>
+                            <m:t>𝑒</m:t>
+                          </m:r>
+                        </m:e>
+                        <m:sup>
+                          <m:sSub>
+                            <m:sSubPr>
+                              <m:ctrlPr>
+                                <a:rPr lang="en-US" b="0" i="1" smtClean="0">
+                                  <a:latin typeface="Cambria Math" panose="02040503050406030204" pitchFamily="18" charset="0"/>
+                                </a:rPr>
+                              </m:ctrlPr>
+                            </m:sSubPr>
+                            <m:e>
+                              <m:acc>
+                                <m:accPr>
+                                  <m:chr m:val="̂"/>
+                                  <m:ctrlPr>
+                                    <a:rPr lang="en-US" b="0" i="1" smtClean="0">
+                                      <a:latin typeface="Cambria Math" panose="02040503050406030204" pitchFamily="18" charset="0"/>
+                                    </a:rPr>
+                                  </m:ctrlPr>
+                                </m:accPr>
+                                <m:e>
+                                  <m:r>
+                                    <a:rPr lang="en-US" b="0" i="1" smtClean="0">
+                                      <a:latin typeface="Cambria Math" panose="02040503050406030204" pitchFamily="18" charset="0"/>
+                                    </a:rPr>
+                                    <m:t>𝑇</m:t>
+                                  </m:r>
+                                </m:e>
+                              </m:acc>
+                            </m:e>
+                            <m:sub>
+                              <m:r>
+                                <a:rPr lang="en-US" b="0" i="1" smtClean="0">
+                                  <a:latin typeface="Cambria Math" panose="02040503050406030204" pitchFamily="18" charset="0"/>
+                                </a:rPr>
+                                <m:t>1</m:t>
+                              </m:r>
+                            </m:sub>
+                          </m:sSub>
+                          <m:r>
+                            <a:rPr lang="en-US" b="0" i="1" smtClean="0">
+                              <a:latin typeface="Cambria Math" panose="02040503050406030204" pitchFamily="18" charset="0"/>
+                            </a:rPr>
+                            <m:t>+</m:t>
+                          </m:r>
+                          <m:sSub>
+                            <m:sSubPr>
+                              <m:ctrlPr>
+                                <a:rPr lang="en-US" i="1">
+                                  <a:latin typeface="Cambria Math" panose="02040503050406030204" pitchFamily="18" charset="0"/>
+                                </a:rPr>
+                              </m:ctrlPr>
+                            </m:sSubPr>
+                            <m:e>
+                              <m:acc>
+                                <m:accPr>
+                                  <m:chr m:val="̂"/>
+                                  <m:ctrlPr>
+                                    <a:rPr lang="en-US" i="1">
+                                      <a:latin typeface="Cambria Math" panose="02040503050406030204" pitchFamily="18" charset="0"/>
+                                    </a:rPr>
+                                  </m:ctrlPr>
+                                </m:accPr>
+                                <m:e>
+                                  <m:r>
+                                    <a:rPr lang="en-US" i="1">
+                                      <a:latin typeface="Cambria Math" panose="02040503050406030204" pitchFamily="18" charset="0"/>
+                                    </a:rPr>
+                                    <m:t>𝑇</m:t>
+                                  </m:r>
+                                </m:e>
+                              </m:acc>
+                            </m:e>
+                            <m:sub>
+                              <m:r>
+                                <a:rPr lang="en-US" b="0" i="1" smtClean="0">
+                                  <a:latin typeface="Cambria Math" panose="02040503050406030204" pitchFamily="18" charset="0"/>
+                                </a:rPr>
+                                <m:t>2</m:t>
+                              </m:r>
+                            </m:sub>
+                          </m:sSub>
+                        </m:sup>
+                      </m:sSup>
+                      <m:r>
+                        <a:rPr lang="en-US" b="0" i="1" smtClean="0">
+                          <a:latin typeface="Cambria Math" panose="02040503050406030204" pitchFamily="18" charset="0"/>
+                        </a:rPr>
+                        <m:t>|</m:t>
+                      </m:r>
+                      <m:sSub>
+                        <m:sSubPr>
+                          <m:ctrlPr>
+                            <a:rPr lang="en-US" b="0" i="1" smtClean="0">
+                              <a:latin typeface="Cambria Math" panose="02040503050406030204" pitchFamily="18" charset="0"/>
+                            </a:rPr>
+                          </m:ctrlPr>
+                        </m:sSubPr>
+                        <m:e>
+                          <m:r>
+                            <a:rPr lang="en-US" b="0" i="1" smtClean="0">
+                              <a:latin typeface="Cambria Math" panose="02040503050406030204" pitchFamily="18" charset="0"/>
+                            </a:rPr>
+                            <m:t>𝜓</m:t>
+                          </m:r>
+                        </m:e>
+                        <m:sub>
+                          <m:r>
+                            <a:rPr lang="en-US" b="0" i="1" smtClean="0">
+                              <a:latin typeface="Cambria Math" panose="02040503050406030204" pitchFamily="18" charset="0"/>
+                            </a:rPr>
+                            <m:t>0</m:t>
+                          </m:r>
+                        </m:sub>
+                      </m:sSub>
+                      <m:r>
+                        <a:rPr lang="en-US" b="0" i="1" smtClean="0">
+                          <a:latin typeface="Cambria Math" panose="02040503050406030204" pitchFamily="18" charset="0"/>
+                        </a:rPr>
+                        <m:t>⟩</m:t>
+                      </m:r>
+                    </m:oMath>
+                  </m:oMathPara>
+                </a14:m>
+                <a:endParaRPr lang="en-US" dirty="0"/>
+              </a:p>
+            </p:txBody>
+          </p:sp>
+        </mc:Choice>
+        <mc:Fallback xmlns="">
+          <p:sp>
+            <p:nvSpPr>
+              <p:cNvPr id="3" name="TextBox 2">
+                <a:extLst>
+                  <a:ext uri="{FF2B5EF4-FFF2-40B4-BE49-F238E27FC236}">
+                    <a16:creationId xmlns:a16="http://schemas.microsoft.com/office/drawing/2014/main" id="{7E01E26F-0663-6D44-97BA-1D01AAADB8FE}"/>
+                  </a:ext>
+                </a:extLst>
+              </p:cNvPr>
+              <p:cNvSpPr txBox="1">
+                <a:spLocks noRot="1" noChangeAspect="1" noMove="1" noResize="1" noEditPoints="1" noAdjustHandles="1" noChangeArrowheads="1" noChangeShapeType="1" noTextEdit="1"/>
+              </p:cNvSpPr>
+              <p:nvPr/>
+            </p:nvSpPr>
+            <p:spPr>
+              <a:xfrm>
+                <a:off x="1223745" y="5276012"/>
+                <a:ext cx="2131224" cy="309765"/>
+              </a:xfrm>
+              <a:prstGeom prst="rect">
+                <a:avLst/>
+              </a:prstGeom>
+              <a:blipFill>
+                <a:blip r:embed="rId8"/>
+                <a:stretch>
+                  <a:fillRect t="-16000" r="-3571" b="-32000"/>
+                </a:stretch>
+              </a:blipFill>
+            </p:spPr>
+            <p:txBody>
+              <a:bodyPr/>
+              <a:lstStyle/>
+              <a:p>
+                <a:r>
+                  <a:rPr lang="en-US">
+                    <a:noFill/>
+                  </a:rPr>
+                  <a:t> </a:t>
+                </a:r>
+              </a:p>
+            </p:txBody>
+          </p:sp>
+        </mc:Fallback>
+      </mc:AlternateContent>
+      <mc:AlternateContent xmlns:mc="http://schemas.openxmlformats.org/markup-compatibility/2006" xmlns:a14="http://schemas.microsoft.com/office/drawing/2010/main">
+        <mc:Choice Requires="a14">
+          <p:sp>
+            <p:nvSpPr>
+              <p:cNvPr id="10" name="TextBox 9">
+                <a:extLst>
+                  <a:ext uri="{FF2B5EF4-FFF2-40B4-BE49-F238E27FC236}">
+                    <a16:creationId xmlns:a16="http://schemas.microsoft.com/office/drawing/2014/main" id="{80EB2E96-9A16-EA45-8A92-C268A46697E9}"/>
+                  </a:ext>
+                </a:extLst>
+              </p:cNvPr>
+              <p:cNvSpPr txBox="1"/>
+              <p:nvPr/>
+            </p:nvSpPr>
+            <p:spPr>
+              <a:xfrm>
+                <a:off x="3605494" y="5183678"/>
+                <a:ext cx="2473498" cy="672235"/>
+              </a:xfrm>
+              <a:prstGeom prst="rect">
+                <a:avLst/>
+              </a:prstGeom>
+              <a:noFill/>
+            </p:spPr>
+            <p:txBody>
+              <a:bodyPr wrap="none" lIns="0" tIns="0" rIns="0" bIns="0" rtlCol="0">
+                <a:spAutoFit/>
+              </a:bodyPr>
+              <a:lstStyle/>
+              <a:p>
+                <a:pPr/>
+                <a14:m>
+                  <m:oMathPara xmlns:m="http://schemas.openxmlformats.org/officeDocument/2006/math">
+                    <m:oMathParaPr>
+                      <m:jc m:val="centerGroup"/>
+                    </m:oMathParaPr>
+                    <m:oMath xmlns:m="http://schemas.openxmlformats.org/officeDocument/2006/math">
+                      <m:sSub>
+                        <m:sSubPr>
+                          <m:ctrlPr>
+                            <a:rPr lang="en-US" b="0" i="1" smtClean="0">
+                              <a:latin typeface="Cambria Math" panose="02040503050406030204" pitchFamily="18" charset="0"/>
+                            </a:rPr>
+                          </m:ctrlPr>
+                        </m:sSubPr>
+                        <m:e>
+                          <m:acc>
+                            <m:accPr>
+                              <m:chr m:val="̂"/>
+                              <m:ctrlPr>
+                                <a:rPr lang="en-US" i="1" smtClean="0">
+                                  <a:latin typeface="Cambria Math" panose="02040503050406030204" pitchFamily="18" charset="0"/>
+                                </a:rPr>
+                              </m:ctrlPr>
+                            </m:accPr>
+                            <m:e>
+                              <m:r>
+                                <a:rPr lang="en-US" i="1">
+                                  <a:latin typeface="Cambria Math" panose="02040503050406030204" pitchFamily="18" charset="0"/>
+                                </a:rPr>
+                                <m:t>𝑇</m:t>
+                              </m:r>
+                            </m:e>
+                          </m:acc>
+                        </m:e>
+                        <m:sub>
+                          <m:r>
+                            <a:rPr lang="en-US" b="0" i="1" smtClean="0">
+                              <a:latin typeface="Cambria Math" panose="02040503050406030204" pitchFamily="18" charset="0"/>
+                            </a:rPr>
+                            <m:t>1</m:t>
+                          </m:r>
+                        </m:sub>
+                      </m:sSub>
+                      <m:r>
+                        <a:rPr lang="en-US" i="1">
+                          <a:latin typeface="Cambria Math" panose="02040503050406030204" pitchFamily="18" charset="0"/>
+                        </a:rPr>
+                        <m:t>|</m:t>
+                      </m:r>
+                      <m:sSub>
+                        <m:sSubPr>
+                          <m:ctrlPr>
+                            <a:rPr lang="en-US" i="1">
+                              <a:latin typeface="Cambria Math" panose="02040503050406030204" pitchFamily="18" charset="0"/>
+                            </a:rPr>
+                          </m:ctrlPr>
+                        </m:sSubPr>
+                        <m:e>
+                          <m:r>
+                            <a:rPr lang="en-US" i="1">
+                              <a:latin typeface="Cambria Math" panose="02040503050406030204" pitchFamily="18" charset="0"/>
+                            </a:rPr>
+                            <m:t>𝜓</m:t>
+                          </m:r>
+                        </m:e>
+                        <m:sub>
+                          <m:r>
+                            <a:rPr lang="en-US" i="1">
+                              <a:latin typeface="Cambria Math" panose="02040503050406030204" pitchFamily="18" charset="0"/>
+                            </a:rPr>
+                            <m:t>0</m:t>
+                          </m:r>
+                        </m:sub>
+                      </m:sSub>
+                      <m:r>
+                        <a:rPr lang="en-US" i="1">
+                          <a:latin typeface="Cambria Math" panose="02040503050406030204" pitchFamily="18" charset="0"/>
+                        </a:rPr>
+                        <m:t>⟩</m:t>
+                      </m:r>
+                      <m:r>
+                        <a:rPr lang="en-US" b="0" i="1" smtClean="0">
+                          <a:latin typeface="Cambria Math" panose="02040503050406030204" pitchFamily="18" charset="0"/>
+                        </a:rPr>
+                        <m:t>=</m:t>
+                      </m:r>
+                      <m:nary>
+                        <m:naryPr>
+                          <m:chr m:val="∑"/>
+                          <m:supHide m:val="on"/>
+                          <m:ctrlPr>
+                            <a:rPr lang="en-US" b="0" i="1" smtClean="0">
+                              <a:latin typeface="Cambria Math" panose="02040503050406030204" pitchFamily="18" charset="0"/>
+                            </a:rPr>
+                          </m:ctrlPr>
+                        </m:naryPr>
+                        <m:sub>
+                          <m:r>
+                            <a:rPr lang="en-US" b="0" i="1" smtClean="0">
+                              <a:latin typeface="Cambria Math" panose="02040503050406030204" pitchFamily="18" charset="0"/>
+                            </a:rPr>
+                            <m:t>𝑖</m:t>
+                          </m:r>
+                        </m:sub>
+                        <m:sup/>
+                        <m:e>
+                          <m:nary>
+                            <m:naryPr>
+                              <m:chr m:val="∑"/>
+                              <m:supHide m:val="on"/>
+                              <m:ctrlPr>
+                                <a:rPr lang="en-US" b="0" i="1" smtClean="0">
+                                  <a:latin typeface="Cambria Math" panose="02040503050406030204" pitchFamily="18" charset="0"/>
+                                </a:rPr>
+                              </m:ctrlPr>
+                            </m:naryPr>
+                            <m:sub>
+                              <m:r>
+                                <a:rPr lang="en-US" b="0" i="1" smtClean="0">
+                                  <a:latin typeface="Cambria Math" panose="02040503050406030204" pitchFamily="18" charset="0"/>
+                                </a:rPr>
+                                <m:t>𝑎</m:t>
+                              </m:r>
+                            </m:sub>
+                            <m:sup/>
+                            <m:e>
+                              <m:sSubSup>
+                                <m:sSubSupPr>
+                                  <m:ctrlPr>
+                                    <a:rPr lang="en-US" b="0" i="1" smtClean="0">
+                                      <a:latin typeface="Cambria Math" panose="02040503050406030204" pitchFamily="18" charset="0"/>
+                                    </a:rPr>
+                                  </m:ctrlPr>
+                                </m:sSubSupPr>
+                                <m:e>
+                                  <m:r>
+                                    <a:rPr lang="en-US" b="0" i="1" smtClean="0">
+                                      <a:latin typeface="Cambria Math" panose="02040503050406030204" pitchFamily="18" charset="0"/>
+                                    </a:rPr>
+                                    <m:t>𝑡</m:t>
+                                  </m:r>
+                                </m:e>
+                                <m:sub>
+                                  <m:r>
+                                    <a:rPr lang="en-US" b="0" i="1" smtClean="0">
+                                      <a:latin typeface="Cambria Math" panose="02040503050406030204" pitchFamily="18" charset="0"/>
+                                    </a:rPr>
+                                    <m:t>𝑖</m:t>
+                                  </m:r>
+                                </m:sub>
+                                <m:sup>
+                                  <m:r>
+                                    <a:rPr lang="en-US" b="0" i="1" smtClean="0">
+                                      <a:latin typeface="Cambria Math" panose="02040503050406030204" pitchFamily="18" charset="0"/>
+                                    </a:rPr>
+                                    <m:t>𝑎</m:t>
+                                  </m:r>
+                                </m:sup>
+                              </m:sSubSup>
+                            </m:e>
+                          </m:nary>
+                        </m:e>
+                      </m:nary>
+                      <m:r>
+                        <a:rPr lang="en-US" b="0" i="1" smtClean="0">
+                          <a:latin typeface="Cambria Math" panose="02040503050406030204" pitchFamily="18" charset="0"/>
+                        </a:rPr>
+                        <m:t>|</m:t>
+                      </m:r>
+                      <m:sSubSup>
+                        <m:sSubSupPr>
+                          <m:ctrlPr>
+                            <a:rPr lang="en-US" b="0" i="1" smtClean="0">
+                              <a:latin typeface="Cambria Math" panose="02040503050406030204" pitchFamily="18" charset="0"/>
+                            </a:rPr>
+                          </m:ctrlPr>
+                        </m:sSubSupPr>
+                        <m:e>
+                          <m:r>
+                            <a:rPr lang="en-US" b="0" i="1" smtClean="0">
+                              <a:latin typeface="Cambria Math" panose="02040503050406030204" pitchFamily="18" charset="0"/>
+                            </a:rPr>
+                            <m:t>𝜓</m:t>
+                          </m:r>
+                        </m:e>
+                        <m:sub>
+                          <m:r>
+                            <a:rPr lang="en-US" b="0" i="1" smtClean="0">
+                              <a:latin typeface="Cambria Math" panose="02040503050406030204" pitchFamily="18" charset="0"/>
+                            </a:rPr>
+                            <m:t>𝑖</m:t>
+                          </m:r>
+                        </m:sub>
+                        <m:sup>
+                          <m:r>
+                            <a:rPr lang="en-US" b="0" i="1" smtClean="0">
+                              <a:latin typeface="Cambria Math" panose="02040503050406030204" pitchFamily="18" charset="0"/>
+                            </a:rPr>
+                            <m:t>𝑎</m:t>
+                          </m:r>
+                        </m:sup>
+                      </m:sSubSup>
+                      <m:r>
+                        <a:rPr lang="en-US" b="0" i="1" smtClean="0">
+                          <a:latin typeface="Cambria Math" panose="02040503050406030204" pitchFamily="18" charset="0"/>
+                        </a:rPr>
+                        <m:t>⟩</m:t>
+                      </m:r>
+                    </m:oMath>
+                  </m:oMathPara>
+                </a14:m>
+                <a:endParaRPr lang="en-US" dirty="0"/>
+              </a:p>
+            </p:txBody>
+          </p:sp>
+        </mc:Choice>
+        <mc:Fallback xmlns="">
+          <p:sp>
+            <p:nvSpPr>
+              <p:cNvPr id="10" name="TextBox 9">
+                <a:extLst>
+                  <a:ext uri="{FF2B5EF4-FFF2-40B4-BE49-F238E27FC236}">
+                    <a16:creationId xmlns:a16="http://schemas.microsoft.com/office/drawing/2014/main" id="{80EB2E96-9A16-EA45-8A92-C268A46697E9}"/>
+                  </a:ext>
+                </a:extLst>
+              </p:cNvPr>
+              <p:cNvSpPr txBox="1">
+                <a:spLocks noRot="1" noChangeAspect="1" noMove="1" noResize="1" noEditPoints="1" noAdjustHandles="1" noChangeArrowheads="1" noChangeShapeType="1" noTextEdit="1"/>
+              </p:cNvSpPr>
+              <p:nvPr/>
+            </p:nvSpPr>
+            <p:spPr>
+              <a:xfrm>
+                <a:off x="3605494" y="5183678"/>
+                <a:ext cx="2473498" cy="672235"/>
+              </a:xfrm>
+              <a:prstGeom prst="rect">
+                <a:avLst/>
+              </a:prstGeom>
+              <a:blipFill>
+                <a:blip r:embed="rId9"/>
+                <a:stretch>
+                  <a:fillRect t="-146296" r="-1531" b="-198148"/>
+                </a:stretch>
+              </a:blipFill>
+            </p:spPr>
+            <p:txBody>
+              <a:bodyPr/>
+              <a:lstStyle/>
+              <a:p>
+                <a:r>
+                  <a:rPr lang="en-US">
+                    <a:noFill/>
+                  </a:rPr>
+                  <a:t> </a:t>
+                </a:r>
+              </a:p>
+            </p:txBody>
+          </p:sp>
+        </mc:Fallback>
+      </mc:AlternateContent>
+      <mc:AlternateContent xmlns:mc="http://schemas.openxmlformats.org/markup-compatibility/2006" xmlns:a14="http://schemas.microsoft.com/office/drawing/2010/main">
+        <mc:Choice Requires="a14">
+          <p:sp>
+            <p:nvSpPr>
+              <p:cNvPr id="7" name="Rectangle 6">
+                <a:extLst>
+                  <a:ext uri="{FF2B5EF4-FFF2-40B4-BE49-F238E27FC236}">
+                    <a16:creationId xmlns:a16="http://schemas.microsoft.com/office/drawing/2014/main" id="{6EFF4AFF-BA93-A64F-A39A-10EA0EBE68B5}"/>
+                  </a:ext>
+                </a:extLst>
+              </p:cNvPr>
+              <p:cNvSpPr/>
+              <p:nvPr/>
+            </p:nvSpPr>
+            <p:spPr>
+              <a:xfrm>
+                <a:off x="6329517" y="5121865"/>
+                <a:ext cx="2791854" cy="795859"/>
+              </a:xfrm>
+              <a:prstGeom prst="rect">
+                <a:avLst/>
+              </a:prstGeom>
+            </p:spPr>
+            <p:txBody>
+              <a:bodyPr wrap="none">
+                <a:spAutoFit/>
+              </a:bodyPr>
+              <a:lstStyle/>
+              <a:p>
+                <a:pPr/>
+                <a14:m>
+                  <m:oMathPara xmlns:m="http://schemas.openxmlformats.org/officeDocument/2006/math">
+                    <m:oMathParaPr>
+                      <m:jc m:val="centerGroup"/>
+                    </m:oMathParaPr>
+                    <m:oMath xmlns:m="http://schemas.openxmlformats.org/officeDocument/2006/math">
+                      <m:sSub>
+                        <m:sSubPr>
+                          <m:ctrlPr>
+                            <a:rPr lang="en-US" i="1" smtClean="0">
+                              <a:latin typeface="Cambria Math" panose="02040503050406030204" pitchFamily="18" charset="0"/>
+                            </a:rPr>
+                          </m:ctrlPr>
+                        </m:sSubPr>
+                        <m:e>
+                          <m:acc>
+                            <m:accPr>
+                              <m:chr m:val="̂"/>
+                              <m:ctrlPr>
+                                <a:rPr lang="en-US" i="1">
+                                  <a:latin typeface="Cambria Math" panose="02040503050406030204" pitchFamily="18" charset="0"/>
+                                </a:rPr>
+                              </m:ctrlPr>
+                            </m:accPr>
+                            <m:e>
+                              <m:r>
+                                <a:rPr lang="en-US" i="1">
+                                  <a:latin typeface="Cambria Math" panose="02040503050406030204" pitchFamily="18" charset="0"/>
+                                </a:rPr>
+                                <m:t>𝑇</m:t>
+                              </m:r>
+                            </m:e>
+                          </m:acc>
+                        </m:e>
+                        <m:sub>
+                          <m:r>
+                            <a:rPr lang="en-US" b="0" i="1" smtClean="0">
+                              <a:latin typeface="Cambria Math" panose="02040503050406030204" pitchFamily="18" charset="0"/>
+                            </a:rPr>
+                            <m:t>2</m:t>
+                          </m:r>
+                        </m:sub>
+                      </m:sSub>
+                      <m:r>
+                        <a:rPr lang="en-US" i="1">
+                          <a:latin typeface="Cambria Math" panose="02040503050406030204" pitchFamily="18" charset="0"/>
+                        </a:rPr>
+                        <m:t>|</m:t>
+                      </m:r>
+                      <m:sSub>
+                        <m:sSubPr>
+                          <m:ctrlPr>
+                            <a:rPr lang="en-US" i="1">
+                              <a:latin typeface="Cambria Math" panose="02040503050406030204" pitchFamily="18" charset="0"/>
+                            </a:rPr>
+                          </m:ctrlPr>
+                        </m:sSubPr>
+                        <m:e>
+                          <m:r>
+                            <a:rPr lang="en-US" i="1">
+                              <a:latin typeface="Cambria Math" panose="02040503050406030204" pitchFamily="18" charset="0"/>
+                            </a:rPr>
+                            <m:t>𝜓</m:t>
+                          </m:r>
+                        </m:e>
+                        <m:sub>
+                          <m:r>
+                            <a:rPr lang="en-US" i="1">
+                              <a:latin typeface="Cambria Math" panose="02040503050406030204" pitchFamily="18" charset="0"/>
+                            </a:rPr>
+                            <m:t>0</m:t>
+                          </m:r>
+                        </m:sub>
+                      </m:sSub>
+                      <m:r>
+                        <a:rPr lang="en-US" i="1">
+                          <a:latin typeface="Cambria Math" panose="02040503050406030204" pitchFamily="18" charset="0"/>
+                        </a:rPr>
+                        <m:t>⟩=</m:t>
+                      </m:r>
+                      <m:nary>
+                        <m:naryPr>
+                          <m:chr m:val="∑"/>
+                          <m:supHide m:val="on"/>
+                          <m:ctrlPr>
+                            <a:rPr lang="en-US" i="1">
+                              <a:latin typeface="Cambria Math" panose="02040503050406030204" pitchFamily="18" charset="0"/>
+                            </a:rPr>
+                          </m:ctrlPr>
+                        </m:naryPr>
+                        <m:sub>
+                          <m:r>
+                            <a:rPr lang="en-US" i="1">
+                              <a:latin typeface="Cambria Math" panose="02040503050406030204" pitchFamily="18" charset="0"/>
+                            </a:rPr>
+                            <m:t>𝑖</m:t>
+                          </m:r>
+                          <m:r>
+                            <a:rPr lang="en-US" b="0" i="1" smtClean="0">
+                              <a:latin typeface="Cambria Math" panose="02040503050406030204" pitchFamily="18" charset="0"/>
+                            </a:rPr>
+                            <m:t>𝑗</m:t>
+                          </m:r>
+                        </m:sub>
+                        <m:sup/>
+                        <m:e>
+                          <m:nary>
+                            <m:naryPr>
+                              <m:chr m:val="∑"/>
+                              <m:supHide m:val="on"/>
+                              <m:ctrlPr>
+                                <a:rPr lang="en-US" i="1">
+                                  <a:latin typeface="Cambria Math" panose="02040503050406030204" pitchFamily="18" charset="0"/>
+                                </a:rPr>
+                              </m:ctrlPr>
+                            </m:naryPr>
+                            <m:sub>
+                              <m:r>
+                                <a:rPr lang="en-US" i="1">
+                                  <a:latin typeface="Cambria Math" panose="02040503050406030204" pitchFamily="18" charset="0"/>
+                                </a:rPr>
+                                <m:t>𝑎</m:t>
+                              </m:r>
+                              <m:r>
+                                <a:rPr lang="en-US" b="0" i="1" smtClean="0">
+                                  <a:latin typeface="Cambria Math" panose="02040503050406030204" pitchFamily="18" charset="0"/>
+                                </a:rPr>
+                                <m:t>𝑏</m:t>
+                              </m:r>
+                            </m:sub>
+                            <m:sup/>
+                            <m:e>
+                              <m:sSubSup>
+                                <m:sSubSupPr>
+                                  <m:ctrlPr>
+                                    <a:rPr lang="en-US" i="1">
+                                      <a:latin typeface="Cambria Math" panose="02040503050406030204" pitchFamily="18" charset="0"/>
+                                    </a:rPr>
+                                  </m:ctrlPr>
+                                </m:sSubSupPr>
+                                <m:e>
+                                  <m:r>
+                                    <a:rPr lang="en-US" i="1">
+                                      <a:latin typeface="Cambria Math" panose="02040503050406030204" pitchFamily="18" charset="0"/>
+                                    </a:rPr>
+                                    <m:t>𝑡</m:t>
+                                  </m:r>
+                                </m:e>
+                                <m:sub>
+                                  <m:r>
+                                    <a:rPr lang="en-US" i="1">
+                                      <a:latin typeface="Cambria Math" panose="02040503050406030204" pitchFamily="18" charset="0"/>
+                                    </a:rPr>
+                                    <m:t>𝑖</m:t>
+                                  </m:r>
+                                  <m:r>
+                                    <a:rPr lang="en-US" b="0" i="1" smtClean="0">
+                                      <a:latin typeface="Cambria Math" panose="02040503050406030204" pitchFamily="18" charset="0"/>
+                                    </a:rPr>
+                                    <m:t>𝑗</m:t>
+                                  </m:r>
+                                </m:sub>
+                                <m:sup>
+                                  <m:r>
+                                    <a:rPr lang="en-US" i="1">
+                                      <a:latin typeface="Cambria Math" panose="02040503050406030204" pitchFamily="18" charset="0"/>
+                                    </a:rPr>
+                                    <m:t>𝑎</m:t>
+                                  </m:r>
+                                  <m:r>
+                                    <a:rPr lang="en-US" b="0" i="1" smtClean="0">
+                                      <a:latin typeface="Cambria Math" panose="02040503050406030204" pitchFamily="18" charset="0"/>
+                                    </a:rPr>
+                                    <m:t>𝑏</m:t>
+                                  </m:r>
+                                </m:sup>
+                              </m:sSubSup>
+                            </m:e>
+                          </m:nary>
+                        </m:e>
+                      </m:nary>
+                      <m:r>
+                        <a:rPr lang="en-US" i="1">
+                          <a:latin typeface="Cambria Math" panose="02040503050406030204" pitchFamily="18" charset="0"/>
+                        </a:rPr>
+                        <m:t>|</m:t>
+                      </m:r>
+                      <m:sSubSup>
+                        <m:sSubSupPr>
+                          <m:ctrlPr>
+                            <a:rPr lang="en-US" i="1">
+                              <a:latin typeface="Cambria Math" panose="02040503050406030204" pitchFamily="18" charset="0"/>
+                            </a:rPr>
+                          </m:ctrlPr>
+                        </m:sSubSupPr>
+                        <m:e>
+                          <m:r>
+                            <a:rPr lang="en-US" i="1">
+                              <a:latin typeface="Cambria Math" panose="02040503050406030204" pitchFamily="18" charset="0"/>
+                            </a:rPr>
+                            <m:t>𝜓</m:t>
+                          </m:r>
+                        </m:e>
+                        <m:sub>
+                          <m:r>
+                            <a:rPr lang="en-US" i="1">
+                              <a:latin typeface="Cambria Math" panose="02040503050406030204" pitchFamily="18" charset="0"/>
+                            </a:rPr>
+                            <m:t>𝑖</m:t>
+                          </m:r>
+                          <m:r>
+                            <a:rPr lang="en-US" b="0" i="1" smtClean="0">
+                              <a:latin typeface="Cambria Math" panose="02040503050406030204" pitchFamily="18" charset="0"/>
+                            </a:rPr>
+                            <m:t>𝑗</m:t>
+                          </m:r>
+                        </m:sub>
+                        <m:sup>
+                          <m:r>
+                            <a:rPr lang="en-US" i="1">
+                              <a:latin typeface="Cambria Math" panose="02040503050406030204" pitchFamily="18" charset="0"/>
+                            </a:rPr>
+                            <m:t>𝑎</m:t>
+                          </m:r>
+                          <m:r>
+                            <a:rPr lang="en-US" b="0" i="1" smtClean="0">
+                              <a:latin typeface="Cambria Math" panose="02040503050406030204" pitchFamily="18" charset="0"/>
+                            </a:rPr>
+                            <m:t>𝑏</m:t>
+                          </m:r>
+                        </m:sup>
+                      </m:sSubSup>
+                      <m:r>
+                        <a:rPr lang="en-US" i="1">
+                          <a:latin typeface="Cambria Math" panose="02040503050406030204" pitchFamily="18" charset="0"/>
+                        </a:rPr>
+                        <m:t>⟩</m:t>
+                      </m:r>
+                    </m:oMath>
+                  </m:oMathPara>
+                </a14:m>
+                <a:endParaRPr lang="en-US" dirty="0"/>
+              </a:p>
+            </p:txBody>
+          </p:sp>
+        </mc:Choice>
+        <mc:Fallback xmlns="">
+          <p:sp>
+            <p:nvSpPr>
+              <p:cNvPr id="7" name="Rectangle 6">
+                <a:extLst>
+                  <a:ext uri="{FF2B5EF4-FFF2-40B4-BE49-F238E27FC236}">
+                    <a16:creationId xmlns:a16="http://schemas.microsoft.com/office/drawing/2014/main" id="{6EFF4AFF-BA93-A64F-A39A-10EA0EBE68B5}"/>
+                  </a:ext>
+                </a:extLst>
+              </p:cNvPr>
+              <p:cNvSpPr>
+                <a:spLocks noRot="1" noChangeAspect="1" noMove="1" noResize="1" noEditPoints="1" noAdjustHandles="1" noChangeArrowheads="1" noChangeShapeType="1" noTextEdit="1"/>
+              </p:cNvSpPr>
+              <p:nvPr/>
+            </p:nvSpPr>
+            <p:spPr>
+              <a:xfrm>
+                <a:off x="6329517" y="5121865"/>
+                <a:ext cx="2791854" cy="795859"/>
+              </a:xfrm>
+              <a:prstGeom prst="rect">
+                <a:avLst/>
+              </a:prstGeom>
+              <a:blipFill>
+                <a:blip r:embed="rId10"/>
+                <a:stretch>
+                  <a:fillRect t="-117188" b="-157813"/>
+                </a:stretch>
+              </a:blipFill>
+            </p:spPr>
+            <p:txBody>
+              <a:bodyPr/>
+              <a:lstStyle/>
+              <a:p>
+                <a:r>
+                  <a:rPr lang="en-US">
+                    <a:noFill/>
+                  </a:rPr>
+                  <a:t> </a:t>
+                </a:r>
+              </a:p>
+            </p:txBody>
+          </p:sp>
+        </mc:Fallback>
+      </mc:AlternateContent>
+      <p:pic>
+        <p:nvPicPr>
+          <p:cNvPr id="11" name="Picture 10">
+            <a:extLst>
+              <a:ext uri="{FF2B5EF4-FFF2-40B4-BE49-F238E27FC236}">
+                <a16:creationId xmlns:a16="http://schemas.microsoft.com/office/drawing/2014/main" id="{926284C8-9E6A-664E-ACED-23C5406CA02D}"/>
+              </a:ext>
+            </a:extLst>
+          </p:cNvPr>
+          <p:cNvPicPr>
+            <a:picLocks noChangeAspect="1"/>
+          </p:cNvPicPr>
+          <p:nvPr/>
+        </p:nvPicPr>
+        <p:blipFill>
+          <a:blip r:embed="rId11"/>
+          <a:stretch>
+            <a:fillRect/>
+          </a:stretch>
+        </p:blipFill>
+        <p:spPr>
+          <a:xfrm>
+            <a:off x="9558067" y="4604499"/>
+            <a:ext cx="1985377" cy="1551076"/>
+          </a:xfrm>
+          <a:prstGeom prst="rect">
+            <a:avLst/>
+          </a:prstGeom>
+        </p:spPr>
+      </p:pic>
+      <p:sp>
+        <p:nvSpPr>
+          <p:cNvPr id="6" name="TextBox 5">
+            <a:extLst>
+              <a:ext uri="{FF2B5EF4-FFF2-40B4-BE49-F238E27FC236}">
+                <a16:creationId xmlns:a16="http://schemas.microsoft.com/office/drawing/2014/main" id="{7EEF81F5-D122-B142-9BE4-F667357E894F}"/>
+              </a:ext>
+            </a:extLst>
+          </p:cNvPr>
+          <p:cNvSpPr txBox="1"/>
+          <p:nvPr/>
+        </p:nvSpPr>
+        <p:spPr>
+          <a:xfrm>
+            <a:off x="1223745" y="5855913"/>
+            <a:ext cx="3388941" cy="369332"/>
+          </a:xfrm>
+          <a:prstGeom prst="rect">
+            <a:avLst/>
+          </a:prstGeom>
+          <a:noFill/>
+        </p:spPr>
+        <p:txBody>
+          <a:bodyPr wrap="none" rtlCol="0">
+            <a:spAutoFit/>
+          </a:bodyPr>
+          <a:lstStyle/>
+          <a:p>
+            <a:r>
+              <a:rPr lang="en-US" dirty="0"/>
+              <a:t>*Active space is chosen for CCSD.  </a:t>
+            </a:r>
+          </a:p>
+        </p:txBody>
+      </p:sp>
     </p:spTree>
     <p:extLst>
       <p:ext uri="{BB962C8B-B14F-4D97-AF65-F5344CB8AC3E}">
@@ -13058,6 +17336,14 @@
   <p:clrMapOvr>
     <a:masterClrMapping/>
   </p:clrMapOvr>
+  <mc:AlternateContent xmlns:mc="http://schemas.openxmlformats.org/markup-compatibility/2006" xmlns:p14="http://schemas.microsoft.com/office/powerpoint/2010/main">
+    <mc:Choice Requires="p14">
+      <p:transition spd="slow" p14:dur="2000" advTm="117066"/>
+    </mc:Choice>
+    <mc:Fallback xmlns="">
+      <p:transition spd="slow" advTm="117066"/>
+    </mc:Fallback>
+  </mc:AlternateContent>
 </p:sld>
 </file>
 
@@ -13096,12 +17382,14 @@
         </p:nvSpPr>
         <p:spPr/>
         <p:txBody>
-          <a:bodyPr/>
+          <a:bodyPr>
+            <a:normAutofit fontScale="90000"/>
+          </a:bodyPr>
           <a:lstStyle/>
           <a:p>
             <a:r>
               <a:rPr lang="en-US" dirty="0"/>
-              <a:t>When RCCSD fails?</a:t>
+              <a:t>Limit of strong correlation : elongated bonds</a:t>
             </a:r>
           </a:p>
         </p:txBody>
@@ -13286,9 +17574,9 @@
                 <a:avLst/>
               </a:prstGeom>
               <a:blipFill>
-                <a:blip r:embed="rId2"/>
+                <a:blip r:embed="rId6"/>
                 <a:stretch>
-                  <a:fillRect l="-1786"/>
+                  <a:fillRect l="-2116"/>
                 </a:stretch>
               </a:blipFill>
             </p:spPr>
@@ -13324,7 +17612,7 @@
               <p:nvPr>
                 <p:extLst>
                   <p:ext uri="{D42A27DB-BD31-4B8C-83A1-F6EECF244321}">
-                    <p14:modId xmlns:p14="http://schemas.microsoft.com/office/powerpoint/2010/main" val="3556378907"/>
+                    <p14:modId xmlns:p14="http://schemas.microsoft.com/office/powerpoint/2010/main" val="2280176117"/>
                   </p:ext>
                 </p:extLst>
               </p:nvPr>
@@ -13493,7 +17781,7 @@
                             <a:rPr lang="en-US" sz="1800" dirty="0">
                               <a:latin typeface="+mn-lt"/>
                             </a:rPr>
-                            <a:t>RCCSD</a:t>
+                            <a:t>R-CCSD </a:t>
                           </a:r>
                         </a:p>
                       </a:txBody>
@@ -13575,7 +17863,7 @@
                             <a:rPr lang="en-US" sz="1800" dirty="0">
                               <a:latin typeface="+mn-lt"/>
                             </a:rPr>
-                            <a:t>CASCI</a:t>
+                            <a:t>CASCI </a:t>
                           </a:r>
                         </a:p>
                       </a:txBody>
@@ -13813,7 +18101,7 @@
               <p:nvPr>
                 <p:extLst>
                   <p:ext uri="{D42A27DB-BD31-4B8C-83A1-F6EECF244321}">
-                    <p14:modId xmlns:p14="http://schemas.microsoft.com/office/powerpoint/2010/main" val="3556378907"/>
+                    <p14:modId xmlns:p14="http://schemas.microsoft.com/office/powerpoint/2010/main" val="2280176117"/>
                   </p:ext>
                 </p:extLst>
               </p:nvPr>
@@ -13869,9 +18157,9 @@
                       </a:txBody>
                       <a:tcPr>
                         <a:blipFill>
-                          <a:blip r:embed="rId3"/>
+                          <a:blip r:embed="rId7"/>
                           <a:stretch>
-                            <a:fillRect l="-625" t="-6897" r="-301250" b="-444828"/>
+                            <a:fillRect l="-625" t="-6897" r="-301250" b="-448276"/>
                           </a:stretch>
                         </a:blipFill>
                       </a:tcPr>
@@ -13948,7 +18236,7 @@
                             <a:rPr lang="en-US" sz="1800" dirty="0">
                               <a:latin typeface="+mn-lt"/>
                             </a:rPr>
-                            <a:t>RCCSD</a:t>
+                            <a:t>R-CCSD </a:t>
                           </a:r>
                         </a:p>
                       </a:txBody>
@@ -14030,7 +18318,7 @@
                             <a:rPr lang="en-US" sz="1800" dirty="0">
                               <a:latin typeface="+mn-lt"/>
                             </a:rPr>
-                            <a:t>CASCI</a:t>
+                            <a:t>CASCI </a:t>
                           </a:r>
                         </a:p>
                       </a:txBody>
@@ -14268,7 +18556,7 @@
           <p:nvPr/>
         </p:nvPicPr>
         <p:blipFill>
-          <a:blip r:embed="rId4"/>
+          <a:blip r:embed="rId8"/>
           <a:stretch>
             <a:fillRect/>
           </a:stretch>
@@ -14297,8 +18585,8 @@
         </p:nvSpPr>
         <p:spPr>
           <a:xfrm rot="2360473">
-            <a:off x="8217745" y="3205240"/>
-            <a:ext cx="3043334" cy="553998"/>
+            <a:off x="7854968" y="3127637"/>
+            <a:ext cx="4229043" cy="553998"/>
           </a:xfrm>
           <a:prstGeom prst="rect">
             <a:avLst/>
@@ -14328,12 +18616,622 @@
                   <a:schemeClr val="accent4"/>
                 </a:solidFill>
               </a:rPr>
-              <a:t>Static Correlation</a:t>
+              <a:t>Spin Symmetry Breaking</a:t>
             </a:r>
           </a:p>
         </p:txBody>
       </p:sp>
+      <p:sp>
+        <p:nvSpPr>
+          <p:cNvPr id="3" name="Rectangle 2">
+            <a:extLst>
+              <a:ext uri="{FF2B5EF4-FFF2-40B4-BE49-F238E27FC236}">
+                <a16:creationId xmlns:a16="http://schemas.microsoft.com/office/drawing/2014/main" id="{BD87C351-0337-AA4F-9DB4-3BE47FBED4F9}"/>
+              </a:ext>
+            </a:extLst>
+          </p:cNvPr>
+          <p:cNvSpPr/>
+          <p:nvPr/>
+        </p:nvSpPr>
+        <p:spPr>
+          <a:xfrm>
+            <a:off x="3343142" y="4255435"/>
+            <a:ext cx="688009" cy="353943"/>
+          </a:xfrm>
+          <a:prstGeom prst="rect">
+            <a:avLst/>
+          </a:prstGeom>
+          <a:noFill/>
+        </p:spPr>
+        <p:txBody>
+          <a:bodyPr wrap="none" lIns="91440" tIns="45720" rIns="91440" bIns="45720">
+            <a:spAutoFit/>
+          </a:bodyPr>
+          <a:lstStyle/>
+          <a:p>
+            <a:pPr algn="ctr"/>
+            <a:r>
+              <a:rPr lang="en-US" sz="1700" b="0" cap="none" spc="0" dirty="0">
+                <a:ln w="0"/>
+                <a:solidFill>
+                  <a:srgbClr val="0070C0"/>
+                </a:solidFill>
+                <a:effectLst>
+                  <a:outerShdw blurRad="38100" dist="25400" dir="5400000" algn="ctr" rotWithShape="0">
+                    <a:srgbClr val="6E747A">
+                      <a:alpha val="43000"/>
+                    </a:srgbClr>
+                  </a:outerShdw>
+                </a:effectLst>
+              </a:rPr>
+              <a:t>S=1.0</a:t>
+            </a:r>
+          </a:p>
+        </p:txBody>
+      </p:sp>
+      <mc:AlternateContent xmlns:mc="http://schemas.openxmlformats.org/markup-compatibility/2006" xmlns:a14="http://schemas.microsoft.com/office/drawing/2010/main">
+        <mc:Choice Requires="a14">
+          <p:sp>
+            <p:nvSpPr>
+              <p:cNvPr id="8" name="TextBox 7">
+                <a:extLst>
+                  <a:ext uri="{FF2B5EF4-FFF2-40B4-BE49-F238E27FC236}">
+                    <a16:creationId xmlns:a16="http://schemas.microsoft.com/office/drawing/2014/main" id="{316759BD-D553-AD40-83EF-FB95C88C527E}"/>
+                  </a:ext>
+                </a:extLst>
+              </p:cNvPr>
+              <p:cNvSpPr txBox="1"/>
+              <p:nvPr/>
+            </p:nvSpPr>
+            <p:spPr>
+              <a:xfrm>
+                <a:off x="1295402" y="5558106"/>
+                <a:ext cx="7354513" cy="597471"/>
+              </a:xfrm>
+              <a:prstGeom prst="rect">
+                <a:avLst/>
+              </a:prstGeom>
+              <a:noFill/>
+            </p:spPr>
+            <p:txBody>
+              <a:bodyPr wrap="none" lIns="0" tIns="0" rIns="0" bIns="0" rtlCol="0">
+                <a:spAutoFit/>
+              </a:bodyPr>
+              <a:lstStyle/>
+              <a:p>
+                <a:pPr/>
+                <a14:m>
+                  <m:oMathPara xmlns:m="http://schemas.openxmlformats.org/officeDocument/2006/math">
+                    <m:oMathParaPr>
+                      <m:jc m:val="centerGroup"/>
+                    </m:oMathParaPr>
+                    <m:oMath xmlns:m="http://schemas.openxmlformats.org/officeDocument/2006/math">
+                      <m:sSub>
+                        <m:sSubPr>
+                          <m:ctrlPr>
+                            <a:rPr lang="en-US" sz="1600" b="0" i="1" smtClean="0">
+                              <a:latin typeface="Cambria Math" panose="02040503050406030204" pitchFamily="18" charset="0"/>
+                            </a:rPr>
+                          </m:ctrlPr>
+                        </m:sSubPr>
+                        <m:e>
+                          <m:r>
+                            <a:rPr lang="en-US" sz="1600" b="0" i="1" smtClean="0">
+                              <a:latin typeface="Cambria Math" panose="02040503050406030204" pitchFamily="18" charset="0"/>
+                            </a:rPr>
+                            <m:t>𝐿</m:t>
+                          </m:r>
+                        </m:e>
+                        <m:sub>
+                          <m:r>
+                            <a:rPr lang="en-US" sz="1600" b="0" i="1" smtClean="0">
+                              <a:latin typeface="Cambria Math" panose="02040503050406030204" pitchFamily="18" charset="0"/>
+                            </a:rPr>
+                            <m:t>𝑐𝑜𝑠𝑡</m:t>
+                          </m:r>
+                        </m:sub>
+                      </m:sSub>
+                      <m:r>
+                        <a:rPr lang="en-US" sz="1600" b="0" i="1" smtClean="0">
+                          <a:latin typeface="Cambria Math" panose="02040503050406030204" pitchFamily="18" charset="0"/>
+                        </a:rPr>
+                        <m:t>=</m:t>
+                      </m:r>
+                      <m:sSub>
+                        <m:sSubPr>
+                          <m:ctrlPr>
+                            <a:rPr lang="en-US" sz="1600" i="1">
+                              <a:latin typeface="Cambria Math" panose="02040503050406030204" pitchFamily="18" charset="0"/>
+                            </a:rPr>
+                          </m:ctrlPr>
+                        </m:sSubPr>
+                        <m:e>
+                          <m:r>
+                            <a:rPr lang="en-US" sz="1600" i="1">
+                              <a:latin typeface="Cambria Math" panose="02040503050406030204" pitchFamily="18" charset="0"/>
+                            </a:rPr>
+                            <m:t>𝐿</m:t>
+                          </m:r>
+                        </m:e>
+                        <m:sub>
+                          <m:r>
+                            <a:rPr lang="en-US" sz="1600" b="0" i="1" smtClean="0">
+                              <a:latin typeface="Cambria Math" panose="02040503050406030204" pitchFamily="18" charset="0"/>
+                            </a:rPr>
+                            <m:t>𝑒𝑛𝑒𝑟𝑔𝑦</m:t>
+                          </m:r>
+                        </m:sub>
+                      </m:sSub>
+                      <m:r>
+                        <a:rPr lang="en-US" sz="1600" i="1">
+                          <a:latin typeface="Cambria Math" panose="02040503050406030204" pitchFamily="18" charset="0"/>
+                        </a:rPr>
+                        <m:t> +</m:t>
+                      </m:r>
+                      <m:sSub>
+                        <m:sSubPr>
+                          <m:ctrlPr>
+                            <a:rPr lang="en-US" sz="1600" b="0" i="1" smtClean="0">
+                              <a:latin typeface="Cambria Math" panose="02040503050406030204" pitchFamily="18" charset="0"/>
+                            </a:rPr>
+                          </m:ctrlPr>
+                        </m:sSubPr>
+                        <m:e>
+                          <m:r>
+                            <a:rPr lang="en-US" sz="1600" i="1">
+                              <a:latin typeface="Cambria Math" panose="02040503050406030204" pitchFamily="18" charset="0"/>
+                            </a:rPr>
+                            <m:t>𝐿</m:t>
+                          </m:r>
+                        </m:e>
+                        <m:sub>
+                          <m:r>
+                            <a:rPr lang="en-US" sz="1600" b="0" i="1" smtClean="0">
+                              <a:latin typeface="Cambria Math" panose="02040503050406030204" pitchFamily="18" charset="0"/>
+                            </a:rPr>
+                            <m:t>𝑝𝑒𝑛𝑎𝑙𝑡𝑦</m:t>
+                          </m:r>
+                        </m:sub>
+                      </m:sSub>
+                      <m:r>
+                        <a:rPr lang="en-US" sz="1600" i="1">
+                          <a:latin typeface="Cambria Math" panose="02040503050406030204" pitchFamily="18" charset="0"/>
+                        </a:rPr>
+                        <m:t> =</m:t>
+                      </m:r>
+                      <m:d>
+                        <m:dPr>
+                          <m:begChr m:val="⟨"/>
+                          <m:endChr m:val="|"/>
+                          <m:ctrlPr>
+                            <a:rPr lang="en-US" sz="1600" i="1" smtClean="0">
+                              <a:latin typeface="Cambria Math" panose="02040503050406030204" pitchFamily="18" charset="0"/>
+                            </a:rPr>
+                          </m:ctrlPr>
+                        </m:dPr>
+                        <m:e>
+                          <m:r>
+                            <a:rPr lang="en-US" sz="1600" i="1" smtClean="0">
+                              <a:latin typeface="Cambria Math" panose="02040503050406030204" pitchFamily="18" charset="0"/>
+                            </a:rPr>
+                            <m:t>𝜓</m:t>
+                          </m:r>
+                          <m:d>
+                            <m:dPr>
+                              <m:ctrlPr>
+                                <a:rPr lang="en-US" sz="1600" i="1" smtClean="0">
+                                  <a:latin typeface="Cambria Math" panose="02040503050406030204" pitchFamily="18" charset="0"/>
+                                </a:rPr>
+                              </m:ctrlPr>
+                            </m:dPr>
+                            <m:e>
+                              <m:acc>
+                                <m:accPr>
+                                  <m:chr m:val="⃗"/>
+                                  <m:ctrlPr>
+                                    <a:rPr lang="en-US" sz="1600" i="1" smtClean="0">
+                                      <a:latin typeface="Cambria Math" panose="02040503050406030204" pitchFamily="18" charset="0"/>
+                                    </a:rPr>
+                                  </m:ctrlPr>
+                                </m:accPr>
+                                <m:e>
+                                  <m:r>
+                                    <a:rPr lang="en-US" sz="1600" b="0" i="1" smtClean="0">
+                                      <a:latin typeface="Cambria Math" panose="02040503050406030204" pitchFamily="18" charset="0"/>
+                                    </a:rPr>
+                                    <m:t>𝜃</m:t>
+                                  </m:r>
+                                </m:e>
+                              </m:acc>
+                            </m:e>
+                          </m:d>
+                        </m:e>
+                      </m:d>
+                      <m:r>
+                        <a:rPr lang="en-US" sz="1600" i="1">
+                          <a:latin typeface="Cambria Math" panose="02040503050406030204" pitchFamily="18" charset="0"/>
+                        </a:rPr>
+                        <m:t>𝐻</m:t>
+                      </m:r>
+                      <m:r>
+                        <a:rPr lang="en-US" sz="1600" i="1">
+                          <a:latin typeface="Cambria Math" panose="02040503050406030204" pitchFamily="18" charset="0"/>
+                        </a:rPr>
+                        <m:t> </m:t>
+                      </m:r>
+                      <m:d>
+                        <m:dPr>
+                          <m:begChr m:val="|"/>
+                          <m:endChr m:val="⟩"/>
+                          <m:ctrlPr>
+                            <a:rPr lang="en-US" sz="1600" i="1">
+                              <a:latin typeface="Cambria Math" panose="02040503050406030204" pitchFamily="18" charset="0"/>
+                            </a:rPr>
+                          </m:ctrlPr>
+                        </m:dPr>
+                        <m:e>
+                          <m:r>
+                            <a:rPr lang="en-US" sz="1600" i="1" smtClean="0">
+                              <a:latin typeface="Cambria Math" panose="02040503050406030204" pitchFamily="18" charset="0"/>
+                            </a:rPr>
+                            <m:t>𝜓</m:t>
+                          </m:r>
+                          <m:d>
+                            <m:dPr>
+                              <m:ctrlPr>
+                                <a:rPr lang="en-US" sz="1600" i="1" smtClean="0">
+                                  <a:latin typeface="Cambria Math" panose="02040503050406030204" pitchFamily="18" charset="0"/>
+                                </a:rPr>
+                              </m:ctrlPr>
+                            </m:dPr>
+                            <m:e>
+                              <m:acc>
+                                <m:accPr>
+                                  <m:chr m:val="⃗"/>
+                                  <m:ctrlPr>
+                                    <a:rPr lang="en-US" sz="1600" i="1" smtClean="0">
+                                      <a:latin typeface="Cambria Math" panose="02040503050406030204" pitchFamily="18" charset="0"/>
+                                    </a:rPr>
+                                  </m:ctrlPr>
+                                </m:accPr>
+                                <m:e>
+                                  <m:r>
+                                    <a:rPr lang="en-US" sz="1600" b="0" i="1" smtClean="0">
+                                      <a:latin typeface="Cambria Math" panose="02040503050406030204" pitchFamily="18" charset="0"/>
+                                    </a:rPr>
+                                    <m:t>𝜃</m:t>
+                                  </m:r>
+                                </m:e>
+                              </m:acc>
+                            </m:e>
+                          </m:d>
+                        </m:e>
+                      </m:d>
+                      <m:r>
+                        <a:rPr lang="en-US" sz="1600" i="1">
+                          <a:latin typeface="Cambria Math" panose="02040503050406030204" pitchFamily="18" charset="0"/>
+                        </a:rPr>
+                        <m:t>+</m:t>
+                      </m:r>
+                      <m:nary>
+                        <m:naryPr>
+                          <m:chr m:val="∑"/>
+                          <m:supHide m:val="on"/>
+                          <m:ctrlPr>
+                            <a:rPr lang="en-US" sz="1600" b="0" i="1" smtClean="0">
+                              <a:latin typeface="Cambria Math" panose="02040503050406030204" pitchFamily="18" charset="0"/>
+                            </a:rPr>
+                          </m:ctrlPr>
+                        </m:naryPr>
+                        <m:sub>
+                          <m:r>
+                            <a:rPr lang="en-US" sz="1600" b="0" i="1" smtClean="0">
+                              <a:latin typeface="Cambria Math" panose="02040503050406030204" pitchFamily="18" charset="0"/>
+                            </a:rPr>
+                            <m:t>𝑖</m:t>
+                          </m:r>
+                        </m:sub>
+                        <m:sup/>
+                        <m:e>
+                          <m:sSub>
+                            <m:sSubPr>
+                              <m:ctrlPr>
+                                <a:rPr lang="en-US" sz="1600" i="1">
+                                  <a:latin typeface="Cambria Math" panose="02040503050406030204" pitchFamily="18" charset="0"/>
+                                </a:rPr>
+                              </m:ctrlPr>
+                            </m:sSubPr>
+                            <m:e>
+                              <m:r>
+                                <a:rPr lang="en-US" sz="1600" i="1">
+                                  <a:latin typeface="Cambria Math" panose="02040503050406030204" pitchFamily="18" charset="0"/>
+                                </a:rPr>
+                                <m:t>𝑤</m:t>
+                              </m:r>
+                            </m:e>
+                            <m:sub>
+                              <m:r>
+                                <a:rPr lang="en-US" sz="1600" i="1">
+                                  <a:latin typeface="Cambria Math" panose="02040503050406030204" pitchFamily="18" charset="0"/>
+                                </a:rPr>
+                                <m:t>𝑖</m:t>
+                              </m:r>
+                            </m:sub>
+                          </m:sSub>
+                          <m:d>
+                            <m:dPr>
+                              <m:begChr m:val="⟨"/>
+                              <m:endChr m:val="|"/>
+                              <m:ctrlPr>
+                                <a:rPr lang="en-US" sz="1600" b="0" i="1" smtClean="0">
+                                  <a:latin typeface="Cambria Math" panose="02040503050406030204" pitchFamily="18" charset="0"/>
+                                </a:rPr>
+                              </m:ctrlPr>
+                            </m:dPr>
+                            <m:e>
+                              <m:r>
+                                <a:rPr lang="en-US" sz="1600" i="1">
+                                  <a:latin typeface="Cambria Math" panose="02040503050406030204" pitchFamily="18" charset="0"/>
+                                </a:rPr>
+                                <m:t>𝜓</m:t>
+                              </m:r>
+                              <m:d>
+                                <m:dPr>
+                                  <m:ctrlPr>
+                                    <a:rPr lang="en-US" sz="1600" i="1">
+                                      <a:latin typeface="Cambria Math" panose="02040503050406030204" pitchFamily="18" charset="0"/>
+                                    </a:rPr>
+                                  </m:ctrlPr>
+                                </m:dPr>
+                                <m:e>
+                                  <m:acc>
+                                    <m:accPr>
+                                      <m:chr m:val="⃗"/>
+                                      <m:ctrlPr>
+                                        <a:rPr lang="en-US" sz="1600" i="1">
+                                          <a:latin typeface="Cambria Math" panose="02040503050406030204" pitchFamily="18" charset="0"/>
+                                        </a:rPr>
+                                      </m:ctrlPr>
+                                    </m:accPr>
+                                    <m:e>
+                                      <m:r>
+                                        <a:rPr lang="en-US" sz="1600" i="1">
+                                          <a:latin typeface="Cambria Math" panose="02040503050406030204" pitchFamily="18" charset="0"/>
+                                        </a:rPr>
+                                        <m:t>𝜃</m:t>
+                                      </m:r>
+                                    </m:e>
+                                  </m:acc>
+                                </m:e>
+                              </m:d>
+                            </m:e>
+                          </m:d>
+                          <m:sSup>
+                            <m:sSupPr>
+                              <m:ctrlPr>
+                                <a:rPr lang="en-US" sz="1600" i="1">
+                                  <a:latin typeface="Cambria Math" panose="02040503050406030204" pitchFamily="18" charset="0"/>
+                                </a:rPr>
+                              </m:ctrlPr>
+                            </m:sSupPr>
+                            <m:e>
+                              <m:d>
+                                <m:dPr>
+                                  <m:ctrlPr>
+                                    <a:rPr lang="en-US" sz="1600" i="1">
+                                      <a:latin typeface="Cambria Math" panose="02040503050406030204" pitchFamily="18" charset="0"/>
+                                    </a:rPr>
+                                  </m:ctrlPr>
+                                </m:dPr>
+                                <m:e>
+                                  <m:r>
+                                    <a:rPr lang="en-US" sz="1600" i="1" smtClean="0">
+                                      <a:latin typeface="Cambria Math" panose="02040503050406030204" pitchFamily="18" charset="0"/>
+                                    </a:rPr>
+                                    <m:t> </m:t>
+                                  </m:r>
+                                  <m:acc>
+                                    <m:accPr>
+                                      <m:chr m:val="̂"/>
+                                      <m:ctrlPr>
+                                        <a:rPr lang="en-US" sz="1600" i="1" smtClean="0">
+                                          <a:latin typeface="Cambria Math" panose="02040503050406030204" pitchFamily="18" charset="0"/>
+                                        </a:rPr>
+                                      </m:ctrlPr>
+                                    </m:accPr>
+                                    <m:e>
+                                      <m:r>
+                                        <a:rPr lang="en-US" sz="1600" b="0" i="1" smtClean="0">
+                                          <a:latin typeface="Cambria Math" panose="02040503050406030204" pitchFamily="18" charset="0"/>
+                                        </a:rPr>
+                                        <m:t>𝑂</m:t>
+                                      </m:r>
+                                    </m:e>
+                                  </m:acc>
+                                  <m:d>
+                                    <m:dPr>
+                                      <m:ctrlPr>
+                                        <a:rPr lang="en-US" sz="1600" b="0" i="1" smtClean="0">
+                                          <a:latin typeface="Cambria Math" panose="02040503050406030204" pitchFamily="18" charset="0"/>
+                                        </a:rPr>
+                                      </m:ctrlPr>
+                                    </m:dPr>
+                                    <m:e>
+                                      <m:acc>
+                                        <m:accPr>
+                                          <m:chr m:val="⃗"/>
+                                          <m:ctrlPr>
+                                            <a:rPr lang="en-US" sz="1600" i="1">
+                                              <a:latin typeface="Cambria Math" panose="02040503050406030204" pitchFamily="18" charset="0"/>
+                                            </a:rPr>
+                                          </m:ctrlPr>
+                                        </m:accPr>
+                                        <m:e>
+                                          <m:r>
+                                            <a:rPr lang="en-US" sz="1600" i="1">
+                                              <a:latin typeface="Cambria Math" panose="02040503050406030204" pitchFamily="18" charset="0"/>
+                                            </a:rPr>
+                                            <m:t>𝜃</m:t>
+                                          </m:r>
+                                        </m:e>
+                                      </m:acc>
+                                    </m:e>
+                                  </m:d>
+                                  <m:r>
+                                    <a:rPr lang="en-US" sz="1600" i="1">
+                                      <a:latin typeface="Cambria Math" panose="02040503050406030204" pitchFamily="18" charset="0"/>
+                                    </a:rPr>
+                                    <m:t>− </m:t>
+                                  </m:r>
+                                  <m:sSub>
+                                    <m:sSubPr>
+                                      <m:ctrlPr>
+                                        <a:rPr lang="en-US" sz="1600" i="1">
+                                          <a:latin typeface="Cambria Math" panose="02040503050406030204" pitchFamily="18" charset="0"/>
+                                        </a:rPr>
+                                      </m:ctrlPr>
+                                    </m:sSubPr>
+                                    <m:e>
+                                      <m:r>
+                                        <a:rPr lang="en-US" sz="1600" i="1">
+                                          <a:latin typeface="Cambria Math" panose="02040503050406030204" pitchFamily="18" charset="0"/>
+                                        </a:rPr>
+                                        <m:t>𝑜</m:t>
+                                      </m:r>
+                                    </m:e>
+                                    <m:sub>
+                                      <m:r>
+                                        <a:rPr lang="en-US" sz="1600" b="0" i="1" smtClean="0">
+                                          <a:latin typeface="Cambria Math" panose="02040503050406030204" pitchFamily="18" charset="0"/>
+                                        </a:rPr>
+                                        <m:t>𝑖</m:t>
+                                      </m:r>
+                                    </m:sub>
+                                  </m:sSub>
+                                  <m:r>
+                                    <a:rPr lang="en-US" sz="1600" i="1">
+                                      <a:latin typeface="Cambria Math" panose="02040503050406030204" pitchFamily="18" charset="0"/>
+                                    </a:rPr>
+                                    <m:t> </m:t>
+                                  </m:r>
+                                </m:e>
+                              </m:d>
+                            </m:e>
+                            <m:sup>
+                              <m:r>
+                                <a:rPr lang="en-US" sz="1600" i="1">
+                                  <a:latin typeface="Cambria Math" panose="02040503050406030204" pitchFamily="18" charset="0"/>
+                                </a:rPr>
+                                <m:t>2</m:t>
+                              </m:r>
+                            </m:sup>
+                          </m:sSup>
+                          <m:r>
+                            <a:rPr lang="en-US" sz="1600" i="1">
+                              <a:latin typeface="Cambria Math" panose="02040503050406030204" pitchFamily="18" charset="0"/>
+                            </a:rPr>
+                            <m:t> |</m:t>
+                          </m:r>
+                          <m:r>
+                            <a:rPr lang="en-US" sz="1600" i="1">
+                              <a:latin typeface="Cambria Math" panose="02040503050406030204" pitchFamily="18" charset="0"/>
+                            </a:rPr>
+                            <m:t>𝜓</m:t>
+                          </m:r>
+                          <m:d>
+                            <m:dPr>
+                              <m:ctrlPr>
+                                <a:rPr lang="en-US" sz="1600" i="1">
+                                  <a:latin typeface="Cambria Math" panose="02040503050406030204" pitchFamily="18" charset="0"/>
+                                </a:rPr>
+                              </m:ctrlPr>
+                            </m:dPr>
+                            <m:e>
+                              <m:acc>
+                                <m:accPr>
+                                  <m:chr m:val="⃗"/>
+                                  <m:ctrlPr>
+                                    <a:rPr lang="en-US" sz="1600" i="1">
+                                      <a:latin typeface="Cambria Math" panose="02040503050406030204" pitchFamily="18" charset="0"/>
+                                    </a:rPr>
+                                  </m:ctrlPr>
+                                </m:accPr>
+                                <m:e>
+                                  <m:r>
+                                    <a:rPr lang="en-US" sz="1600" i="1">
+                                      <a:latin typeface="Cambria Math" panose="02040503050406030204" pitchFamily="18" charset="0"/>
+                                    </a:rPr>
+                                    <m:t>𝜃</m:t>
+                                  </m:r>
+                                </m:e>
+                              </m:acc>
+                            </m:e>
+                          </m:d>
+                          <m:r>
+                            <a:rPr lang="en-US" sz="1600" i="1" smtClean="0">
+                              <a:latin typeface="Cambria Math" panose="02040503050406030204" pitchFamily="18" charset="0"/>
+                            </a:rPr>
+                            <m:t>⟩</m:t>
+                          </m:r>
+                        </m:e>
+                      </m:nary>
+                    </m:oMath>
+                  </m:oMathPara>
+                </a14:m>
+                <a:endParaRPr lang="en-US" sz="1600" dirty="0"/>
+              </a:p>
+            </p:txBody>
+          </p:sp>
+        </mc:Choice>
+        <mc:Fallback xmlns="">
+          <p:sp>
+            <p:nvSpPr>
+              <p:cNvPr id="8" name="TextBox 7">
+                <a:extLst>
+                  <a:ext uri="{FF2B5EF4-FFF2-40B4-BE49-F238E27FC236}">
+                    <a16:creationId xmlns:a16="http://schemas.microsoft.com/office/drawing/2014/main" id="{316759BD-D553-AD40-83EF-FB95C88C527E}"/>
+                  </a:ext>
+                </a:extLst>
+              </p:cNvPr>
+              <p:cNvSpPr txBox="1">
+                <a:spLocks noRot="1" noChangeAspect="1" noMove="1" noResize="1" noEditPoints="1" noAdjustHandles="1" noChangeArrowheads="1" noChangeShapeType="1" noTextEdit="1"/>
+              </p:cNvSpPr>
+              <p:nvPr/>
+            </p:nvSpPr>
+            <p:spPr>
+              <a:xfrm>
+                <a:off x="1295402" y="5558106"/>
+                <a:ext cx="7354513" cy="597471"/>
+              </a:xfrm>
+              <a:prstGeom prst="rect">
+                <a:avLst/>
+              </a:prstGeom>
+              <a:blipFill>
+                <a:blip r:embed="rId9"/>
+                <a:stretch>
+                  <a:fillRect l="-172" t="-147917" r="-345" b="-204167"/>
+                </a:stretch>
+              </a:blipFill>
+            </p:spPr>
+            <p:txBody>
+              <a:bodyPr/>
+              <a:lstStyle/>
+              <a:p>
+                <a:r>
+                  <a:rPr lang="en-US">
+                    <a:noFill/>
+                  </a:rPr>
+                  <a:t> </a:t>
+                </a:r>
+              </a:p>
+            </p:txBody>
+          </p:sp>
+        </mc:Fallback>
+      </mc:AlternateContent>
     </p:spTree>
+    <p:custDataLst>
+      <p:tags r:id="rId1"/>
+    </p:custDataLst>
     <p:extLst>
       <p:ext uri="{BB962C8B-B14F-4D97-AF65-F5344CB8AC3E}">
         <p14:creationId xmlns:p14="http://schemas.microsoft.com/office/powerpoint/2010/main" val="2980149255"/>
@@ -14343,6 +19241,14 @@
   <p:clrMapOvr>
     <a:masterClrMapping/>
   </p:clrMapOvr>
+  <mc:AlternateContent xmlns:mc="http://schemas.openxmlformats.org/markup-compatibility/2006" xmlns:p14="http://schemas.microsoft.com/office/powerpoint/2010/main">
+    <mc:Choice Requires="p14">
+      <p:transition spd="slow" p14:dur="2000" advTm="107221"/>
+    </mc:Choice>
+    <mc:Fallback xmlns="">
+      <p:transition spd="slow" advTm="107221"/>
+    </mc:Fallback>
+  </mc:AlternateContent>
   <p:timing>
     <p:tnLst>
       <p:par>
@@ -14364,7 +19270,7 @@
                             </p:stCondLst>
                             <p:childTnLst>
                               <p:par>
-                                <p:cTn id="5" presetID="9" presetClass="entr" presetSubtype="0" fill="hold" grpId="0" nodeType="clickEffect">
+                                <p:cTn id="5" presetID="2" presetClass="entr" presetSubtype="4" fill="hold" nodeType="clickEffect">
                                   <p:stCondLst>
                                     <p:cond delay="0"/>
                                   </p:stCondLst>
@@ -14372,6 +19278,109 @@
                                     <p:set>
                                       <p:cBhvr>
                                         <p:cTn id="6" dur="1" fill="hold">
+                                          <p:stCondLst>
+                                            <p:cond delay="0"/>
+                                          </p:stCondLst>
+                                        </p:cTn>
+                                        <p:tgtEl>
+                                          <p:spTgt spid="3">
+                                            <p:txEl>
+                                              <p:pRg st="0" end="0"/>
+                                            </p:txEl>
+                                          </p:spTgt>
+                                        </p:tgtEl>
+                                        <p:attrNameLst>
+                                          <p:attrName>style.visibility</p:attrName>
+                                        </p:attrNameLst>
+                                      </p:cBhvr>
+                                      <p:to>
+                                        <p:strVal val="visible"/>
+                                      </p:to>
+                                    </p:set>
+                                    <p:anim calcmode="lin" valueType="num">
+                                      <p:cBhvr additive="base">
+                                        <p:cTn id="7" dur="500" fill="hold"/>
+                                        <p:tgtEl>
+                                          <p:spTgt spid="3">
+                                            <p:txEl>
+                                              <p:pRg st="0" end="0"/>
+                                            </p:txEl>
+                                          </p:spTgt>
+                                        </p:tgtEl>
+                                        <p:attrNameLst>
+                                          <p:attrName>ppt_x</p:attrName>
+                                        </p:attrNameLst>
+                                      </p:cBhvr>
+                                      <p:tavLst>
+                                        <p:tav tm="0">
+                                          <p:val>
+                                            <p:strVal val="#ppt_x"/>
+                                          </p:val>
+                                        </p:tav>
+                                        <p:tav tm="100000">
+                                          <p:val>
+                                            <p:strVal val="#ppt_x"/>
+                                          </p:val>
+                                        </p:tav>
+                                      </p:tavLst>
+                                    </p:anim>
+                                    <p:anim calcmode="lin" valueType="num">
+                                      <p:cBhvr additive="base">
+                                        <p:cTn id="8" dur="500" fill="hold"/>
+                                        <p:tgtEl>
+                                          <p:spTgt spid="3">
+                                            <p:txEl>
+                                              <p:pRg st="0" end="0"/>
+                                            </p:txEl>
+                                          </p:spTgt>
+                                        </p:tgtEl>
+                                        <p:attrNameLst>
+                                          <p:attrName>ppt_y</p:attrName>
+                                        </p:attrNameLst>
+                                      </p:cBhvr>
+                                      <p:tavLst>
+                                        <p:tav tm="0">
+                                          <p:val>
+                                            <p:strVal val="1+#ppt_h/2"/>
+                                          </p:val>
+                                        </p:tav>
+                                        <p:tav tm="100000">
+                                          <p:val>
+                                            <p:strVal val="#ppt_y"/>
+                                          </p:val>
+                                        </p:tav>
+                                      </p:tavLst>
+                                    </p:anim>
+                                  </p:childTnLst>
+                                </p:cTn>
+                              </p:par>
+                            </p:childTnLst>
+                          </p:cTn>
+                        </p:par>
+                      </p:childTnLst>
+                    </p:cTn>
+                  </p:par>
+                  <p:par>
+                    <p:cTn id="9" fill="hold">
+                      <p:stCondLst>
+                        <p:cond delay="indefinite"/>
+                      </p:stCondLst>
+                      <p:childTnLst>
+                        <p:par>
+                          <p:cTn id="10" fill="hold">
+                            <p:stCondLst>
+                              <p:cond delay="0"/>
+                            </p:stCondLst>
+                            <p:childTnLst>
+                              <p:par>
+                                <p:cTn id="11" presetID="9" presetClass="entr" presetSubtype="0" fill="hold" grpId="0" nodeType="clickEffect">
+                                  <p:stCondLst>
+                                    <p:cond delay="0"/>
+                                  </p:stCondLst>
+                                  <p:childTnLst>
+                                    <p:set>
+                                      <p:cBhvr>
+                                        <p:cTn id="12" dur="1" fill="hold">
                                           <p:stCondLst>
                                             <p:cond delay="0"/>
                                           </p:stCondLst>
@@ -14389,7 +19398,7 @@
                                     </p:set>
                                     <p:animEffect transition="in" filter="dissolve">
                                       <p:cBhvr>
-                                        <p:cTn id="7" dur="500"/>
+                                        <p:cTn id="13" dur="500"/>
                                         <p:tgtEl>
                                           <p:spTgt spid="12"/>
                                         </p:tgtEl>
@@ -14430,6 +19439,36 @@
     </p:bldLst>
   </p:timing>
 </p:sld>
+</file>
+
+<file path=ppt/tags/tag1.xml><?xml version="1.0" encoding="utf-8"?>
+<p:tagLst xmlns:a="http://schemas.openxmlformats.org/drawingml/2006/main" xmlns:r="http://schemas.openxmlformats.org/officeDocument/2006/relationships" xmlns:p="http://schemas.openxmlformats.org/presentationml/2006/main">
+  <p:tag name="TIMING" val="|38.7"/>
+</p:tagLst>
+</file>
+
+<file path=ppt/tags/tag2.xml><?xml version="1.0" encoding="utf-8"?>
+<p:tagLst xmlns:a="http://schemas.openxmlformats.org/drawingml/2006/main" xmlns:r="http://schemas.openxmlformats.org/officeDocument/2006/relationships" xmlns:p="http://schemas.openxmlformats.org/presentationml/2006/main">
+  <p:tag name="TIMING" val="|43|56.4"/>
+</p:tagLst>
+</file>
+
+<file path=ppt/tags/tag3.xml><?xml version="1.0" encoding="utf-8"?>
+<p:tagLst xmlns:a="http://schemas.openxmlformats.org/drawingml/2006/main" xmlns:r="http://schemas.openxmlformats.org/officeDocument/2006/relationships" xmlns:p="http://schemas.openxmlformats.org/presentationml/2006/main">
+  <p:tag name="TIMING" val="|-1807.4|1.8"/>
+</p:tagLst>
+</file>
+
+<file path=ppt/tags/tag4.xml><?xml version="1.0" encoding="utf-8"?>
+<p:tagLst xmlns:a="http://schemas.openxmlformats.org/drawingml/2006/main" xmlns:r="http://schemas.openxmlformats.org/officeDocument/2006/relationships" xmlns:p="http://schemas.openxmlformats.org/presentationml/2006/main">
+  <p:tag name="TIMING" val="|30.4"/>
+</p:tagLst>
+</file>
+
+<file path=ppt/tags/tag5.xml><?xml version="1.0" encoding="utf-8"?>
+<p:tagLst xmlns:a="http://schemas.openxmlformats.org/drawingml/2006/main" xmlns:r="http://schemas.openxmlformats.org/officeDocument/2006/relationships" xmlns:p="http://schemas.openxmlformats.org/presentationml/2006/main">
+  <p:tag name="TIMING" val="|40.7"/>
+</p:tagLst>
 </file>
 
 <file path=ppt/theme/theme1.xml><?xml version="1.0" encoding="utf-8"?>
@@ -14663,4 +19702,299 @@
     </a:ext>
   </a:extLst>
 </a:theme>
+</file>
+
+<file path=ppt/theme/theme2.xml><?xml version="1.0" encoding="utf-8"?>
+<a:theme xmlns:a="http://schemas.openxmlformats.org/drawingml/2006/main" name="Office Theme">
+  <a:themeElements>
+    <a:clrScheme name="Office">
+      <a:dk1>
+        <a:sysClr val="windowText" lastClr="000000"/>
+      </a:dk1>
+      <a:lt1>
+        <a:sysClr val="window" lastClr="FFFFFF"/>
+      </a:lt1>
+      <a:dk2>
+        <a:srgbClr val="44546A"/>
+      </a:dk2>
+      <a:lt2>
+        <a:srgbClr val="E7E6E6"/>
+      </a:lt2>
+      <a:accent1>
+        <a:srgbClr val="4472C4"/>
+      </a:accent1>
+      <a:accent2>
+        <a:srgbClr val="ED7D31"/>
+      </a:accent2>
+      <a:accent3>
+        <a:srgbClr val="A5A5A5"/>
+      </a:accent3>
+      <a:accent4>
+        <a:srgbClr val="FFC000"/>
+      </a:accent4>
+      <a:accent5>
+        <a:srgbClr val="5B9BD5"/>
+      </a:accent5>
+      <a:accent6>
+        <a:srgbClr val="70AD47"/>
+      </a:accent6>
+      <a:hlink>
+        <a:srgbClr val="0563C1"/>
+      </a:hlink>
+      <a:folHlink>
+        <a:srgbClr val="954F72"/>
+      </a:folHlink>
+    </a:clrScheme>
+    <a:fontScheme name="Office">
+      <a:majorFont>
+        <a:latin typeface="Calibri Light" panose="020F0302020204030204"/>
+        <a:ea typeface=""/>
+        <a:cs typeface=""/>
+        <a:font script="Jpan" typeface="游ゴシック Light"/>
+        <a:font script="Hang" typeface="맑은 고딕"/>
+        <a:font script="Hans" typeface="等线 Light"/>
+        <a:font script="Hant" typeface="新細明體"/>
+        <a:font script="Arab" typeface="Times New Roman"/>
+        <a:font script="Hebr" typeface="Times New Roman"/>
+        <a:font script="Thai" typeface="Angsana New"/>
+        <a:font script="Ethi" typeface="Nyala"/>
+        <a:font script="Beng" typeface="Vrinda"/>
+        <a:font script="Gujr" typeface="Shruti"/>
+        <a:font script="Khmr" typeface="MoolBoran"/>
+        <a:font script="Knda" typeface="Tunga"/>
+        <a:font script="Guru" typeface="Raavi"/>
+        <a:font script="Cans" typeface="Euphemia"/>
+        <a:font script="Cher" typeface="Plantagenet Cherokee"/>
+        <a:font script="Yiii" typeface="Microsoft Yi Baiti"/>
+        <a:font script="Tibt" typeface="Microsoft Himalaya"/>
+        <a:font script="Thaa" typeface="MV Boli"/>
+        <a:font script="Deva" typeface="Mangal"/>
+        <a:font script="Telu" typeface="Gautami"/>
+        <a:font script="Taml" typeface="Latha"/>
+        <a:font script="Syrc" typeface="Estrangelo Edessa"/>
+        <a:font script="Orya" typeface="Kalinga"/>
+        <a:font script="Mlym" typeface="Kartika"/>
+        <a:font script="Laoo" typeface="DokChampa"/>
+        <a:font script="Sinh" typeface="Iskoola Pota"/>
+        <a:font script="Mong" typeface="Mongolian Baiti"/>
+        <a:font script="Viet" typeface="Times New Roman"/>
+        <a:font script="Uigh" typeface="Microsoft Uighur"/>
+        <a:font script="Geor" typeface="Sylfaen"/>
+        <a:font script="Armn" typeface="Arial"/>
+        <a:font script="Bugi" typeface="Leelawadee UI"/>
+        <a:font script="Bopo" typeface="Microsoft JhengHei"/>
+        <a:font script="Java" typeface="Javanese Text"/>
+        <a:font script="Lisu" typeface="Segoe UI"/>
+        <a:font script="Mymr" typeface="Myanmar Text"/>
+        <a:font script="Nkoo" typeface="Ebrima"/>
+        <a:font script="Olck" typeface="Nirmala UI"/>
+        <a:font script="Osma" typeface="Ebrima"/>
+        <a:font script="Phag" typeface="Phagspa"/>
+        <a:font script="Syrn" typeface="Estrangelo Edessa"/>
+        <a:font script="Syrj" typeface="Estrangelo Edessa"/>
+        <a:font script="Syre" typeface="Estrangelo Edessa"/>
+        <a:font script="Sora" typeface="Nirmala UI"/>
+        <a:font script="Tale" typeface="Microsoft Tai Le"/>
+        <a:font script="Talu" typeface="Microsoft New Tai Lue"/>
+        <a:font script="Tfng" typeface="Ebrima"/>
+      </a:majorFont>
+      <a:minorFont>
+        <a:latin typeface="Calibri" panose="020F0502020204030204"/>
+        <a:ea typeface=""/>
+        <a:cs typeface=""/>
+        <a:font script="Jpan" typeface="游ゴシック"/>
+        <a:font script="Hang" typeface="맑은 고딕"/>
+        <a:font script="Hans" typeface="等线"/>
+        <a:font script="Hant" typeface="新細明體"/>
+        <a:font script="Arab" typeface="Arial"/>
+        <a:font script="Hebr" typeface="Arial"/>
+        <a:font script="Thai" typeface="Cordia New"/>
+        <a:font script="Ethi" typeface="Nyala"/>
+        <a:font script="Beng" typeface="Vrinda"/>
+        <a:font script="Gujr" typeface="Shruti"/>
+        <a:font script="Khmr" typeface="DaunPenh"/>
+        <a:font script="Knda" typeface="Tunga"/>
+        <a:font script="Guru" typeface="Raavi"/>
+        <a:font script="Cans" typeface="Euphemia"/>
+        <a:font script="Cher" typeface="Plantagenet Cherokee"/>
+        <a:font script="Yiii" typeface="Microsoft Yi Baiti"/>
+        <a:font script="Tibt" typeface="Microsoft Himalaya"/>
+        <a:font script="Thaa" typeface="MV Boli"/>
+        <a:font script="Deva" typeface="Mangal"/>
+        <a:font script="Telu" typeface="Gautami"/>
+        <a:font script="Taml" typeface="Latha"/>
+        <a:font script="Syrc" typeface="Estrangelo Edessa"/>
+        <a:font script="Orya" typeface="Kalinga"/>
+        <a:font script="Mlym" typeface="Kartika"/>
+        <a:font script="Laoo" typeface="DokChampa"/>
+        <a:font script="Sinh" typeface="Iskoola Pota"/>
+        <a:font script="Mong" typeface="Mongolian Baiti"/>
+        <a:font script="Viet" typeface="Arial"/>
+        <a:font script="Uigh" typeface="Microsoft Uighur"/>
+        <a:font script="Geor" typeface="Sylfaen"/>
+        <a:font script="Armn" typeface="Arial"/>
+        <a:font script="Bugi" typeface="Leelawadee UI"/>
+        <a:font script="Bopo" typeface="Microsoft JhengHei"/>
+        <a:font script="Java" typeface="Javanese Text"/>
+        <a:font script="Lisu" typeface="Segoe UI"/>
+        <a:font script="Mymr" typeface="Myanmar Text"/>
+        <a:font script="Nkoo" typeface="Ebrima"/>
+        <a:font script="Olck" typeface="Nirmala UI"/>
+        <a:font script="Osma" typeface="Ebrima"/>
+        <a:font script="Phag" typeface="Phagspa"/>
+        <a:font script="Syrn" typeface="Estrangelo Edessa"/>
+        <a:font script="Syrj" typeface="Estrangelo Edessa"/>
+        <a:font script="Syre" typeface="Estrangelo Edessa"/>
+        <a:font script="Sora" typeface="Nirmala UI"/>
+        <a:font script="Tale" typeface="Microsoft Tai Le"/>
+        <a:font script="Talu" typeface="Microsoft New Tai Lue"/>
+        <a:font script="Tfng" typeface="Ebrima"/>
+      </a:minorFont>
+    </a:fontScheme>
+    <a:fmtScheme name="Office">
+      <a:fillStyleLst>
+        <a:solidFill>
+          <a:schemeClr val="phClr"/>
+        </a:solidFill>
+        <a:gradFill rotWithShape="1">
+          <a:gsLst>
+            <a:gs pos="0">
+              <a:schemeClr val="phClr">
+                <a:lumMod val="110000"/>
+                <a:satMod val="105000"/>
+                <a:tint val="67000"/>
+              </a:schemeClr>
+            </a:gs>
+            <a:gs pos="50000">
+              <a:schemeClr val="phClr">
+                <a:lumMod val="105000"/>
+                <a:satMod val="103000"/>
+                <a:tint val="73000"/>
+              </a:schemeClr>
+            </a:gs>
+            <a:gs pos="100000">
+              <a:schemeClr val="phClr">
+                <a:lumMod val="105000"/>
+                <a:satMod val="109000"/>
+                <a:tint val="81000"/>
+              </a:schemeClr>
+            </a:gs>
+          </a:gsLst>
+          <a:lin ang="5400000" scaled="0"/>
+        </a:gradFill>
+        <a:gradFill rotWithShape="1">
+          <a:gsLst>
+            <a:gs pos="0">
+              <a:schemeClr val="phClr">
+                <a:satMod val="103000"/>
+                <a:lumMod val="102000"/>
+                <a:tint val="94000"/>
+              </a:schemeClr>
+            </a:gs>
+            <a:gs pos="50000">
+              <a:schemeClr val="phClr">
+                <a:satMod val="110000"/>
+                <a:lumMod val="100000"/>
+                <a:shade val="100000"/>
+              </a:schemeClr>
+            </a:gs>
+            <a:gs pos="100000">
+              <a:schemeClr val="phClr">
+                <a:lumMod val="99000"/>
+                <a:satMod val="120000"/>
+                <a:shade val="78000"/>
+              </a:schemeClr>
+            </a:gs>
+          </a:gsLst>
+          <a:lin ang="5400000" scaled="0"/>
+        </a:gradFill>
+      </a:fillStyleLst>
+      <a:lnStyleLst>
+        <a:ln w="6350" cap="flat" cmpd="sng" algn="ctr">
+          <a:solidFill>
+            <a:schemeClr val="phClr"/>
+          </a:solidFill>
+          <a:prstDash val="solid"/>
+          <a:miter lim="800000"/>
+        </a:ln>
+        <a:ln w="12700" cap="flat" cmpd="sng" algn="ctr">
+          <a:solidFill>
+            <a:schemeClr val="phClr"/>
+          </a:solidFill>
+          <a:prstDash val="solid"/>
+          <a:miter lim="800000"/>
+        </a:ln>
+        <a:ln w="19050" cap="flat" cmpd="sng" algn="ctr">
+          <a:solidFill>
+            <a:schemeClr val="phClr"/>
+          </a:solidFill>
+          <a:prstDash val="solid"/>
+          <a:miter lim="800000"/>
+        </a:ln>
+      </a:lnStyleLst>
+      <a:effectStyleLst>
+        <a:effectStyle>
+          <a:effectLst/>
+        </a:effectStyle>
+        <a:effectStyle>
+          <a:effectLst/>
+        </a:effectStyle>
+        <a:effectStyle>
+          <a:effectLst>
+            <a:outerShdw blurRad="57150" dist="19050" dir="5400000" algn="ctr" rotWithShape="0">
+              <a:srgbClr val="000000">
+                <a:alpha val="63000"/>
+              </a:srgbClr>
+            </a:outerShdw>
+          </a:effectLst>
+        </a:effectStyle>
+      </a:effectStyleLst>
+      <a:bgFillStyleLst>
+        <a:solidFill>
+          <a:schemeClr val="phClr"/>
+        </a:solidFill>
+        <a:solidFill>
+          <a:schemeClr val="phClr">
+            <a:tint val="95000"/>
+            <a:satMod val="170000"/>
+          </a:schemeClr>
+        </a:solidFill>
+        <a:gradFill rotWithShape="1">
+          <a:gsLst>
+            <a:gs pos="0">
+              <a:schemeClr val="phClr">
+                <a:tint val="93000"/>
+                <a:satMod val="150000"/>
+                <a:shade val="98000"/>
+                <a:lumMod val="102000"/>
+              </a:schemeClr>
+            </a:gs>
+            <a:gs pos="50000">
+              <a:schemeClr val="phClr">
+                <a:tint val="98000"/>
+                <a:satMod val="130000"/>
+                <a:shade val="90000"/>
+                <a:lumMod val="103000"/>
+              </a:schemeClr>
+            </a:gs>
+            <a:gs pos="100000">
+              <a:schemeClr val="phClr">
+                <a:shade val="63000"/>
+                <a:satMod val="120000"/>
+              </a:schemeClr>
+            </a:gs>
+          </a:gsLst>
+          <a:lin ang="5400000" scaled="0"/>
+        </a:gradFill>
+      </a:bgFillStyleLst>
+    </a:fmtScheme>
+  </a:themeElements>
+  <a:objectDefaults/>
+  <a:extraClrSchemeLst/>
+  <a:extLst>
+    <a:ext uri="{05A4C25C-085E-4340-85A3-A5531E510DB2}">
+      <thm15:themeFamily xmlns:thm15="http://schemas.microsoft.com/office/thememl/2012/main" name="Office Theme" id="{62F939B6-93AF-4DB8-9C6B-D6C7DFDC589F}" vid="{4A3C46E8-61CC-4603-A589-7422A47A8E4A}"/>
+    </a:ext>
+  </a:extLst>
+</a:theme>
 </file>